--- a/DOCS/Accenture_Kaggle_DataSciencePlatform_Presentation.pptx
+++ b/DOCS/Accenture_Kaggle_DataSciencePlatform_Presentation.pptx
@@ -6,13 +6,15 @@
     <p:sldMasterId id="2147483671" r:id="rId2"/>
   </p:sldMasterIdLst>
   <p:notesMasterIdLst>
-    <p:notesMasterId r:id="rId7"/>
+    <p:notesMasterId r:id="rId9"/>
   </p:notesMasterIdLst>
   <p:sldIdLst>
     <p:sldId id="273" r:id="rId3"/>
     <p:sldId id="412" r:id="rId4"/>
     <p:sldId id="385" r:id="rId5"/>
-    <p:sldId id="374" r:id="rId6"/>
+    <p:sldId id="413" r:id="rId6"/>
+    <p:sldId id="414" r:id="rId7"/>
+    <p:sldId id="374" r:id="rId8"/>
   </p:sldIdLst>
   <p:sldSz cx="12192000" cy="6858000"/>
   <p:notesSz cx="6858000" cy="9144000"/>
@@ -3039,7 +3041,7 @@
           <a:graphicData uri="http://schemas.openxmlformats.org/presentationml/2006/ole">
             <mc:AlternateContent xmlns:mc="http://schemas.openxmlformats.org/markup-compatibility/2006">
               <mc:Choice xmlns:v="urn:schemas-microsoft-com:vml" Requires="v">
-                <p:oleObj spid="_x0000_s1494" name="think-cell Slide" r:id="rId6" imgW="0" imgH="0" progId="">
+                <p:oleObj spid="_x0000_s1498" name="think-cell Slide" r:id="rId6" imgW="0" imgH="0" progId="">
                   <p:embed/>
                 </p:oleObj>
               </mc:Choice>
@@ -6901,7 +6903,7 @@
           <a:graphicData uri="http://schemas.openxmlformats.org/presentationml/2006/ole">
             <mc:AlternateContent xmlns:mc="http://schemas.openxmlformats.org/markup-compatibility/2006">
               <mc:Choice xmlns:v="urn:schemas-microsoft-com:vml" Requires="v">
-                <p:oleObj spid="_x0000_s3543" name="think-cell Slide" r:id="rId4" imgW="0" imgH="0" progId="">
+                <p:oleObj spid="_x0000_s3547" name="think-cell Slide" r:id="rId4" imgW="0" imgH="0" progId="">
                   <p:embed/>
                 </p:oleObj>
               </mc:Choice>
@@ -8904,14 +8906,6 @@
               </a:rPr>
               <a:t> Data Science Lab</a:t>
             </a:r>
-            <a:endParaRPr lang="en-US" b="1" i="1" dirty="0" smtClean="0">
-              <a:solidFill>
-                <a:schemeClr val="bg2"/>
-              </a:solidFill>
-              <a:latin typeface="Verdana" panose="020B0604030504040204" pitchFamily="34" charset="0"/>
-              <a:ea typeface="Verdana" panose="020B0604030504040204" pitchFamily="34" charset="0"/>
-              <a:cs typeface="Verdana" panose="020B0604030504040204" pitchFamily="34" charset="0"/>
-            </a:endParaRPr>
           </a:p>
         </p:txBody>
       </p:sp>
@@ -9180,49 +9174,8 @@
                 <a:ea typeface="Verdana" panose="020B0604030504040204" pitchFamily="34" charset="0"/>
                 <a:cs typeface="Verdana" panose="020B0604030504040204" pitchFamily="34" charset="0"/>
               </a:rPr>
-              <a:t>Data Science </a:t>
-            </a:r>
-            <a:r>
-              <a:rPr lang="en-US" sz="3200" b="1" dirty="0" smtClean="0">
-                <a:solidFill>
-                  <a:srgbClr val="1AB157"/>
-                </a:solidFill>
-                <a:latin typeface="Segoe Script" panose="020B0504020000000003" pitchFamily="34" charset="0"/>
-                <a:ea typeface="Verdana" panose="020B0604030504040204" pitchFamily="34" charset="0"/>
-                <a:cs typeface="Verdana" panose="020B0604030504040204" pitchFamily="34" charset="0"/>
-              </a:rPr>
-              <a:t>Lab </a:t>
-            </a:r>
-            <a:r>
-              <a:rPr lang="en-US" sz="3200" b="1" dirty="0" smtClean="0">
-                <a:solidFill>
-                  <a:srgbClr val="1AB157"/>
-                </a:solidFill>
-                <a:latin typeface="Segoe Script" panose="020B0504020000000003" pitchFamily="34" charset="0"/>
-                <a:ea typeface="Verdana" panose="020B0604030504040204" pitchFamily="34" charset="0"/>
-                <a:cs typeface="Verdana" panose="020B0604030504040204" pitchFamily="34" charset="0"/>
-              </a:rPr>
-              <a:t>– </a:t>
-            </a:r>
-            <a:r>
-              <a:rPr lang="en-US" sz="3200" b="1" dirty="0" smtClean="0">
-                <a:solidFill>
-                  <a:srgbClr val="1AB157"/>
-                </a:solidFill>
-                <a:latin typeface="Segoe Script" panose="020B0504020000000003" pitchFamily="34" charset="0"/>
-                <a:ea typeface="Verdana" panose="020B0604030504040204" pitchFamily="34" charset="0"/>
-                <a:cs typeface="Verdana" panose="020B0604030504040204" pitchFamily="34" charset="0"/>
-              </a:rPr>
-              <a:t>2017-06-27</a:t>
-            </a:r>
-            <a:endParaRPr lang="en-US" sz="3200" b="1" dirty="0" smtClean="0">
-              <a:solidFill>
-                <a:srgbClr val="1AB157"/>
-              </a:solidFill>
-              <a:latin typeface="Segoe Script" panose="020B0504020000000003" pitchFamily="34" charset="0"/>
-              <a:ea typeface="Verdana" panose="020B0604030504040204" pitchFamily="34" charset="0"/>
-              <a:cs typeface="Verdana" panose="020B0604030504040204" pitchFamily="34" charset="0"/>
-            </a:endParaRPr>
+              <a:t>Data Science Lab – 2017-06-27</a:t>
+            </a:r>
           </a:p>
         </p:txBody>
       </p:sp>
@@ -9423,26 +9376,14 @@
             <a:pPr lvl="2"/>
             <a:r>
               <a:rPr lang="en-US" sz="1424" dirty="0"/>
-              <a:t>train.csv </a:t>
-            </a:r>
+              <a:t>train.csv - the training set</a:t>
+            </a:r>
+          </a:p>
+          <a:p>
+            <a:pPr lvl="2"/>
             <a:r>
               <a:rPr lang="en-US" sz="1424" dirty="0"/>
-              <a:t>- the training </a:t>
-            </a:r>
-            <a:r>
-              <a:rPr lang="en-US" sz="1424" dirty="0"/>
-              <a:t>set</a:t>
-            </a:r>
-          </a:p>
-          <a:p>
-            <a:pPr lvl="2"/>
-            <a:r>
-              <a:rPr lang="en-US" sz="1424" dirty="0"/>
-              <a:t>test.csv </a:t>
-            </a:r>
-            <a:r>
-              <a:rPr lang="en-US" sz="1424" dirty="0"/>
-              <a:t>- the test </a:t>
+              <a:t>test.csv - the test </a:t>
             </a:r>
             <a:r>
               <a:rPr lang="en-US" sz="1424" dirty="0" smtClean="0"/>
@@ -9475,11 +9416,7 @@
             <a:pPr lvl="1"/>
             <a:r>
               <a:rPr lang="en-US" sz="1650" dirty="0" smtClean="0"/>
-              <a:t>Prepare data and b</a:t>
-            </a:r>
-            <a:r>
-              <a:rPr lang="en-US" sz="1650" dirty="0" smtClean="0"/>
-              <a:t>uild a data science model in R/Python</a:t>
+              <a:t>Prepare data and build a data science model in R/Python</a:t>
             </a:r>
             <a:endParaRPr lang="nl-NL" sz="1650" dirty="0"/>
           </a:p>
@@ -10158,13 +10095,6 @@
               </a:rPr>
               <a:t>Download train.csv, test.csv</a:t>
             </a:r>
-            <a:endParaRPr lang="en-US" sz="1050" kern="0" dirty="0" smtClean="0">
-              <a:solidFill>
-                <a:sysClr val="windowText" lastClr="000000"/>
-              </a:solidFill>
-              <a:latin typeface="Arial" pitchFamily="34" charset="0"/>
-              <a:cs typeface="Arial" pitchFamily="34" charset="0"/>
-            </a:endParaRPr>
           </a:p>
           <a:p>
             <a:pPr marL="342900" marR="0" indent="-342900" algn="l" defTabSz="914400" rtl="0" eaLnBrk="1" fontAlgn="base" latinLnBrk="0" hangingPunct="1">
@@ -10316,37 +10246,7 @@
                 <a:latin typeface="Arial" pitchFamily="34" charset="0"/>
                 <a:cs typeface="Arial" pitchFamily="34" charset="0"/>
               </a:rPr>
-              <a:t>Build statistics </a:t>
-            </a:r>
-            <a:r>
-              <a:rPr lang="en-US" sz="1050" kern="0" dirty="0" smtClean="0">
-                <a:solidFill>
-                  <a:sysClr val="windowText" lastClr="000000"/>
-                </a:solidFill>
-                <a:latin typeface="Arial" pitchFamily="34" charset="0"/>
-                <a:cs typeface="Arial" pitchFamily="34" charset="0"/>
-              </a:rPr>
-              <a:t>per </a:t>
-            </a:r>
-            <a:r>
-              <a:rPr lang="en-US" sz="1050" kern="0" dirty="0" smtClean="0">
-                <a:solidFill>
-                  <a:sysClr val="windowText" lastClr="000000"/>
-                </a:solidFill>
-                <a:latin typeface="Arial" pitchFamily="34" charset="0"/>
-                <a:cs typeface="Arial" pitchFamily="34" charset="0"/>
-              </a:rPr>
-              <a:t>attribute type</a:t>
-            </a:r>
-            <a:r>
-              <a:rPr lang="en-US" sz="1050" kern="0" dirty="0" smtClean="0">
-                <a:solidFill>
-                  <a:sysClr val="windowText" lastClr="000000"/>
-                </a:solidFill>
-                <a:latin typeface="Arial" pitchFamily="34" charset="0"/>
-                <a:cs typeface="Arial" pitchFamily="34" charset="0"/>
-              </a:rPr>
-              <a:t>: data sources, tables, attributes, valuations</a:t>
+              <a:t>Build statistics per attribute type: data sources, tables, attributes, valuations</a:t>
             </a:r>
           </a:p>
           <a:p>
@@ -10421,17 +10321,7 @@
                 <a:latin typeface="Arial" pitchFamily="34" charset="0"/>
                 <a:cs typeface="Arial" pitchFamily="34" charset="0"/>
               </a:rPr>
-              <a:t>Inspect </a:t>
-            </a:r>
-            <a:r>
-              <a:rPr lang="en-US" sz="1050" kern="0" noProof="0" dirty="0" smtClean="0">
-                <a:solidFill>
-                  <a:sysClr val="windowText" lastClr="000000"/>
-                </a:solidFill>
-                <a:latin typeface="Arial" pitchFamily="34" charset="0"/>
-                <a:cs typeface="Arial" pitchFamily="34" charset="0"/>
-              </a:rPr>
-              <a:t>data</a:t>
+              <a:t>Inspect data</a:t>
             </a:r>
           </a:p>
           <a:p>
@@ -10465,37 +10355,8 @@
                 <a:latin typeface="Arial" pitchFamily="34" charset="0"/>
                 <a:cs typeface="Arial" pitchFamily="34" charset="0"/>
               </a:rPr>
-              <a:t>Browse &amp; </a:t>
-            </a:r>
-            <a:r>
-              <a:rPr kumimoji="0" lang="en-US" sz="1050" b="0" i="0" u="none" strike="noStrike" kern="0" cap="none" spc="0" normalizeH="0" baseline="0" dirty="0" smtClean="0">
-                <a:ln>
-                  <a:noFill/>
-                </a:ln>
-                <a:solidFill>
-                  <a:sysClr val="windowText" lastClr="000000"/>
-                </a:solidFill>
-                <a:effectLst/>
-                <a:uLnTx/>
-                <a:uFillTx/>
-                <a:latin typeface="Arial" pitchFamily="34" charset="0"/>
-                <a:cs typeface="Arial" pitchFamily="34" charset="0"/>
-              </a:rPr>
-              <a:t>visualize data</a:t>
-            </a:r>
-            <a:endParaRPr kumimoji="0" lang="en-US" sz="1050" b="0" i="0" u="none" strike="noStrike" kern="0" cap="none" spc="0" normalizeH="0" baseline="0" dirty="0" smtClean="0">
-              <a:ln>
-                <a:noFill/>
-              </a:ln>
-              <a:solidFill>
-                <a:sysClr val="windowText" lastClr="000000"/>
-              </a:solidFill>
-              <a:effectLst/>
-              <a:uLnTx/>
-              <a:uFillTx/>
-              <a:latin typeface="Arial" pitchFamily="34" charset="0"/>
-              <a:cs typeface="Arial" pitchFamily="34" charset="0"/>
-            </a:endParaRPr>
+              <a:t>Browse &amp; visualize data</a:t>
+            </a:r>
           </a:p>
           <a:p>
             <a:pPr marL="342900" marR="0" indent="-342900" algn="l" defTabSz="914400" rtl="0" eaLnBrk="1" fontAlgn="base" latinLnBrk="0" hangingPunct="1">
@@ -10522,17 +10383,7 @@
                 <a:latin typeface="Arial" pitchFamily="34" charset="0"/>
                 <a:cs typeface="Arial" pitchFamily="34" charset="0"/>
               </a:rPr>
-              <a:t>Cluster </a:t>
-            </a:r>
-            <a:r>
-              <a:rPr lang="en-US" sz="1050" kern="0" noProof="0" dirty="0" smtClean="0">
-                <a:solidFill>
-                  <a:sysClr val="windowText" lastClr="000000"/>
-                </a:solidFill>
-                <a:latin typeface="Arial" pitchFamily="34" charset="0"/>
-                <a:cs typeface="Arial" pitchFamily="34" charset="0"/>
-              </a:rPr>
-              <a:t>data</a:t>
+              <a:t>Cluster data</a:t>
             </a:r>
             <a:endParaRPr kumimoji="0" lang="nl-NL" sz="1050" b="0" i="0" u="none" strike="noStrike" kern="0" cap="none" spc="0" normalizeH="0" baseline="0" noProof="0" dirty="0" err="1" smtClean="0">
               <a:ln>
@@ -10811,13 +10662,6 @@
               </a:rPr>
               <a:t> community</a:t>
             </a:r>
-            <a:endParaRPr lang="en-US" sz="1050" kern="0" dirty="0" smtClean="0">
-              <a:solidFill>
-                <a:sysClr val="windowText" lastClr="000000"/>
-              </a:solidFill>
-              <a:latin typeface="Arial" pitchFamily="34" charset="0"/>
-              <a:cs typeface="Arial" pitchFamily="34" charset="0"/>
-            </a:endParaRPr>
           </a:p>
           <a:p>
             <a:pPr marL="342900" marR="0" indent="-342900" algn="l" defTabSz="914400" rtl="0" eaLnBrk="1" fontAlgn="base" latinLnBrk="0" hangingPunct="1">
@@ -11062,27 +10906,7 @@
                 <a:latin typeface="Arial" pitchFamily="34" charset="0"/>
                 <a:cs typeface="Arial" pitchFamily="34" charset="0"/>
               </a:rPr>
-              <a:t>Integrate </a:t>
-            </a:r>
-            <a:r>
-              <a:rPr lang="en-US" sz="1050" kern="0" dirty="0" smtClean="0">
-                <a:solidFill>
-                  <a:sysClr val="windowText" lastClr="000000"/>
-                </a:solidFill>
-                <a:latin typeface="Arial" pitchFamily="34" charset="0"/>
-                <a:cs typeface="Arial" pitchFamily="34" charset="0"/>
-              </a:rPr>
-              <a:t>data </a:t>
-            </a:r>
-            <a:r>
-              <a:rPr lang="en-US" sz="1050" kern="0" dirty="0" smtClean="0">
-                <a:solidFill>
-                  <a:sysClr val="windowText" lastClr="000000"/>
-                </a:solidFill>
-                <a:latin typeface="Arial" pitchFamily="34" charset="0"/>
-                <a:cs typeface="Arial" pitchFamily="34" charset="0"/>
-              </a:rPr>
-              <a:t>set with external data sources (e.g. pet types from scraped web site)</a:t>
+              <a:t>Integrate data set with external data sources (e.g. pet types from scraped web site)</a:t>
             </a:r>
             <a:endParaRPr lang="en-US" sz="1050" kern="0" dirty="0">
               <a:solidFill>
@@ -11207,13 +11031,6 @@
               </a:rPr>
               <a:t>Define model</a:t>
             </a:r>
-            <a:endParaRPr lang="en-US" sz="1050" kern="0" dirty="0" smtClean="0">
-              <a:solidFill>
-                <a:sysClr val="windowText" lastClr="000000"/>
-              </a:solidFill>
-              <a:latin typeface="Arial" pitchFamily="34" charset="0"/>
-              <a:cs typeface="Arial" pitchFamily="34" charset="0"/>
-            </a:endParaRPr>
           </a:p>
           <a:p>
             <a:pPr marL="342900" marR="0" indent="-342900" algn="l" defTabSz="914400" rtl="0" eaLnBrk="1" fontAlgn="base" latinLnBrk="0" hangingPunct="1">
@@ -11242,13 +11059,6 @@
               </a:rPr>
               <a:t>Engineer data model features</a:t>
             </a:r>
-            <a:endParaRPr lang="en-US" sz="1050" kern="0" dirty="0" smtClean="0">
-              <a:solidFill>
-                <a:sysClr val="windowText" lastClr="000000"/>
-              </a:solidFill>
-              <a:latin typeface="Arial" pitchFamily="34" charset="0"/>
-              <a:cs typeface="Arial" pitchFamily="34" charset="0"/>
-            </a:endParaRPr>
           </a:p>
           <a:p>
             <a:pPr marL="342900" marR="0" indent="-342900" algn="l" defTabSz="914400" rtl="0" eaLnBrk="1" fontAlgn="base" latinLnBrk="0" hangingPunct="1">
@@ -11277,13 +11087,6 @@
               </a:rPr>
               <a:t>Build model that fits training data to outcomes</a:t>
             </a:r>
-            <a:endParaRPr lang="en-US" sz="1050" kern="0" noProof="0" dirty="0" smtClean="0">
-              <a:solidFill>
-                <a:sysClr val="windowText" lastClr="000000"/>
-              </a:solidFill>
-              <a:latin typeface="Arial" pitchFamily="34" charset="0"/>
-              <a:cs typeface="Arial" pitchFamily="34" charset="0"/>
-            </a:endParaRPr>
           </a:p>
           <a:p>
             <a:pPr marL="342900" marR="0" indent="-342900" algn="l" defTabSz="914400" rtl="0" eaLnBrk="1" fontAlgn="base" latinLnBrk="0" hangingPunct="1">
@@ -11310,17 +11113,7 @@
                 <a:latin typeface="Arial" pitchFamily="34" charset="0"/>
                 <a:cs typeface="Arial" pitchFamily="34" charset="0"/>
               </a:rPr>
-              <a:t>View </a:t>
-            </a:r>
-            <a:r>
-              <a:rPr lang="en-US" sz="1050" kern="0" dirty="0" smtClean="0">
-                <a:solidFill>
-                  <a:sysClr val="windowText" lastClr="000000"/>
-                </a:solidFill>
-                <a:latin typeface="Arial" pitchFamily="34" charset="0"/>
-                <a:cs typeface="Arial" pitchFamily="34" charset="0"/>
-              </a:rPr>
-              <a:t>&amp; compare models</a:t>
+              <a:t>View &amp; compare models</a:t>
             </a:r>
             <a:endParaRPr lang="en-US" sz="1050" kern="0" noProof="0" dirty="0" smtClean="0">
               <a:solidFill>
@@ -11374,13 +11167,6 @@
               </a:rPr>
               <a:t>Optimize/tune model</a:t>
             </a:r>
-            <a:endParaRPr lang="en-US" sz="1050" kern="0" dirty="0" smtClean="0">
-              <a:solidFill>
-                <a:sysClr val="windowText" lastClr="000000"/>
-              </a:solidFill>
-              <a:latin typeface="Arial" pitchFamily="34" charset="0"/>
-              <a:cs typeface="Arial" pitchFamily="34" charset="0"/>
-            </a:endParaRPr>
           </a:p>
         </p:txBody>
       </p:sp>
@@ -11505,13 +11291,6 @@
               </a:rPr>
               <a:t>View outcome accuracy per pet/animal type</a:t>
             </a:r>
-            <a:endParaRPr lang="en-US" sz="1050" kern="0" dirty="0" smtClean="0">
-              <a:solidFill>
-                <a:sysClr val="windowText" lastClr="000000"/>
-              </a:solidFill>
-              <a:latin typeface="Arial" pitchFamily="34" charset="0"/>
-              <a:cs typeface="Arial" pitchFamily="34" charset="0"/>
-            </a:endParaRPr>
           </a:p>
         </p:txBody>
       </p:sp>
@@ -11572,6 +11351,4847 @@
         </p:nvSpPr>
         <p:spPr>
           <a:xfrm>
+            <a:off x="8431619" y="4"/>
+            <a:ext cx="3130728" cy="584787"/>
+          </a:xfrm>
+        </p:spPr>
+        <p:txBody>
+          <a:bodyPr/>
+          <a:lstStyle/>
+          <a:p>
+            <a:r>
+              <a:rPr lang="en-US" dirty="0" smtClean="0"/>
+              <a:t>Variables importance</a:t>
+            </a:r>
+            <a:endParaRPr lang="nl-NL" dirty="0"/>
+          </a:p>
+        </p:txBody>
+      </p:sp>
+      <p:graphicFrame>
+        <p:nvGraphicFramePr>
+          <p:cNvPr id="5" name="Table 4"/>
+          <p:cNvGraphicFramePr>
+            <a:graphicFrameLocks noGrp="1"/>
+          </p:cNvGraphicFramePr>
+          <p:nvPr>
+            <p:extLst>
+              <p:ext uri="{D42A27DB-BD31-4B8C-83A1-F6EECF244321}">
+                <p14:modId xmlns:p14="http://schemas.microsoft.com/office/powerpoint/2010/main" val="3062109806"/>
+              </p:ext>
+            </p:extLst>
+          </p:nvPr>
+        </p:nvGraphicFramePr>
+        <p:xfrm>
+          <a:off x="8998444" y="1019063"/>
+          <a:ext cx="2755062" cy="5524879"/>
+        </p:xfrm>
+        <a:graphic>
+          <a:graphicData uri="http://schemas.openxmlformats.org/drawingml/2006/table">
+            <a:tbl>
+              <a:tblPr/>
+              <a:tblGrid>
+                <a:gridCol w="392439"/>
+                <a:gridCol w="1376689"/>
+                <a:gridCol w="985934"/>
+              </a:tblGrid>
+              <a:tr h="458862">
+                <a:tc>
+                  <a:txBody>
+                    <a:bodyPr/>
+                    <a:lstStyle/>
+                    <a:p>
+                      <a:pPr algn="l"/>
+                      <a:r>
+                        <a:rPr lang="en-US" sz="1300" b="1" dirty="0" err="1" smtClean="0">
+                          <a:solidFill>
+                            <a:srgbClr val="555555"/>
+                          </a:solidFill>
+                          <a:effectLst/>
+                        </a:rPr>
+                        <a:t>Nr</a:t>
+                      </a:r>
+                      <a:endParaRPr lang="nl-NL" sz="1300" b="1" dirty="0">
+                        <a:solidFill>
+                          <a:srgbClr val="555555"/>
+                        </a:solidFill>
+                        <a:effectLst/>
+                      </a:endParaRPr>
+                    </a:p>
+                  </a:txBody>
+                  <a:tcPr marL="35088" marR="35088" marT="33685" marB="33685" anchor="ctr">
+                    <a:lnL w="9525" cap="flat" cmpd="sng" algn="ctr">
+                      <a:solidFill>
+                        <a:srgbClr val="CFD4D8"/>
+                      </a:solidFill>
+                      <a:prstDash val="solid"/>
+                      <a:round/>
+                      <a:headEnd type="none" w="med" len="med"/>
+                      <a:tailEnd type="none" w="med" len="med"/>
+                    </a:lnL>
+                    <a:lnR w="9525" cap="flat" cmpd="sng" algn="ctr">
+                      <a:solidFill>
+                        <a:srgbClr val="CFD4D8"/>
+                      </a:solidFill>
+                      <a:prstDash val="solid"/>
+                      <a:round/>
+                      <a:headEnd type="none" w="med" len="med"/>
+                      <a:tailEnd type="none" w="med" len="med"/>
+                    </a:lnR>
+                    <a:lnT>
+                      <a:noFill/>
+                    </a:lnT>
+                    <a:lnB w="12700" cap="flat" cmpd="sng" algn="ctr">
+                      <a:solidFill>
+                        <a:srgbClr val="CFD4D8"/>
+                      </a:solidFill>
+                      <a:prstDash val="solid"/>
+                      <a:round/>
+                      <a:headEnd type="none" w="med" len="med"/>
+                      <a:tailEnd type="none" w="med" len="med"/>
+                    </a:lnB>
+                  </a:tcPr>
+                </a:tc>
+                <a:tc>
+                  <a:txBody>
+                    <a:bodyPr/>
+                    <a:lstStyle/>
+                    <a:p>
+                      <a:pPr algn="l"/>
+                      <a:r>
+                        <a:rPr lang="en-US" sz="1300" b="1" dirty="0" smtClean="0">
+                          <a:solidFill>
+                            <a:srgbClr val="555555"/>
+                          </a:solidFill>
+                          <a:effectLst/>
+                        </a:rPr>
+                        <a:t>Variable</a:t>
+                      </a:r>
+                      <a:endParaRPr lang="nl-NL" sz="1300" b="1" dirty="0">
+                        <a:solidFill>
+                          <a:srgbClr val="555555"/>
+                        </a:solidFill>
+                        <a:effectLst/>
+                      </a:endParaRPr>
+                    </a:p>
+                  </a:txBody>
+                  <a:tcPr marL="35088" marR="35088" marT="33685" marB="33685" anchor="ctr">
+                    <a:lnL w="9525" cap="flat" cmpd="sng" algn="ctr">
+                      <a:solidFill>
+                        <a:srgbClr val="CFD4D8"/>
+                      </a:solidFill>
+                      <a:prstDash val="solid"/>
+                      <a:round/>
+                      <a:headEnd type="none" w="med" len="med"/>
+                      <a:tailEnd type="none" w="med" len="med"/>
+                    </a:lnL>
+                    <a:lnR w="9525" cap="flat" cmpd="sng" algn="ctr">
+                      <a:solidFill>
+                        <a:srgbClr val="CFD4D8"/>
+                      </a:solidFill>
+                      <a:prstDash val="solid"/>
+                      <a:round/>
+                      <a:headEnd type="none" w="med" len="med"/>
+                      <a:tailEnd type="none" w="med" len="med"/>
+                    </a:lnR>
+                    <a:lnT>
+                      <a:noFill/>
+                    </a:lnT>
+                    <a:lnB w="12700" cap="flat" cmpd="sng" algn="ctr">
+                      <a:solidFill>
+                        <a:srgbClr val="CFD4D8"/>
+                      </a:solidFill>
+                      <a:prstDash val="solid"/>
+                      <a:round/>
+                      <a:headEnd type="none" w="med" len="med"/>
+                      <a:tailEnd type="none" w="med" len="med"/>
+                    </a:lnB>
+                  </a:tcPr>
+                </a:tc>
+                <a:tc>
+                  <a:txBody>
+                    <a:bodyPr/>
+                    <a:lstStyle/>
+                    <a:p>
+                      <a:pPr algn="l"/>
+                      <a:r>
+                        <a:rPr lang="en-US" sz="1300" b="1" dirty="0" smtClean="0">
+                          <a:solidFill>
+                            <a:srgbClr val="555555"/>
+                          </a:solidFill>
+                          <a:effectLst/>
+                        </a:rPr>
+                        <a:t>Importance</a:t>
+                      </a:r>
+                      <a:endParaRPr lang="nl-NL" sz="1300" b="1" dirty="0">
+                        <a:solidFill>
+                          <a:srgbClr val="555555"/>
+                        </a:solidFill>
+                        <a:effectLst/>
+                      </a:endParaRPr>
+                    </a:p>
+                  </a:txBody>
+                  <a:tcPr marL="35088" marR="35088" marT="33685" marB="33685" anchor="ctr">
+                    <a:lnL w="9525" cap="flat" cmpd="sng" algn="ctr">
+                      <a:solidFill>
+                        <a:srgbClr val="CFD4D8"/>
+                      </a:solidFill>
+                      <a:prstDash val="solid"/>
+                      <a:round/>
+                      <a:headEnd type="none" w="med" len="med"/>
+                      <a:tailEnd type="none" w="med" len="med"/>
+                    </a:lnL>
+                    <a:lnR w="9525" cap="flat" cmpd="sng" algn="ctr">
+                      <a:solidFill>
+                        <a:srgbClr val="CFD4D8"/>
+                      </a:solidFill>
+                      <a:prstDash val="solid"/>
+                      <a:round/>
+                      <a:headEnd type="none" w="med" len="med"/>
+                      <a:tailEnd type="none" w="med" len="med"/>
+                    </a:lnR>
+                    <a:lnT>
+                      <a:noFill/>
+                    </a:lnT>
+                    <a:lnB w="12700" cap="flat" cmpd="sng" algn="ctr">
+                      <a:solidFill>
+                        <a:srgbClr val="CFD4D8"/>
+                      </a:solidFill>
+                      <a:prstDash val="solid"/>
+                      <a:round/>
+                      <a:headEnd type="none" w="med" len="med"/>
+                      <a:tailEnd type="none" w="med" len="med"/>
+                    </a:lnB>
+                  </a:tcPr>
+                </a:tc>
+              </a:tr>
+              <a:tr h="460547">
+                <a:tc>
+                  <a:txBody>
+                    <a:bodyPr/>
+                    <a:lstStyle/>
+                    <a:p>
+                      <a:r>
+                        <a:rPr lang="nl-NL" sz="1300">
+                          <a:effectLst/>
+                        </a:rPr>
+                        <a:t>#1</a:t>
+                      </a:r>
+                    </a:p>
+                  </a:txBody>
+                  <a:tcPr marL="35088" marR="35088" marT="28071" marB="28071" anchor="ctr">
+                    <a:lnL w="9525" cap="flat" cmpd="sng" algn="ctr">
+                      <a:solidFill>
+                        <a:srgbClr val="CFD4D8"/>
+                      </a:solidFill>
+                      <a:prstDash val="solid"/>
+                      <a:round/>
+                      <a:headEnd type="none" w="med" len="med"/>
+                      <a:tailEnd type="none" w="med" len="med"/>
+                    </a:lnL>
+                    <a:lnR w="9525" cap="flat" cmpd="sng" algn="ctr">
+                      <a:solidFill>
+                        <a:srgbClr val="CFD4D8"/>
+                      </a:solidFill>
+                      <a:prstDash val="solid"/>
+                      <a:round/>
+                      <a:headEnd type="none" w="med" len="med"/>
+                      <a:tailEnd type="none" w="med" len="med"/>
+                    </a:lnR>
+                    <a:lnT w="12700" cap="flat" cmpd="sng" algn="ctr">
+                      <a:solidFill>
+                        <a:srgbClr val="CFD4D8"/>
+                      </a:solidFill>
+                      <a:prstDash val="solid"/>
+                      <a:round/>
+                      <a:headEnd type="none" w="med" len="med"/>
+                      <a:tailEnd type="none" w="med" len="med"/>
+                    </a:lnT>
+                    <a:lnB w="9525" cap="flat" cmpd="sng" algn="ctr">
+                      <a:solidFill>
+                        <a:srgbClr val="CFD4D8"/>
+                      </a:solidFill>
+                      <a:prstDash val="solid"/>
+                      <a:round/>
+                      <a:headEnd type="none" w="med" len="med"/>
+                      <a:tailEnd type="none" w="med" len="med"/>
+                    </a:lnB>
+                    <a:solidFill>
+                      <a:srgbClr val="FFFFFF"/>
+                    </a:solidFill>
+                  </a:tcPr>
+                </a:tc>
+                <a:tc>
+                  <a:txBody>
+                    <a:bodyPr/>
+                    <a:lstStyle/>
+                    <a:p>
+                      <a:r>
+                        <a:rPr lang="nl-NL" sz="1300" dirty="0" err="1">
+                          <a:effectLst/>
+                        </a:rPr>
+                        <a:t>age_in_days</a:t>
+                      </a:r>
+                      <a:endParaRPr lang="nl-NL" sz="1300" dirty="0">
+                        <a:effectLst/>
+                      </a:endParaRPr>
+                    </a:p>
+                  </a:txBody>
+                  <a:tcPr marL="35088" marR="35088" marT="28071" marB="28071" anchor="ctr">
+                    <a:lnL w="9525" cap="flat" cmpd="sng" algn="ctr">
+                      <a:solidFill>
+                        <a:srgbClr val="CFD4D8"/>
+                      </a:solidFill>
+                      <a:prstDash val="solid"/>
+                      <a:round/>
+                      <a:headEnd type="none" w="med" len="med"/>
+                      <a:tailEnd type="none" w="med" len="med"/>
+                    </a:lnL>
+                    <a:lnR w="9525" cap="flat" cmpd="sng" algn="ctr">
+                      <a:solidFill>
+                        <a:srgbClr val="CFD4D8"/>
+                      </a:solidFill>
+                      <a:prstDash val="solid"/>
+                      <a:round/>
+                      <a:headEnd type="none" w="med" len="med"/>
+                      <a:tailEnd type="none" w="med" len="med"/>
+                    </a:lnR>
+                    <a:lnT w="12700" cap="flat" cmpd="sng" algn="ctr">
+                      <a:solidFill>
+                        <a:srgbClr val="CFD4D8"/>
+                      </a:solidFill>
+                      <a:prstDash val="solid"/>
+                      <a:round/>
+                      <a:headEnd type="none" w="med" len="med"/>
+                      <a:tailEnd type="none" w="med" len="med"/>
+                    </a:lnT>
+                    <a:lnB w="9525" cap="flat" cmpd="sng" algn="ctr">
+                      <a:solidFill>
+                        <a:srgbClr val="CFD4D8"/>
+                      </a:solidFill>
+                      <a:prstDash val="solid"/>
+                      <a:round/>
+                      <a:headEnd type="none" w="med" len="med"/>
+                      <a:tailEnd type="none" w="med" len="med"/>
+                    </a:lnB>
+                    <a:solidFill>
+                      <a:srgbClr val="FFFFFF"/>
+                    </a:solidFill>
+                  </a:tcPr>
+                </a:tc>
+                <a:tc>
+                  <a:txBody>
+                    <a:bodyPr/>
+                    <a:lstStyle/>
+                    <a:p>
+                      <a:pPr algn="r"/>
+                      <a:r>
+                        <a:rPr lang="nl-NL" sz="1300">
+                          <a:effectLst/>
+                        </a:rPr>
+                        <a:t>2782.02</a:t>
+                      </a:r>
+                    </a:p>
+                  </a:txBody>
+                  <a:tcPr marL="35088" marR="35088" marT="28071" marB="28071" anchor="ctr">
+                    <a:lnL w="9525" cap="flat" cmpd="sng" algn="ctr">
+                      <a:solidFill>
+                        <a:srgbClr val="CFD4D8"/>
+                      </a:solidFill>
+                      <a:prstDash val="solid"/>
+                      <a:round/>
+                      <a:headEnd type="none" w="med" len="med"/>
+                      <a:tailEnd type="none" w="med" len="med"/>
+                    </a:lnL>
+                    <a:lnR w="9525" cap="flat" cmpd="sng" algn="ctr">
+                      <a:solidFill>
+                        <a:srgbClr val="CFD4D8"/>
+                      </a:solidFill>
+                      <a:prstDash val="solid"/>
+                      <a:round/>
+                      <a:headEnd type="none" w="med" len="med"/>
+                      <a:tailEnd type="none" w="med" len="med"/>
+                    </a:lnR>
+                    <a:lnT w="12700" cap="flat" cmpd="sng" algn="ctr">
+                      <a:solidFill>
+                        <a:srgbClr val="CFD4D8"/>
+                      </a:solidFill>
+                      <a:prstDash val="solid"/>
+                      <a:round/>
+                      <a:headEnd type="none" w="med" len="med"/>
+                      <a:tailEnd type="none" w="med" len="med"/>
+                    </a:lnT>
+                    <a:lnB w="9525" cap="flat" cmpd="sng" algn="ctr">
+                      <a:solidFill>
+                        <a:srgbClr val="CFD4D8"/>
+                      </a:solidFill>
+                      <a:prstDash val="solid"/>
+                      <a:round/>
+                      <a:headEnd type="none" w="med" len="med"/>
+                      <a:tailEnd type="none" w="med" len="med"/>
+                    </a:lnB>
+                    <a:solidFill>
+                      <a:srgbClr val="FFFFFF"/>
+                    </a:solidFill>
+                  </a:tcPr>
+                </a:tc>
+              </a:tr>
+              <a:tr h="460547">
+                <a:tc>
+                  <a:txBody>
+                    <a:bodyPr/>
+                    <a:lstStyle/>
+                    <a:p>
+                      <a:r>
+                        <a:rPr lang="nl-NL" sz="1300">
+                          <a:effectLst/>
+                        </a:rPr>
+                        <a:t>#2</a:t>
+                      </a:r>
+                    </a:p>
+                  </a:txBody>
+                  <a:tcPr marL="35088" marR="35088" marT="28071" marB="28071" anchor="ctr">
+                    <a:lnL w="9525" cap="flat" cmpd="sng" algn="ctr">
+                      <a:solidFill>
+                        <a:srgbClr val="CFD4D8"/>
+                      </a:solidFill>
+                      <a:prstDash val="solid"/>
+                      <a:round/>
+                      <a:headEnd type="none" w="med" len="med"/>
+                      <a:tailEnd type="none" w="med" len="med"/>
+                    </a:lnL>
+                    <a:lnR w="9525" cap="flat" cmpd="sng" algn="ctr">
+                      <a:solidFill>
+                        <a:srgbClr val="CFD4D8"/>
+                      </a:solidFill>
+                      <a:prstDash val="solid"/>
+                      <a:round/>
+                      <a:headEnd type="none" w="med" len="med"/>
+                      <a:tailEnd type="none" w="med" len="med"/>
+                    </a:lnR>
+                    <a:lnT w="9525" cap="flat" cmpd="sng" algn="ctr">
+                      <a:solidFill>
+                        <a:srgbClr val="CFD4D8"/>
+                      </a:solidFill>
+                      <a:prstDash val="solid"/>
+                      <a:round/>
+                      <a:headEnd type="none" w="med" len="med"/>
+                      <a:tailEnd type="none" w="med" len="med"/>
+                    </a:lnT>
+                    <a:lnB w="9525" cap="flat" cmpd="sng" algn="ctr">
+                      <a:solidFill>
+                        <a:srgbClr val="CFD4D8"/>
+                      </a:solidFill>
+                      <a:prstDash val="solid"/>
+                      <a:round/>
+                      <a:headEnd type="none" w="med" len="med"/>
+                      <a:tailEnd type="none" w="med" len="med"/>
+                    </a:lnB>
+                    <a:solidFill>
+                      <a:srgbClr val="FDFDFD"/>
+                    </a:solidFill>
+                  </a:tcPr>
+                </a:tc>
+                <a:tc>
+                  <a:txBody>
+                    <a:bodyPr/>
+                    <a:lstStyle/>
+                    <a:p>
+                      <a:r>
+                        <a:rPr lang="nl-NL" sz="1300">
+                          <a:effectLst/>
+                        </a:rPr>
+                        <a:t>is_not_castrated</a:t>
+                      </a:r>
+                    </a:p>
+                  </a:txBody>
+                  <a:tcPr marL="35088" marR="35088" marT="28071" marB="28071" anchor="ctr">
+                    <a:lnL w="9525" cap="flat" cmpd="sng" algn="ctr">
+                      <a:solidFill>
+                        <a:srgbClr val="CFD4D8"/>
+                      </a:solidFill>
+                      <a:prstDash val="solid"/>
+                      <a:round/>
+                      <a:headEnd type="none" w="med" len="med"/>
+                      <a:tailEnd type="none" w="med" len="med"/>
+                    </a:lnL>
+                    <a:lnR w="9525" cap="flat" cmpd="sng" algn="ctr">
+                      <a:solidFill>
+                        <a:srgbClr val="CFD4D8"/>
+                      </a:solidFill>
+                      <a:prstDash val="solid"/>
+                      <a:round/>
+                      <a:headEnd type="none" w="med" len="med"/>
+                      <a:tailEnd type="none" w="med" len="med"/>
+                    </a:lnR>
+                    <a:lnT w="9525" cap="flat" cmpd="sng" algn="ctr">
+                      <a:solidFill>
+                        <a:srgbClr val="CFD4D8"/>
+                      </a:solidFill>
+                      <a:prstDash val="solid"/>
+                      <a:round/>
+                      <a:headEnd type="none" w="med" len="med"/>
+                      <a:tailEnd type="none" w="med" len="med"/>
+                    </a:lnT>
+                    <a:lnB w="9525" cap="flat" cmpd="sng" algn="ctr">
+                      <a:solidFill>
+                        <a:srgbClr val="CFD4D8"/>
+                      </a:solidFill>
+                      <a:prstDash val="solid"/>
+                      <a:round/>
+                      <a:headEnd type="none" w="med" len="med"/>
+                      <a:tailEnd type="none" w="med" len="med"/>
+                    </a:lnB>
+                    <a:solidFill>
+                      <a:srgbClr val="FDFDFD"/>
+                    </a:solidFill>
+                  </a:tcPr>
+                </a:tc>
+                <a:tc>
+                  <a:txBody>
+                    <a:bodyPr/>
+                    <a:lstStyle/>
+                    <a:p>
+                      <a:pPr algn="r"/>
+                      <a:r>
+                        <a:rPr lang="nl-NL" sz="1300">
+                          <a:effectLst/>
+                        </a:rPr>
+                        <a:t>2359.37</a:t>
+                      </a:r>
+                    </a:p>
+                  </a:txBody>
+                  <a:tcPr marL="35088" marR="35088" marT="28071" marB="28071" anchor="ctr">
+                    <a:lnL w="9525" cap="flat" cmpd="sng" algn="ctr">
+                      <a:solidFill>
+                        <a:srgbClr val="CFD4D8"/>
+                      </a:solidFill>
+                      <a:prstDash val="solid"/>
+                      <a:round/>
+                      <a:headEnd type="none" w="med" len="med"/>
+                      <a:tailEnd type="none" w="med" len="med"/>
+                    </a:lnL>
+                    <a:lnR w="9525" cap="flat" cmpd="sng" algn="ctr">
+                      <a:solidFill>
+                        <a:srgbClr val="CFD4D8"/>
+                      </a:solidFill>
+                      <a:prstDash val="solid"/>
+                      <a:round/>
+                      <a:headEnd type="none" w="med" len="med"/>
+                      <a:tailEnd type="none" w="med" len="med"/>
+                    </a:lnR>
+                    <a:lnT w="9525" cap="flat" cmpd="sng" algn="ctr">
+                      <a:solidFill>
+                        <a:srgbClr val="CFD4D8"/>
+                      </a:solidFill>
+                      <a:prstDash val="solid"/>
+                      <a:round/>
+                      <a:headEnd type="none" w="med" len="med"/>
+                      <a:tailEnd type="none" w="med" len="med"/>
+                    </a:lnT>
+                    <a:lnB w="9525" cap="flat" cmpd="sng" algn="ctr">
+                      <a:solidFill>
+                        <a:srgbClr val="CFD4D8"/>
+                      </a:solidFill>
+                      <a:prstDash val="solid"/>
+                      <a:round/>
+                      <a:headEnd type="none" w="med" len="med"/>
+                      <a:tailEnd type="none" w="med" len="med"/>
+                    </a:lnB>
+                    <a:solidFill>
+                      <a:srgbClr val="FDFDFD"/>
+                    </a:solidFill>
+                  </a:tcPr>
+                </a:tc>
+              </a:tr>
+              <a:tr h="460547">
+                <a:tc>
+                  <a:txBody>
+                    <a:bodyPr/>
+                    <a:lstStyle/>
+                    <a:p>
+                      <a:r>
+                        <a:rPr lang="nl-NL" sz="1300">
+                          <a:effectLst/>
+                        </a:rPr>
+                        <a:t>#3</a:t>
+                      </a:r>
+                    </a:p>
+                  </a:txBody>
+                  <a:tcPr marL="35088" marR="35088" marT="28071" marB="28071" anchor="ctr">
+                    <a:lnL w="9525" cap="flat" cmpd="sng" algn="ctr">
+                      <a:solidFill>
+                        <a:srgbClr val="CFD4D8"/>
+                      </a:solidFill>
+                      <a:prstDash val="solid"/>
+                      <a:round/>
+                      <a:headEnd type="none" w="med" len="med"/>
+                      <a:tailEnd type="none" w="med" len="med"/>
+                    </a:lnL>
+                    <a:lnR w="9525" cap="flat" cmpd="sng" algn="ctr">
+                      <a:solidFill>
+                        <a:srgbClr val="CFD4D8"/>
+                      </a:solidFill>
+                      <a:prstDash val="solid"/>
+                      <a:round/>
+                      <a:headEnd type="none" w="med" len="med"/>
+                      <a:tailEnd type="none" w="med" len="med"/>
+                    </a:lnR>
+                    <a:lnT w="9525" cap="flat" cmpd="sng" algn="ctr">
+                      <a:solidFill>
+                        <a:srgbClr val="CFD4D8"/>
+                      </a:solidFill>
+                      <a:prstDash val="solid"/>
+                      <a:round/>
+                      <a:headEnd type="none" w="med" len="med"/>
+                      <a:tailEnd type="none" w="med" len="med"/>
+                    </a:lnT>
+                    <a:lnB w="9525" cap="flat" cmpd="sng" algn="ctr">
+                      <a:solidFill>
+                        <a:srgbClr val="CFD4D8"/>
+                      </a:solidFill>
+                      <a:prstDash val="solid"/>
+                      <a:round/>
+                      <a:headEnd type="none" w="med" len="med"/>
+                      <a:tailEnd type="none" w="med" len="med"/>
+                    </a:lnB>
+                    <a:solidFill>
+                      <a:srgbClr val="FFFFFF"/>
+                    </a:solidFill>
+                  </a:tcPr>
+                </a:tc>
+                <a:tc>
+                  <a:txBody>
+                    <a:bodyPr/>
+                    <a:lstStyle/>
+                    <a:p>
+                      <a:r>
+                        <a:rPr lang="nl-NL" sz="1300">
+                          <a:effectLst/>
+                        </a:rPr>
+                        <a:t>simplified_colour</a:t>
+                      </a:r>
+                    </a:p>
+                  </a:txBody>
+                  <a:tcPr marL="35088" marR="35088" marT="28071" marB="28071" anchor="ctr">
+                    <a:lnL w="9525" cap="flat" cmpd="sng" algn="ctr">
+                      <a:solidFill>
+                        <a:srgbClr val="CFD4D8"/>
+                      </a:solidFill>
+                      <a:prstDash val="solid"/>
+                      <a:round/>
+                      <a:headEnd type="none" w="med" len="med"/>
+                      <a:tailEnd type="none" w="med" len="med"/>
+                    </a:lnL>
+                    <a:lnR w="9525" cap="flat" cmpd="sng" algn="ctr">
+                      <a:solidFill>
+                        <a:srgbClr val="CFD4D8"/>
+                      </a:solidFill>
+                      <a:prstDash val="solid"/>
+                      <a:round/>
+                      <a:headEnd type="none" w="med" len="med"/>
+                      <a:tailEnd type="none" w="med" len="med"/>
+                    </a:lnR>
+                    <a:lnT w="9525" cap="flat" cmpd="sng" algn="ctr">
+                      <a:solidFill>
+                        <a:srgbClr val="CFD4D8"/>
+                      </a:solidFill>
+                      <a:prstDash val="solid"/>
+                      <a:round/>
+                      <a:headEnd type="none" w="med" len="med"/>
+                      <a:tailEnd type="none" w="med" len="med"/>
+                    </a:lnT>
+                    <a:lnB w="9525" cap="flat" cmpd="sng" algn="ctr">
+                      <a:solidFill>
+                        <a:srgbClr val="CFD4D8"/>
+                      </a:solidFill>
+                      <a:prstDash val="solid"/>
+                      <a:round/>
+                      <a:headEnd type="none" w="med" len="med"/>
+                      <a:tailEnd type="none" w="med" len="med"/>
+                    </a:lnB>
+                    <a:solidFill>
+                      <a:srgbClr val="FFFFFF"/>
+                    </a:solidFill>
+                  </a:tcPr>
+                </a:tc>
+                <a:tc>
+                  <a:txBody>
+                    <a:bodyPr/>
+                    <a:lstStyle/>
+                    <a:p>
+                      <a:pPr algn="r"/>
+                      <a:r>
+                        <a:rPr lang="nl-NL" sz="1300">
+                          <a:effectLst/>
+                        </a:rPr>
+                        <a:t>1488.65</a:t>
+                      </a:r>
+                    </a:p>
+                  </a:txBody>
+                  <a:tcPr marL="35088" marR="35088" marT="28071" marB="28071" anchor="ctr">
+                    <a:lnL w="9525" cap="flat" cmpd="sng" algn="ctr">
+                      <a:solidFill>
+                        <a:srgbClr val="CFD4D8"/>
+                      </a:solidFill>
+                      <a:prstDash val="solid"/>
+                      <a:round/>
+                      <a:headEnd type="none" w="med" len="med"/>
+                      <a:tailEnd type="none" w="med" len="med"/>
+                    </a:lnL>
+                    <a:lnR w="9525" cap="flat" cmpd="sng" algn="ctr">
+                      <a:solidFill>
+                        <a:srgbClr val="CFD4D8"/>
+                      </a:solidFill>
+                      <a:prstDash val="solid"/>
+                      <a:round/>
+                      <a:headEnd type="none" w="med" len="med"/>
+                      <a:tailEnd type="none" w="med" len="med"/>
+                    </a:lnR>
+                    <a:lnT w="9525" cap="flat" cmpd="sng" algn="ctr">
+                      <a:solidFill>
+                        <a:srgbClr val="CFD4D8"/>
+                      </a:solidFill>
+                      <a:prstDash val="solid"/>
+                      <a:round/>
+                      <a:headEnd type="none" w="med" len="med"/>
+                      <a:tailEnd type="none" w="med" len="med"/>
+                    </a:lnT>
+                    <a:lnB w="9525" cap="flat" cmpd="sng" algn="ctr">
+                      <a:solidFill>
+                        <a:srgbClr val="CFD4D8"/>
+                      </a:solidFill>
+                      <a:prstDash val="solid"/>
+                      <a:round/>
+                      <a:headEnd type="none" w="med" len="med"/>
+                      <a:tailEnd type="none" w="med" len="med"/>
+                    </a:lnB>
+                    <a:solidFill>
+                      <a:srgbClr val="FFFFFF"/>
+                    </a:solidFill>
+                  </a:tcPr>
+                </a:tc>
+              </a:tr>
+              <a:tr h="460547">
+                <a:tc>
+                  <a:txBody>
+                    <a:bodyPr/>
+                    <a:lstStyle/>
+                    <a:p>
+                      <a:r>
+                        <a:rPr lang="nl-NL" sz="1300">
+                          <a:effectLst/>
+                        </a:rPr>
+                        <a:t>#4</a:t>
+                      </a:r>
+                    </a:p>
+                  </a:txBody>
+                  <a:tcPr marL="35088" marR="35088" marT="28071" marB="28071" anchor="ctr">
+                    <a:lnL w="9525" cap="flat" cmpd="sng" algn="ctr">
+                      <a:solidFill>
+                        <a:srgbClr val="CFD4D8"/>
+                      </a:solidFill>
+                      <a:prstDash val="solid"/>
+                      <a:round/>
+                      <a:headEnd type="none" w="med" len="med"/>
+                      <a:tailEnd type="none" w="med" len="med"/>
+                    </a:lnL>
+                    <a:lnR w="9525" cap="flat" cmpd="sng" algn="ctr">
+                      <a:solidFill>
+                        <a:srgbClr val="CFD4D8"/>
+                      </a:solidFill>
+                      <a:prstDash val="solid"/>
+                      <a:round/>
+                      <a:headEnd type="none" w="med" len="med"/>
+                      <a:tailEnd type="none" w="med" len="med"/>
+                    </a:lnR>
+                    <a:lnT w="9525" cap="flat" cmpd="sng" algn="ctr">
+                      <a:solidFill>
+                        <a:srgbClr val="CFD4D8"/>
+                      </a:solidFill>
+                      <a:prstDash val="solid"/>
+                      <a:round/>
+                      <a:headEnd type="none" w="med" len="med"/>
+                      <a:tailEnd type="none" w="med" len="med"/>
+                    </a:lnT>
+                    <a:lnB w="9525" cap="flat" cmpd="sng" algn="ctr">
+                      <a:solidFill>
+                        <a:srgbClr val="CFD4D8"/>
+                      </a:solidFill>
+                      <a:prstDash val="solid"/>
+                      <a:round/>
+                      <a:headEnd type="none" w="med" len="med"/>
+                      <a:tailEnd type="none" w="med" len="med"/>
+                    </a:lnB>
+                    <a:solidFill>
+                      <a:srgbClr val="FDFDFD"/>
+                    </a:solidFill>
+                  </a:tcPr>
+                </a:tc>
+                <a:tc>
+                  <a:txBody>
+                    <a:bodyPr/>
+                    <a:lstStyle/>
+                    <a:p>
+                      <a:r>
+                        <a:rPr lang="nl-NL" sz="1300">
+                          <a:effectLst/>
+                        </a:rPr>
+                        <a:t>Hour</a:t>
+                      </a:r>
+                    </a:p>
+                  </a:txBody>
+                  <a:tcPr marL="35088" marR="35088" marT="28071" marB="28071" anchor="ctr">
+                    <a:lnL w="9525" cap="flat" cmpd="sng" algn="ctr">
+                      <a:solidFill>
+                        <a:srgbClr val="CFD4D8"/>
+                      </a:solidFill>
+                      <a:prstDash val="solid"/>
+                      <a:round/>
+                      <a:headEnd type="none" w="med" len="med"/>
+                      <a:tailEnd type="none" w="med" len="med"/>
+                    </a:lnL>
+                    <a:lnR w="9525" cap="flat" cmpd="sng" algn="ctr">
+                      <a:solidFill>
+                        <a:srgbClr val="CFD4D8"/>
+                      </a:solidFill>
+                      <a:prstDash val="solid"/>
+                      <a:round/>
+                      <a:headEnd type="none" w="med" len="med"/>
+                      <a:tailEnd type="none" w="med" len="med"/>
+                    </a:lnR>
+                    <a:lnT w="9525" cap="flat" cmpd="sng" algn="ctr">
+                      <a:solidFill>
+                        <a:srgbClr val="CFD4D8"/>
+                      </a:solidFill>
+                      <a:prstDash val="solid"/>
+                      <a:round/>
+                      <a:headEnd type="none" w="med" len="med"/>
+                      <a:tailEnd type="none" w="med" len="med"/>
+                    </a:lnT>
+                    <a:lnB w="9525" cap="flat" cmpd="sng" algn="ctr">
+                      <a:solidFill>
+                        <a:srgbClr val="CFD4D8"/>
+                      </a:solidFill>
+                      <a:prstDash val="solid"/>
+                      <a:round/>
+                      <a:headEnd type="none" w="med" len="med"/>
+                      <a:tailEnd type="none" w="med" len="med"/>
+                    </a:lnB>
+                    <a:solidFill>
+                      <a:srgbClr val="FDFDFD"/>
+                    </a:solidFill>
+                  </a:tcPr>
+                </a:tc>
+                <a:tc>
+                  <a:txBody>
+                    <a:bodyPr/>
+                    <a:lstStyle/>
+                    <a:p>
+                      <a:pPr algn="r"/>
+                      <a:r>
+                        <a:rPr lang="nl-NL" sz="1300">
+                          <a:effectLst/>
+                        </a:rPr>
+                        <a:t>1461.54</a:t>
+                      </a:r>
+                    </a:p>
+                  </a:txBody>
+                  <a:tcPr marL="35088" marR="35088" marT="28071" marB="28071" anchor="ctr">
+                    <a:lnL w="9525" cap="flat" cmpd="sng" algn="ctr">
+                      <a:solidFill>
+                        <a:srgbClr val="CFD4D8"/>
+                      </a:solidFill>
+                      <a:prstDash val="solid"/>
+                      <a:round/>
+                      <a:headEnd type="none" w="med" len="med"/>
+                      <a:tailEnd type="none" w="med" len="med"/>
+                    </a:lnL>
+                    <a:lnR w="9525" cap="flat" cmpd="sng" algn="ctr">
+                      <a:solidFill>
+                        <a:srgbClr val="CFD4D8"/>
+                      </a:solidFill>
+                      <a:prstDash val="solid"/>
+                      <a:round/>
+                      <a:headEnd type="none" w="med" len="med"/>
+                      <a:tailEnd type="none" w="med" len="med"/>
+                    </a:lnR>
+                    <a:lnT w="9525" cap="flat" cmpd="sng" algn="ctr">
+                      <a:solidFill>
+                        <a:srgbClr val="CFD4D8"/>
+                      </a:solidFill>
+                      <a:prstDash val="solid"/>
+                      <a:round/>
+                      <a:headEnd type="none" w="med" len="med"/>
+                      <a:tailEnd type="none" w="med" len="med"/>
+                    </a:lnT>
+                    <a:lnB w="9525" cap="flat" cmpd="sng" algn="ctr">
+                      <a:solidFill>
+                        <a:srgbClr val="CFD4D8"/>
+                      </a:solidFill>
+                      <a:prstDash val="solid"/>
+                      <a:round/>
+                      <a:headEnd type="none" w="med" len="med"/>
+                      <a:tailEnd type="none" w="med" len="med"/>
+                    </a:lnB>
+                    <a:solidFill>
+                      <a:srgbClr val="FDFDFD"/>
+                    </a:solidFill>
+                  </a:tcPr>
+                </a:tc>
+              </a:tr>
+              <a:tr h="460547">
+                <a:tc>
+                  <a:txBody>
+                    <a:bodyPr/>
+                    <a:lstStyle/>
+                    <a:p>
+                      <a:r>
+                        <a:rPr lang="nl-NL" sz="1300">
+                          <a:effectLst/>
+                        </a:rPr>
+                        <a:t>#5</a:t>
+                      </a:r>
+                    </a:p>
+                  </a:txBody>
+                  <a:tcPr marL="35088" marR="35088" marT="28071" marB="28071" anchor="ctr">
+                    <a:lnL w="9525" cap="flat" cmpd="sng" algn="ctr">
+                      <a:solidFill>
+                        <a:srgbClr val="CFD4D8"/>
+                      </a:solidFill>
+                      <a:prstDash val="solid"/>
+                      <a:round/>
+                      <a:headEnd type="none" w="med" len="med"/>
+                      <a:tailEnd type="none" w="med" len="med"/>
+                    </a:lnL>
+                    <a:lnR w="9525" cap="flat" cmpd="sng" algn="ctr">
+                      <a:solidFill>
+                        <a:srgbClr val="CFD4D8"/>
+                      </a:solidFill>
+                      <a:prstDash val="solid"/>
+                      <a:round/>
+                      <a:headEnd type="none" w="med" len="med"/>
+                      <a:tailEnd type="none" w="med" len="med"/>
+                    </a:lnR>
+                    <a:lnT w="9525" cap="flat" cmpd="sng" algn="ctr">
+                      <a:solidFill>
+                        <a:srgbClr val="CFD4D8"/>
+                      </a:solidFill>
+                      <a:prstDash val="solid"/>
+                      <a:round/>
+                      <a:headEnd type="none" w="med" len="med"/>
+                      <a:tailEnd type="none" w="med" len="med"/>
+                    </a:lnT>
+                    <a:lnB w="9525" cap="flat" cmpd="sng" algn="ctr">
+                      <a:solidFill>
+                        <a:srgbClr val="CFD4D8"/>
+                      </a:solidFill>
+                      <a:prstDash val="solid"/>
+                      <a:round/>
+                      <a:headEnd type="none" w="med" len="med"/>
+                      <a:tailEnd type="none" w="med" len="med"/>
+                    </a:lnB>
+                    <a:solidFill>
+                      <a:srgbClr val="FFFFFF"/>
+                    </a:solidFill>
+                  </a:tcPr>
+                </a:tc>
+                <a:tc>
+                  <a:txBody>
+                    <a:bodyPr/>
+                    <a:lstStyle/>
+                    <a:p>
+                      <a:r>
+                        <a:rPr lang="nl-NL" sz="1300">
+                          <a:effectLst/>
+                        </a:rPr>
+                        <a:t>Month</a:t>
+                      </a:r>
+                    </a:p>
+                  </a:txBody>
+                  <a:tcPr marL="35088" marR="35088" marT="28071" marB="28071" anchor="ctr">
+                    <a:lnL w="9525" cap="flat" cmpd="sng" algn="ctr">
+                      <a:solidFill>
+                        <a:srgbClr val="CFD4D8"/>
+                      </a:solidFill>
+                      <a:prstDash val="solid"/>
+                      <a:round/>
+                      <a:headEnd type="none" w="med" len="med"/>
+                      <a:tailEnd type="none" w="med" len="med"/>
+                    </a:lnL>
+                    <a:lnR w="9525" cap="flat" cmpd="sng" algn="ctr">
+                      <a:solidFill>
+                        <a:srgbClr val="CFD4D8"/>
+                      </a:solidFill>
+                      <a:prstDash val="solid"/>
+                      <a:round/>
+                      <a:headEnd type="none" w="med" len="med"/>
+                      <a:tailEnd type="none" w="med" len="med"/>
+                    </a:lnR>
+                    <a:lnT w="9525" cap="flat" cmpd="sng" algn="ctr">
+                      <a:solidFill>
+                        <a:srgbClr val="CFD4D8"/>
+                      </a:solidFill>
+                      <a:prstDash val="solid"/>
+                      <a:round/>
+                      <a:headEnd type="none" w="med" len="med"/>
+                      <a:tailEnd type="none" w="med" len="med"/>
+                    </a:lnT>
+                    <a:lnB w="9525" cap="flat" cmpd="sng" algn="ctr">
+                      <a:solidFill>
+                        <a:srgbClr val="CFD4D8"/>
+                      </a:solidFill>
+                      <a:prstDash val="solid"/>
+                      <a:round/>
+                      <a:headEnd type="none" w="med" len="med"/>
+                      <a:tailEnd type="none" w="med" len="med"/>
+                    </a:lnB>
+                    <a:solidFill>
+                      <a:srgbClr val="FFFFFF"/>
+                    </a:solidFill>
+                  </a:tcPr>
+                </a:tc>
+                <a:tc>
+                  <a:txBody>
+                    <a:bodyPr/>
+                    <a:lstStyle/>
+                    <a:p>
+                      <a:pPr algn="r"/>
+                      <a:r>
+                        <a:rPr lang="nl-NL" sz="1300">
+                          <a:effectLst/>
+                        </a:rPr>
+                        <a:t>1371.27</a:t>
+                      </a:r>
+                    </a:p>
+                  </a:txBody>
+                  <a:tcPr marL="35088" marR="35088" marT="28071" marB="28071" anchor="ctr">
+                    <a:lnL w="9525" cap="flat" cmpd="sng" algn="ctr">
+                      <a:solidFill>
+                        <a:srgbClr val="CFD4D8"/>
+                      </a:solidFill>
+                      <a:prstDash val="solid"/>
+                      <a:round/>
+                      <a:headEnd type="none" w="med" len="med"/>
+                      <a:tailEnd type="none" w="med" len="med"/>
+                    </a:lnL>
+                    <a:lnR w="9525" cap="flat" cmpd="sng" algn="ctr">
+                      <a:solidFill>
+                        <a:srgbClr val="CFD4D8"/>
+                      </a:solidFill>
+                      <a:prstDash val="solid"/>
+                      <a:round/>
+                      <a:headEnd type="none" w="med" len="med"/>
+                      <a:tailEnd type="none" w="med" len="med"/>
+                    </a:lnR>
+                    <a:lnT w="9525" cap="flat" cmpd="sng" algn="ctr">
+                      <a:solidFill>
+                        <a:srgbClr val="CFD4D8"/>
+                      </a:solidFill>
+                      <a:prstDash val="solid"/>
+                      <a:round/>
+                      <a:headEnd type="none" w="med" len="med"/>
+                      <a:tailEnd type="none" w="med" len="med"/>
+                    </a:lnT>
+                    <a:lnB w="9525" cap="flat" cmpd="sng" algn="ctr">
+                      <a:solidFill>
+                        <a:srgbClr val="CFD4D8"/>
+                      </a:solidFill>
+                      <a:prstDash val="solid"/>
+                      <a:round/>
+                      <a:headEnd type="none" w="med" len="med"/>
+                      <a:tailEnd type="none" w="med" len="med"/>
+                    </a:lnB>
+                    <a:solidFill>
+                      <a:srgbClr val="FFFFFF"/>
+                    </a:solidFill>
+                  </a:tcPr>
+                </a:tc>
+              </a:tr>
+              <a:tr h="460547">
+                <a:tc>
+                  <a:txBody>
+                    <a:bodyPr/>
+                    <a:lstStyle/>
+                    <a:p>
+                      <a:r>
+                        <a:rPr lang="nl-NL" sz="1300">
+                          <a:effectLst/>
+                        </a:rPr>
+                        <a:t>#6</a:t>
+                      </a:r>
+                    </a:p>
+                  </a:txBody>
+                  <a:tcPr marL="35088" marR="35088" marT="28071" marB="28071" anchor="ctr">
+                    <a:lnL w="9525" cap="flat" cmpd="sng" algn="ctr">
+                      <a:solidFill>
+                        <a:srgbClr val="CFD4D8"/>
+                      </a:solidFill>
+                      <a:prstDash val="solid"/>
+                      <a:round/>
+                      <a:headEnd type="none" w="med" len="med"/>
+                      <a:tailEnd type="none" w="med" len="med"/>
+                    </a:lnL>
+                    <a:lnR w="9525" cap="flat" cmpd="sng" algn="ctr">
+                      <a:solidFill>
+                        <a:srgbClr val="CFD4D8"/>
+                      </a:solidFill>
+                      <a:prstDash val="solid"/>
+                      <a:round/>
+                      <a:headEnd type="none" w="med" len="med"/>
+                      <a:tailEnd type="none" w="med" len="med"/>
+                    </a:lnR>
+                    <a:lnT w="9525" cap="flat" cmpd="sng" algn="ctr">
+                      <a:solidFill>
+                        <a:srgbClr val="CFD4D8"/>
+                      </a:solidFill>
+                      <a:prstDash val="solid"/>
+                      <a:round/>
+                      <a:headEnd type="none" w="med" len="med"/>
+                      <a:tailEnd type="none" w="med" len="med"/>
+                    </a:lnT>
+                    <a:lnB w="9525" cap="flat" cmpd="sng" algn="ctr">
+                      <a:solidFill>
+                        <a:srgbClr val="CFD4D8"/>
+                      </a:solidFill>
+                      <a:prstDash val="solid"/>
+                      <a:round/>
+                      <a:headEnd type="none" w="med" len="med"/>
+                      <a:tailEnd type="none" w="med" len="med"/>
+                    </a:lnB>
+                    <a:solidFill>
+                      <a:srgbClr val="FDFDFD"/>
+                    </a:solidFill>
+                  </a:tcPr>
+                </a:tc>
+                <a:tc>
+                  <a:txBody>
+                    <a:bodyPr/>
+                    <a:lstStyle/>
+                    <a:p>
+                      <a:r>
+                        <a:rPr lang="nl-NL" sz="1300">
+                          <a:effectLst/>
+                        </a:rPr>
+                        <a:t>Weekday</a:t>
+                      </a:r>
+                    </a:p>
+                  </a:txBody>
+                  <a:tcPr marL="35088" marR="35088" marT="28071" marB="28071" anchor="ctr">
+                    <a:lnL w="9525" cap="flat" cmpd="sng" algn="ctr">
+                      <a:solidFill>
+                        <a:srgbClr val="CFD4D8"/>
+                      </a:solidFill>
+                      <a:prstDash val="solid"/>
+                      <a:round/>
+                      <a:headEnd type="none" w="med" len="med"/>
+                      <a:tailEnd type="none" w="med" len="med"/>
+                    </a:lnL>
+                    <a:lnR w="9525" cap="flat" cmpd="sng" algn="ctr">
+                      <a:solidFill>
+                        <a:srgbClr val="CFD4D8"/>
+                      </a:solidFill>
+                      <a:prstDash val="solid"/>
+                      <a:round/>
+                      <a:headEnd type="none" w="med" len="med"/>
+                      <a:tailEnd type="none" w="med" len="med"/>
+                    </a:lnR>
+                    <a:lnT w="9525" cap="flat" cmpd="sng" algn="ctr">
+                      <a:solidFill>
+                        <a:srgbClr val="CFD4D8"/>
+                      </a:solidFill>
+                      <a:prstDash val="solid"/>
+                      <a:round/>
+                      <a:headEnd type="none" w="med" len="med"/>
+                      <a:tailEnd type="none" w="med" len="med"/>
+                    </a:lnT>
+                    <a:lnB w="9525" cap="flat" cmpd="sng" algn="ctr">
+                      <a:solidFill>
+                        <a:srgbClr val="CFD4D8"/>
+                      </a:solidFill>
+                      <a:prstDash val="solid"/>
+                      <a:round/>
+                      <a:headEnd type="none" w="med" len="med"/>
+                      <a:tailEnd type="none" w="med" len="med"/>
+                    </a:lnB>
+                    <a:solidFill>
+                      <a:srgbClr val="FDFDFD"/>
+                    </a:solidFill>
+                  </a:tcPr>
+                </a:tc>
+                <a:tc>
+                  <a:txBody>
+                    <a:bodyPr/>
+                    <a:lstStyle/>
+                    <a:p>
+                      <a:pPr algn="r"/>
+                      <a:r>
+                        <a:rPr lang="nl-NL" sz="1300">
+                          <a:effectLst/>
+                        </a:rPr>
+                        <a:t>1160.32</a:t>
+                      </a:r>
+                    </a:p>
+                  </a:txBody>
+                  <a:tcPr marL="35088" marR="35088" marT="28071" marB="28071" anchor="ctr">
+                    <a:lnL w="9525" cap="flat" cmpd="sng" algn="ctr">
+                      <a:solidFill>
+                        <a:srgbClr val="CFD4D8"/>
+                      </a:solidFill>
+                      <a:prstDash val="solid"/>
+                      <a:round/>
+                      <a:headEnd type="none" w="med" len="med"/>
+                      <a:tailEnd type="none" w="med" len="med"/>
+                    </a:lnL>
+                    <a:lnR w="9525" cap="flat" cmpd="sng" algn="ctr">
+                      <a:solidFill>
+                        <a:srgbClr val="CFD4D8"/>
+                      </a:solidFill>
+                      <a:prstDash val="solid"/>
+                      <a:round/>
+                      <a:headEnd type="none" w="med" len="med"/>
+                      <a:tailEnd type="none" w="med" len="med"/>
+                    </a:lnR>
+                    <a:lnT w="9525" cap="flat" cmpd="sng" algn="ctr">
+                      <a:solidFill>
+                        <a:srgbClr val="CFD4D8"/>
+                      </a:solidFill>
+                      <a:prstDash val="solid"/>
+                      <a:round/>
+                      <a:headEnd type="none" w="med" len="med"/>
+                      <a:tailEnd type="none" w="med" len="med"/>
+                    </a:lnT>
+                    <a:lnB w="9525" cap="flat" cmpd="sng" algn="ctr">
+                      <a:solidFill>
+                        <a:srgbClr val="CFD4D8"/>
+                      </a:solidFill>
+                      <a:prstDash val="solid"/>
+                      <a:round/>
+                      <a:headEnd type="none" w="med" len="med"/>
+                      <a:tailEnd type="none" w="med" len="med"/>
+                    </a:lnB>
+                    <a:solidFill>
+                      <a:srgbClr val="FDFDFD"/>
+                    </a:solidFill>
+                  </a:tcPr>
+                </a:tc>
+              </a:tr>
+              <a:tr h="460547">
+                <a:tc>
+                  <a:txBody>
+                    <a:bodyPr/>
+                    <a:lstStyle/>
+                    <a:p>
+                      <a:r>
+                        <a:rPr lang="nl-NL" sz="1300">
+                          <a:effectLst/>
+                        </a:rPr>
+                        <a:t>#7</a:t>
+                      </a:r>
+                    </a:p>
+                  </a:txBody>
+                  <a:tcPr marL="35088" marR="35088" marT="28071" marB="28071" anchor="ctr">
+                    <a:lnL w="9525" cap="flat" cmpd="sng" algn="ctr">
+                      <a:solidFill>
+                        <a:srgbClr val="CFD4D8"/>
+                      </a:solidFill>
+                      <a:prstDash val="solid"/>
+                      <a:round/>
+                      <a:headEnd type="none" w="med" len="med"/>
+                      <a:tailEnd type="none" w="med" len="med"/>
+                    </a:lnL>
+                    <a:lnR w="9525" cap="flat" cmpd="sng" algn="ctr">
+                      <a:solidFill>
+                        <a:srgbClr val="CFD4D8"/>
+                      </a:solidFill>
+                      <a:prstDash val="solid"/>
+                      <a:round/>
+                      <a:headEnd type="none" w="med" len="med"/>
+                      <a:tailEnd type="none" w="med" len="med"/>
+                    </a:lnR>
+                    <a:lnT w="9525" cap="flat" cmpd="sng" algn="ctr">
+                      <a:solidFill>
+                        <a:srgbClr val="CFD4D8"/>
+                      </a:solidFill>
+                      <a:prstDash val="solid"/>
+                      <a:round/>
+                      <a:headEnd type="none" w="med" len="med"/>
+                      <a:tailEnd type="none" w="med" len="med"/>
+                    </a:lnT>
+                    <a:lnB w="9525" cap="flat" cmpd="sng" algn="ctr">
+                      <a:solidFill>
+                        <a:srgbClr val="CFD4D8"/>
+                      </a:solidFill>
+                      <a:prstDash val="solid"/>
+                      <a:round/>
+                      <a:headEnd type="none" w="med" len="med"/>
+                      <a:tailEnd type="none" w="med" len="med"/>
+                    </a:lnB>
+                    <a:solidFill>
+                      <a:srgbClr val="FFFFFF"/>
+                    </a:solidFill>
+                  </a:tcPr>
+                </a:tc>
+                <a:tc>
+                  <a:txBody>
+                    <a:bodyPr/>
+                    <a:lstStyle/>
+                    <a:p>
+                      <a:r>
+                        <a:rPr lang="nl-NL" sz="1300">
+                          <a:effectLst/>
+                        </a:rPr>
+                        <a:t>has_given_name</a:t>
+                      </a:r>
+                    </a:p>
+                  </a:txBody>
+                  <a:tcPr marL="35088" marR="35088" marT="28071" marB="28071" anchor="ctr">
+                    <a:lnL w="9525" cap="flat" cmpd="sng" algn="ctr">
+                      <a:solidFill>
+                        <a:srgbClr val="CFD4D8"/>
+                      </a:solidFill>
+                      <a:prstDash val="solid"/>
+                      <a:round/>
+                      <a:headEnd type="none" w="med" len="med"/>
+                      <a:tailEnd type="none" w="med" len="med"/>
+                    </a:lnL>
+                    <a:lnR w="9525" cap="flat" cmpd="sng" algn="ctr">
+                      <a:solidFill>
+                        <a:srgbClr val="CFD4D8"/>
+                      </a:solidFill>
+                      <a:prstDash val="solid"/>
+                      <a:round/>
+                      <a:headEnd type="none" w="med" len="med"/>
+                      <a:tailEnd type="none" w="med" len="med"/>
+                    </a:lnR>
+                    <a:lnT w="9525" cap="flat" cmpd="sng" algn="ctr">
+                      <a:solidFill>
+                        <a:srgbClr val="CFD4D8"/>
+                      </a:solidFill>
+                      <a:prstDash val="solid"/>
+                      <a:round/>
+                      <a:headEnd type="none" w="med" len="med"/>
+                      <a:tailEnd type="none" w="med" len="med"/>
+                    </a:lnT>
+                    <a:lnB w="9525" cap="flat" cmpd="sng" algn="ctr">
+                      <a:solidFill>
+                        <a:srgbClr val="CFD4D8"/>
+                      </a:solidFill>
+                      <a:prstDash val="solid"/>
+                      <a:round/>
+                      <a:headEnd type="none" w="med" len="med"/>
+                      <a:tailEnd type="none" w="med" len="med"/>
+                    </a:lnB>
+                    <a:solidFill>
+                      <a:srgbClr val="FFFFFF"/>
+                    </a:solidFill>
+                  </a:tcPr>
+                </a:tc>
+                <a:tc>
+                  <a:txBody>
+                    <a:bodyPr/>
+                    <a:lstStyle/>
+                    <a:p>
+                      <a:pPr algn="r"/>
+                      <a:r>
+                        <a:rPr lang="nl-NL" sz="1300">
+                          <a:effectLst/>
+                        </a:rPr>
+                        <a:t>837.16</a:t>
+                      </a:r>
+                    </a:p>
+                  </a:txBody>
+                  <a:tcPr marL="35088" marR="35088" marT="28071" marB="28071" anchor="ctr">
+                    <a:lnL w="9525" cap="flat" cmpd="sng" algn="ctr">
+                      <a:solidFill>
+                        <a:srgbClr val="CFD4D8"/>
+                      </a:solidFill>
+                      <a:prstDash val="solid"/>
+                      <a:round/>
+                      <a:headEnd type="none" w="med" len="med"/>
+                      <a:tailEnd type="none" w="med" len="med"/>
+                    </a:lnL>
+                    <a:lnR w="9525" cap="flat" cmpd="sng" algn="ctr">
+                      <a:solidFill>
+                        <a:srgbClr val="CFD4D8"/>
+                      </a:solidFill>
+                      <a:prstDash val="solid"/>
+                      <a:round/>
+                      <a:headEnd type="none" w="med" len="med"/>
+                      <a:tailEnd type="none" w="med" len="med"/>
+                    </a:lnR>
+                    <a:lnT w="9525" cap="flat" cmpd="sng" algn="ctr">
+                      <a:solidFill>
+                        <a:srgbClr val="CFD4D8"/>
+                      </a:solidFill>
+                      <a:prstDash val="solid"/>
+                      <a:round/>
+                      <a:headEnd type="none" w="med" len="med"/>
+                      <a:tailEnd type="none" w="med" len="med"/>
+                    </a:lnT>
+                    <a:lnB w="9525" cap="flat" cmpd="sng" algn="ctr">
+                      <a:solidFill>
+                        <a:srgbClr val="CFD4D8"/>
+                      </a:solidFill>
+                      <a:prstDash val="solid"/>
+                      <a:round/>
+                      <a:headEnd type="none" w="med" len="med"/>
+                      <a:tailEnd type="none" w="med" len="med"/>
+                    </a:lnB>
+                    <a:solidFill>
+                      <a:srgbClr val="FFFFFF"/>
+                    </a:solidFill>
+                  </a:tcPr>
+                </a:tc>
+              </a:tr>
+              <a:tr h="460547">
+                <a:tc>
+                  <a:txBody>
+                    <a:bodyPr/>
+                    <a:lstStyle/>
+                    <a:p>
+                      <a:r>
+                        <a:rPr lang="nl-NL" sz="1300">
+                          <a:effectLst/>
+                        </a:rPr>
+                        <a:t>#8</a:t>
+                      </a:r>
+                    </a:p>
+                  </a:txBody>
+                  <a:tcPr marL="35088" marR="35088" marT="28071" marB="28071" anchor="ctr">
+                    <a:lnL w="9525" cap="flat" cmpd="sng" algn="ctr">
+                      <a:solidFill>
+                        <a:srgbClr val="CFD4D8"/>
+                      </a:solidFill>
+                      <a:prstDash val="solid"/>
+                      <a:round/>
+                      <a:headEnd type="none" w="med" len="med"/>
+                      <a:tailEnd type="none" w="med" len="med"/>
+                    </a:lnL>
+                    <a:lnR w="9525" cap="flat" cmpd="sng" algn="ctr">
+                      <a:solidFill>
+                        <a:srgbClr val="CFD4D8"/>
+                      </a:solidFill>
+                      <a:prstDash val="solid"/>
+                      <a:round/>
+                      <a:headEnd type="none" w="med" len="med"/>
+                      <a:tailEnd type="none" w="med" len="med"/>
+                    </a:lnR>
+                    <a:lnT w="9525" cap="flat" cmpd="sng" algn="ctr">
+                      <a:solidFill>
+                        <a:srgbClr val="CFD4D8"/>
+                      </a:solidFill>
+                      <a:prstDash val="solid"/>
+                      <a:round/>
+                      <a:headEnd type="none" w="med" len="med"/>
+                      <a:tailEnd type="none" w="med" len="med"/>
+                    </a:lnT>
+                    <a:lnB w="9525" cap="flat" cmpd="sng" algn="ctr">
+                      <a:solidFill>
+                        <a:srgbClr val="CFD4D8"/>
+                      </a:solidFill>
+                      <a:prstDash val="solid"/>
+                      <a:round/>
+                      <a:headEnd type="none" w="med" len="med"/>
+                      <a:tailEnd type="none" w="med" len="med"/>
+                    </a:lnB>
+                    <a:solidFill>
+                      <a:srgbClr val="FDFDFD"/>
+                    </a:solidFill>
+                  </a:tcPr>
+                </a:tc>
+                <a:tc>
+                  <a:txBody>
+                    <a:bodyPr/>
+                    <a:lstStyle/>
+                    <a:p>
+                      <a:r>
+                        <a:rPr lang="nl-NL" sz="1300">
+                          <a:effectLst/>
+                        </a:rPr>
+                        <a:t>TimeofDay</a:t>
+                      </a:r>
+                    </a:p>
+                  </a:txBody>
+                  <a:tcPr marL="35088" marR="35088" marT="28071" marB="28071" anchor="ctr">
+                    <a:lnL w="9525" cap="flat" cmpd="sng" algn="ctr">
+                      <a:solidFill>
+                        <a:srgbClr val="CFD4D8"/>
+                      </a:solidFill>
+                      <a:prstDash val="solid"/>
+                      <a:round/>
+                      <a:headEnd type="none" w="med" len="med"/>
+                      <a:tailEnd type="none" w="med" len="med"/>
+                    </a:lnL>
+                    <a:lnR w="9525" cap="flat" cmpd="sng" algn="ctr">
+                      <a:solidFill>
+                        <a:srgbClr val="CFD4D8"/>
+                      </a:solidFill>
+                      <a:prstDash val="solid"/>
+                      <a:round/>
+                      <a:headEnd type="none" w="med" len="med"/>
+                      <a:tailEnd type="none" w="med" len="med"/>
+                    </a:lnR>
+                    <a:lnT w="9525" cap="flat" cmpd="sng" algn="ctr">
+                      <a:solidFill>
+                        <a:srgbClr val="CFD4D8"/>
+                      </a:solidFill>
+                      <a:prstDash val="solid"/>
+                      <a:round/>
+                      <a:headEnd type="none" w="med" len="med"/>
+                      <a:tailEnd type="none" w="med" len="med"/>
+                    </a:lnT>
+                    <a:lnB w="9525" cap="flat" cmpd="sng" algn="ctr">
+                      <a:solidFill>
+                        <a:srgbClr val="CFD4D8"/>
+                      </a:solidFill>
+                      <a:prstDash val="solid"/>
+                      <a:round/>
+                      <a:headEnd type="none" w="med" len="med"/>
+                      <a:tailEnd type="none" w="med" len="med"/>
+                    </a:lnB>
+                    <a:solidFill>
+                      <a:srgbClr val="FDFDFD"/>
+                    </a:solidFill>
+                  </a:tcPr>
+                </a:tc>
+                <a:tc>
+                  <a:txBody>
+                    <a:bodyPr/>
+                    <a:lstStyle/>
+                    <a:p>
+                      <a:pPr algn="r"/>
+                      <a:r>
+                        <a:rPr lang="nl-NL" sz="1300">
+                          <a:effectLst/>
+                        </a:rPr>
+                        <a:t>508.86</a:t>
+                      </a:r>
+                    </a:p>
+                  </a:txBody>
+                  <a:tcPr marL="35088" marR="35088" marT="28071" marB="28071" anchor="ctr">
+                    <a:lnL w="9525" cap="flat" cmpd="sng" algn="ctr">
+                      <a:solidFill>
+                        <a:srgbClr val="CFD4D8"/>
+                      </a:solidFill>
+                      <a:prstDash val="solid"/>
+                      <a:round/>
+                      <a:headEnd type="none" w="med" len="med"/>
+                      <a:tailEnd type="none" w="med" len="med"/>
+                    </a:lnL>
+                    <a:lnR w="9525" cap="flat" cmpd="sng" algn="ctr">
+                      <a:solidFill>
+                        <a:srgbClr val="CFD4D8"/>
+                      </a:solidFill>
+                      <a:prstDash val="solid"/>
+                      <a:round/>
+                      <a:headEnd type="none" w="med" len="med"/>
+                      <a:tailEnd type="none" w="med" len="med"/>
+                    </a:lnR>
+                    <a:lnT w="9525" cap="flat" cmpd="sng" algn="ctr">
+                      <a:solidFill>
+                        <a:srgbClr val="CFD4D8"/>
+                      </a:solidFill>
+                      <a:prstDash val="solid"/>
+                      <a:round/>
+                      <a:headEnd type="none" w="med" len="med"/>
+                      <a:tailEnd type="none" w="med" len="med"/>
+                    </a:lnT>
+                    <a:lnB w="9525" cap="flat" cmpd="sng" algn="ctr">
+                      <a:solidFill>
+                        <a:srgbClr val="CFD4D8"/>
+                      </a:solidFill>
+                      <a:prstDash val="solid"/>
+                      <a:round/>
+                      <a:headEnd type="none" w="med" len="med"/>
+                      <a:tailEnd type="none" w="med" len="med"/>
+                    </a:lnB>
+                    <a:solidFill>
+                      <a:srgbClr val="FDFDFD"/>
+                    </a:solidFill>
+                  </a:tcPr>
+                </a:tc>
+              </a:tr>
+              <a:tr h="460547">
+                <a:tc>
+                  <a:txBody>
+                    <a:bodyPr/>
+                    <a:lstStyle/>
+                    <a:p>
+                      <a:r>
+                        <a:rPr lang="nl-NL" sz="1300">
+                          <a:effectLst/>
+                        </a:rPr>
+                        <a:t>#9</a:t>
+                      </a:r>
+                    </a:p>
+                  </a:txBody>
+                  <a:tcPr marL="35088" marR="35088" marT="28071" marB="28071" anchor="ctr">
+                    <a:lnL w="9525" cap="flat" cmpd="sng" algn="ctr">
+                      <a:solidFill>
+                        <a:srgbClr val="CFD4D8"/>
+                      </a:solidFill>
+                      <a:prstDash val="solid"/>
+                      <a:round/>
+                      <a:headEnd type="none" w="med" len="med"/>
+                      <a:tailEnd type="none" w="med" len="med"/>
+                    </a:lnL>
+                    <a:lnR w="9525" cap="flat" cmpd="sng" algn="ctr">
+                      <a:solidFill>
+                        <a:srgbClr val="CFD4D8"/>
+                      </a:solidFill>
+                      <a:prstDash val="solid"/>
+                      <a:round/>
+                      <a:headEnd type="none" w="med" len="med"/>
+                      <a:tailEnd type="none" w="med" len="med"/>
+                    </a:lnR>
+                    <a:lnT w="9525" cap="flat" cmpd="sng" algn="ctr">
+                      <a:solidFill>
+                        <a:srgbClr val="CFD4D8"/>
+                      </a:solidFill>
+                      <a:prstDash val="solid"/>
+                      <a:round/>
+                      <a:headEnd type="none" w="med" len="med"/>
+                      <a:tailEnd type="none" w="med" len="med"/>
+                    </a:lnT>
+                    <a:lnB w="9525" cap="flat" cmpd="sng" algn="ctr">
+                      <a:solidFill>
+                        <a:srgbClr val="CFD4D8"/>
+                      </a:solidFill>
+                      <a:prstDash val="solid"/>
+                      <a:round/>
+                      <a:headEnd type="none" w="med" len="med"/>
+                      <a:tailEnd type="none" w="med" len="med"/>
+                    </a:lnB>
+                    <a:solidFill>
+                      <a:srgbClr val="FFFFFF"/>
+                    </a:solidFill>
+                  </a:tcPr>
+                </a:tc>
+                <a:tc>
+                  <a:txBody>
+                    <a:bodyPr/>
+                    <a:lstStyle/>
+                    <a:p>
+                      <a:r>
+                        <a:rPr lang="nl-NL" sz="1300">
+                          <a:effectLst/>
+                        </a:rPr>
+                        <a:t>species</a:t>
+                      </a:r>
+                    </a:p>
+                  </a:txBody>
+                  <a:tcPr marL="35088" marR="35088" marT="28071" marB="28071" anchor="ctr">
+                    <a:lnL w="9525" cap="flat" cmpd="sng" algn="ctr">
+                      <a:solidFill>
+                        <a:srgbClr val="CFD4D8"/>
+                      </a:solidFill>
+                      <a:prstDash val="solid"/>
+                      <a:round/>
+                      <a:headEnd type="none" w="med" len="med"/>
+                      <a:tailEnd type="none" w="med" len="med"/>
+                    </a:lnL>
+                    <a:lnR w="9525" cap="flat" cmpd="sng" algn="ctr">
+                      <a:solidFill>
+                        <a:srgbClr val="CFD4D8"/>
+                      </a:solidFill>
+                      <a:prstDash val="solid"/>
+                      <a:round/>
+                      <a:headEnd type="none" w="med" len="med"/>
+                      <a:tailEnd type="none" w="med" len="med"/>
+                    </a:lnR>
+                    <a:lnT w="9525" cap="flat" cmpd="sng" algn="ctr">
+                      <a:solidFill>
+                        <a:srgbClr val="CFD4D8"/>
+                      </a:solidFill>
+                      <a:prstDash val="solid"/>
+                      <a:round/>
+                      <a:headEnd type="none" w="med" len="med"/>
+                      <a:tailEnd type="none" w="med" len="med"/>
+                    </a:lnT>
+                    <a:lnB w="9525" cap="flat" cmpd="sng" algn="ctr">
+                      <a:solidFill>
+                        <a:srgbClr val="CFD4D8"/>
+                      </a:solidFill>
+                      <a:prstDash val="solid"/>
+                      <a:round/>
+                      <a:headEnd type="none" w="med" len="med"/>
+                      <a:tailEnd type="none" w="med" len="med"/>
+                    </a:lnB>
+                    <a:solidFill>
+                      <a:srgbClr val="FFFFFF"/>
+                    </a:solidFill>
+                  </a:tcPr>
+                </a:tc>
+                <a:tc>
+                  <a:txBody>
+                    <a:bodyPr/>
+                    <a:lstStyle/>
+                    <a:p>
+                      <a:pPr algn="r"/>
+                      <a:r>
+                        <a:rPr lang="nl-NL" sz="1300">
+                          <a:effectLst/>
+                        </a:rPr>
+                        <a:t>465.99</a:t>
+                      </a:r>
+                    </a:p>
+                  </a:txBody>
+                  <a:tcPr marL="35088" marR="35088" marT="28071" marB="28071" anchor="ctr">
+                    <a:lnL w="9525" cap="flat" cmpd="sng" algn="ctr">
+                      <a:solidFill>
+                        <a:srgbClr val="CFD4D8"/>
+                      </a:solidFill>
+                      <a:prstDash val="solid"/>
+                      <a:round/>
+                      <a:headEnd type="none" w="med" len="med"/>
+                      <a:tailEnd type="none" w="med" len="med"/>
+                    </a:lnL>
+                    <a:lnR w="9525" cap="flat" cmpd="sng" algn="ctr">
+                      <a:solidFill>
+                        <a:srgbClr val="CFD4D8"/>
+                      </a:solidFill>
+                      <a:prstDash val="solid"/>
+                      <a:round/>
+                      <a:headEnd type="none" w="med" len="med"/>
+                      <a:tailEnd type="none" w="med" len="med"/>
+                    </a:lnR>
+                    <a:lnT w="9525" cap="flat" cmpd="sng" algn="ctr">
+                      <a:solidFill>
+                        <a:srgbClr val="CFD4D8"/>
+                      </a:solidFill>
+                      <a:prstDash val="solid"/>
+                      <a:round/>
+                      <a:headEnd type="none" w="med" len="med"/>
+                      <a:tailEnd type="none" w="med" len="med"/>
+                    </a:lnT>
+                    <a:lnB w="9525" cap="flat" cmpd="sng" algn="ctr">
+                      <a:solidFill>
+                        <a:srgbClr val="CFD4D8"/>
+                      </a:solidFill>
+                      <a:prstDash val="solid"/>
+                      <a:round/>
+                      <a:headEnd type="none" w="med" len="med"/>
+                      <a:tailEnd type="none" w="med" len="med"/>
+                    </a:lnB>
+                    <a:solidFill>
+                      <a:srgbClr val="FFFFFF"/>
+                    </a:solidFill>
+                  </a:tcPr>
+                </a:tc>
+              </a:tr>
+              <a:tr h="460547">
+                <a:tc>
+                  <a:txBody>
+                    <a:bodyPr/>
+                    <a:lstStyle/>
+                    <a:p>
+                      <a:r>
+                        <a:rPr lang="nl-NL" sz="1300">
+                          <a:effectLst/>
+                        </a:rPr>
+                        <a:t>#10</a:t>
+                      </a:r>
+                    </a:p>
+                  </a:txBody>
+                  <a:tcPr marL="35088" marR="35088" marT="28071" marB="28071" anchor="ctr">
+                    <a:lnL w="9525" cap="flat" cmpd="sng" algn="ctr">
+                      <a:solidFill>
+                        <a:srgbClr val="CFD4D8"/>
+                      </a:solidFill>
+                      <a:prstDash val="solid"/>
+                      <a:round/>
+                      <a:headEnd type="none" w="med" len="med"/>
+                      <a:tailEnd type="none" w="med" len="med"/>
+                    </a:lnL>
+                    <a:lnR w="9525" cap="flat" cmpd="sng" algn="ctr">
+                      <a:solidFill>
+                        <a:srgbClr val="CFD4D8"/>
+                      </a:solidFill>
+                      <a:prstDash val="solid"/>
+                      <a:round/>
+                      <a:headEnd type="none" w="med" len="med"/>
+                      <a:tailEnd type="none" w="med" len="med"/>
+                    </a:lnR>
+                    <a:lnT w="9525" cap="flat" cmpd="sng" algn="ctr">
+                      <a:solidFill>
+                        <a:srgbClr val="CFD4D8"/>
+                      </a:solidFill>
+                      <a:prstDash val="solid"/>
+                      <a:round/>
+                      <a:headEnd type="none" w="med" len="med"/>
+                      <a:tailEnd type="none" w="med" len="med"/>
+                    </a:lnT>
+                    <a:lnB w="9525" cap="flat" cmpd="sng" algn="ctr">
+                      <a:solidFill>
+                        <a:srgbClr val="CFD4D8"/>
+                      </a:solidFill>
+                      <a:prstDash val="solid"/>
+                      <a:round/>
+                      <a:headEnd type="none" w="med" len="med"/>
+                      <a:tailEnd type="none" w="med" len="med"/>
+                    </a:lnB>
+                    <a:solidFill>
+                      <a:srgbClr val="FDFDFD"/>
+                    </a:solidFill>
+                  </a:tcPr>
+                </a:tc>
+                <a:tc>
+                  <a:txBody>
+                    <a:bodyPr/>
+                    <a:lstStyle/>
+                    <a:p>
+                      <a:r>
+                        <a:rPr lang="nl-NL" sz="1300">
+                          <a:effectLst/>
+                        </a:rPr>
+                        <a:t>Sex</a:t>
+                      </a:r>
+                    </a:p>
+                  </a:txBody>
+                  <a:tcPr marL="35088" marR="35088" marT="28071" marB="28071" anchor="ctr">
+                    <a:lnL w="9525" cap="flat" cmpd="sng" algn="ctr">
+                      <a:solidFill>
+                        <a:srgbClr val="CFD4D8"/>
+                      </a:solidFill>
+                      <a:prstDash val="solid"/>
+                      <a:round/>
+                      <a:headEnd type="none" w="med" len="med"/>
+                      <a:tailEnd type="none" w="med" len="med"/>
+                    </a:lnL>
+                    <a:lnR w="9525" cap="flat" cmpd="sng" algn="ctr">
+                      <a:solidFill>
+                        <a:srgbClr val="CFD4D8"/>
+                      </a:solidFill>
+                      <a:prstDash val="solid"/>
+                      <a:round/>
+                      <a:headEnd type="none" w="med" len="med"/>
+                      <a:tailEnd type="none" w="med" len="med"/>
+                    </a:lnR>
+                    <a:lnT w="9525" cap="flat" cmpd="sng" algn="ctr">
+                      <a:solidFill>
+                        <a:srgbClr val="CFD4D8"/>
+                      </a:solidFill>
+                      <a:prstDash val="solid"/>
+                      <a:round/>
+                      <a:headEnd type="none" w="med" len="med"/>
+                      <a:tailEnd type="none" w="med" len="med"/>
+                    </a:lnT>
+                    <a:lnB w="9525" cap="flat" cmpd="sng" algn="ctr">
+                      <a:solidFill>
+                        <a:srgbClr val="CFD4D8"/>
+                      </a:solidFill>
+                      <a:prstDash val="solid"/>
+                      <a:round/>
+                      <a:headEnd type="none" w="med" len="med"/>
+                      <a:tailEnd type="none" w="med" len="med"/>
+                    </a:lnB>
+                    <a:solidFill>
+                      <a:srgbClr val="FDFDFD"/>
+                    </a:solidFill>
+                  </a:tcPr>
+                </a:tc>
+                <a:tc>
+                  <a:txBody>
+                    <a:bodyPr/>
+                    <a:lstStyle/>
+                    <a:p>
+                      <a:pPr algn="r"/>
+                      <a:r>
+                        <a:rPr lang="nl-NL" sz="1300">
+                          <a:effectLst/>
+                        </a:rPr>
+                        <a:t>351.59</a:t>
+                      </a:r>
+                    </a:p>
+                  </a:txBody>
+                  <a:tcPr marL="35088" marR="35088" marT="28071" marB="28071" anchor="ctr">
+                    <a:lnL w="9525" cap="flat" cmpd="sng" algn="ctr">
+                      <a:solidFill>
+                        <a:srgbClr val="CFD4D8"/>
+                      </a:solidFill>
+                      <a:prstDash val="solid"/>
+                      <a:round/>
+                      <a:headEnd type="none" w="med" len="med"/>
+                      <a:tailEnd type="none" w="med" len="med"/>
+                    </a:lnL>
+                    <a:lnR w="9525" cap="flat" cmpd="sng" algn="ctr">
+                      <a:solidFill>
+                        <a:srgbClr val="CFD4D8"/>
+                      </a:solidFill>
+                      <a:prstDash val="solid"/>
+                      <a:round/>
+                      <a:headEnd type="none" w="med" len="med"/>
+                      <a:tailEnd type="none" w="med" len="med"/>
+                    </a:lnR>
+                    <a:lnT w="9525" cap="flat" cmpd="sng" algn="ctr">
+                      <a:solidFill>
+                        <a:srgbClr val="CFD4D8"/>
+                      </a:solidFill>
+                      <a:prstDash val="solid"/>
+                      <a:round/>
+                      <a:headEnd type="none" w="med" len="med"/>
+                      <a:tailEnd type="none" w="med" len="med"/>
+                    </a:lnT>
+                    <a:lnB w="9525" cap="flat" cmpd="sng" algn="ctr">
+                      <a:solidFill>
+                        <a:srgbClr val="CFD4D8"/>
+                      </a:solidFill>
+                      <a:prstDash val="solid"/>
+                      <a:round/>
+                      <a:headEnd type="none" w="med" len="med"/>
+                      <a:tailEnd type="none" w="med" len="med"/>
+                    </a:lnB>
+                    <a:solidFill>
+                      <a:srgbClr val="FDFDFD"/>
+                    </a:solidFill>
+                  </a:tcPr>
+                </a:tc>
+              </a:tr>
+              <a:tr h="460547">
+                <a:tc>
+                  <a:txBody>
+                    <a:bodyPr/>
+                    <a:lstStyle/>
+                    <a:p>
+                      <a:r>
+                        <a:rPr lang="nl-NL" sz="1300" dirty="0">
+                          <a:effectLst/>
+                        </a:rPr>
+                        <a:t>#11</a:t>
+                      </a:r>
+                    </a:p>
+                  </a:txBody>
+                  <a:tcPr marL="35088" marR="35088" marT="28071" marB="28071" anchor="ctr">
+                    <a:lnL w="9525" cap="flat" cmpd="sng" algn="ctr">
+                      <a:solidFill>
+                        <a:srgbClr val="CFD4D8"/>
+                      </a:solidFill>
+                      <a:prstDash val="solid"/>
+                      <a:round/>
+                      <a:headEnd type="none" w="med" len="med"/>
+                      <a:tailEnd type="none" w="med" len="med"/>
+                    </a:lnL>
+                    <a:lnR w="9525" cap="flat" cmpd="sng" algn="ctr">
+                      <a:solidFill>
+                        <a:srgbClr val="CFD4D8"/>
+                      </a:solidFill>
+                      <a:prstDash val="solid"/>
+                      <a:round/>
+                      <a:headEnd type="none" w="med" len="med"/>
+                      <a:tailEnd type="none" w="med" len="med"/>
+                    </a:lnR>
+                    <a:lnT w="9525" cap="flat" cmpd="sng" algn="ctr">
+                      <a:solidFill>
+                        <a:srgbClr val="CFD4D8"/>
+                      </a:solidFill>
+                      <a:prstDash val="solid"/>
+                      <a:round/>
+                      <a:headEnd type="none" w="med" len="med"/>
+                      <a:tailEnd type="none" w="med" len="med"/>
+                    </a:lnT>
+                    <a:lnB w="9525" cap="flat" cmpd="sng" algn="ctr">
+                      <a:solidFill>
+                        <a:srgbClr val="CFD4D8"/>
+                      </a:solidFill>
+                      <a:prstDash val="solid"/>
+                      <a:round/>
+                      <a:headEnd type="none" w="med" len="med"/>
+                      <a:tailEnd type="none" w="med" len="med"/>
+                    </a:lnB>
+                    <a:solidFill>
+                      <a:srgbClr val="FFFFFF"/>
+                    </a:solidFill>
+                  </a:tcPr>
+                </a:tc>
+                <a:tc>
+                  <a:txBody>
+                    <a:bodyPr/>
+                    <a:lstStyle/>
+                    <a:p>
+                      <a:r>
+                        <a:rPr lang="nl-NL" sz="1300" dirty="0" err="1">
+                          <a:effectLst/>
+                        </a:rPr>
+                        <a:t>IsMixBreed</a:t>
+                      </a:r>
+                      <a:endParaRPr lang="nl-NL" sz="1300" dirty="0">
+                        <a:effectLst/>
+                      </a:endParaRPr>
+                    </a:p>
+                  </a:txBody>
+                  <a:tcPr marL="35088" marR="35088" marT="28071" marB="28071" anchor="ctr">
+                    <a:lnL w="9525" cap="flat" cmpd="sng" algn="ctr">
+                      <a:solidFill>
+                        <a:srgbClr val="CFD4D8"/>
+                      </a:solidFill>
+                      <a:prstDash val="solid"/>
+                      <a:round/>
+                      <a:headEnd type="none" w="med" len="med"/>
+                      <a:tailEnd type="none" w="med" len="med"/>
+                    </a:lnL>
+                    <a:lnR w="9525" cap="flat" cmpd="sng" algn="ctr">
+                      <a:solidFill>
+                        <a:srgbClr val="CFD4D8"/>
+                      </a:solidFill>
+                      <a:prstDash val="solid"/>
+                      <a:round/>
+                      <a:headEnd type="none" w="med" len="med"/>
+                      <a:tailEnd type="none" w="med" len="med"/>
+                    </a:lnR>
+                    <a:lnT w="9525" cap="flat" cmpd="sng" algn="ctr">
+                      <a:solidFill>
+                        <a:srgbClr val="CFD4D8"/>
+                      </a:solidFill>
+                      <a:prstDash val="solid"/>
+                      <a:round/>
+                      <a:headEnd type="none" w="med" len="med"/>
+                      <a:tailEnd type="none" w="med" len="med"/>
+                    </a:lnT>
+                    <a:lnB w="9525" cap="flat" cmpd="sng" algn="ctr">
+                      <a:solidFill>
+                        <a:srgbClr val="CFD4D8"/>
+                      </a:solidFill>
+                      <a:prstDash val="solid"/>
+                      <a:round/>
+                      <a:headEnd type="none" w="med" len="med"/>
+                      <a:tailEnd type="none" w="med" len="med"/>
+                    </a:lnB>
+                    <a:solidFill>
+                      <a:srgbClr val="FFFFFF"/>
+                    </a:solidFill>
+                  </a:tcPr>
+                </a:tc>
+                <a:tc>
+                  <a:txBody>
+                    <a:bodyPr/>
+                    <a:lstStyle/>
+                    <a:p>
+                      <a:pPr algn="r"/>
+                      <a:r>
+                        <a:rPr lang="nl-NL" sz="1300" dirty="0">
+                          <a:effectLst/>
+                        </a:rPr>
+                        <a:t>226.23</a:t>
+                      </a:r>
+                    </a:p>
+                  </a:txBody>
+                  <a:tcPr marL="35088" marR="35088" marT="28071" marB="28071" anchor="ctr">
+                    <a:lnL w="9525" cap="flat" cmpd="sng" algn="ctr">
+                      <a:solidFill>
+                        <a:srgbClr val="CFD4D8"/>
+                      </a:solidFill>
+                      <a:prstDash val="solid"/>
+                      <a:round/>
+                      <a:headEnd type="none" w="med" len="med"/>
+                      <a:tailEnd type="none" w="med" len="med"/>
+                    </a:lnL>
+                    <a:lnR w="9525" cap="flat" cmpd="sng" algn="ctr">
+                      <a:solidFill>
+                        <a:srgbClr val="CFD4D8"/>
+                      </a:solidFill>
+                      <a:prstDash val="solid"/>
+                      <a:round/>
+                      <a:headEnd type="none" w="med" len="med"/>
+                      <a:tailEnd type="none" w="med" len="med"/>
+                    </a:lnR>
+                    <a:lnT w="9525" cap="flat" cmpd="sng" algn="ctr">
+                      <a:solidFill>
+                        <a:srgbClr val="CFD4D8"/>
+                      </a:solidFill>
+                      <a:prstDash val="solid"/>
+                      <a:round/>
+                      <a:headEnd type="none" w="med" len="med"/>
+                      <a:tailEnd type="none" w="med" len="med"/>
+                    </a:lnT>
+                    <a:lnB w="9525" cap="flat" cmpd="sng" algn="ctr">
+                      <a:solidFill>
+                        <a:srgbClr val="CFD4D8"/>
+                      </a:solidFill>
+                      <a:prstDash val="solid"/>
+                      <a:round/>
+                      <a:headEnd type="none" w="med" len="med"/>
+                      <a:tailEnd type="none" w="med" len="med"/>
+                    </a:lnB>
+                    <a:solidFill>
+                      <a:srgbClr val="FFFFFF"/>
+                    </a:solidFill>
+                  </a:tcPr>
+                </a:tc>
+              </a:tr>
+            </a:tbl>
+          </a:graphicData>
+        </a:graphic>
+      </p:graphicFrame>
+      <p:graphicFrame>
+        <p:nvGraphicFramePr>
+          <p:cNvPr id="10" name="Table 9"/>
+          <p:cNvGraphicFramePr>
+            <a:graphicFrameLocks noGrp="1"/>
+          </p:cNvGraphicFramePr>
+          <p:nvPr>
+            <p:extLst>
+              <p:ext uri="{D42A27DB-BD31-4B8C-83A1-F6EECF244321}">
+                <p14:modId xmlns:p14="http://schemas.microsoft.com/office/powerpoint/2010/main" val="3963388015"/>
+              </p:ext>
+            </p:extLst>
+          </p:nvPr>
+        </p:nvGraphicFramePr>
+        <p:xfrm>
+          <a:off x="865532" y="843235"/>
+          <a:ext cx="4877610" cy="5387287"/>
+        </p:xfrm>
+        <a:graphic>
+          <a:graphicData uri="http://schemas.openxmlformats.org/drawingml/2006/table">
+            <a:tbl>
+              <a:tblPr/>
+              <a:tblGrid>
+                <a:gridCol w="452838"/>
+                <a:gridCol w="996950"/>
+                <a:gridCol w="1808572"/>
+                <a:gridCol w="1619250"/>
+              </a:tblGrid>
+              <a:tr h="336968">
+                <a:tc>
+                  <a:txBody>
+                    <a:bodyPr/>
+                    <a:lstStyle/>
+                    <a:p>
+                      <a:pPr algn="l"/>
+                      <a:r>
+                        <a:rPr lang="en-US" sz="1700" b="1" dirty="0" err="1" smtClean="0">
+                          <a:solidFill>
+                            <a:srgbClr val="555555"/>
+                          </a:solidFill>
+                          <a:effectLst/>
+                        </a:rPr>
+                        <a:t>Nr</a:t>
+                      </a:r>
+                      <a:endParaRPr lang="nl-NL" sz="1700" b="1" dirty="0">
+                        <a:solidFill>
+                          <a:srgbClr val="555555"/>
+                        </a:solidFill>
+                        <a:effectLst/>
+                      </a:endParaRPr>
+                    </a:p>
+                  </a:txBody>
+                  <a:tcPr marL="43861" marR="43861" marT="42106" marB="42106" anchor="ctr">
+                    <a:lnL>
+                      <a:noFill/>
+                    </a:lnL>
+                    <a:lnR w="9525" cap="flat" cmpd="sng" algn="ctr">
+                      <a:solidFill>
+                        <a:srgbClr val="CFD4D8"/>
+                      </a:solidFill>
+                      <a:prstDash val="solid"/>
+                      <a:round/>
+                      <a:headEnd type="none" w="med" len="med"/>
+                      <a:tailEnd type="none" w="med" len="med"/>
+                    </a:lnR>
+                    <a:lnT>
+                      <a:noFill/>
+                    </a:lnT>
+                    <a:lnB w="12700" cap="flat" cmpd="sng" algn="ctr">
+                      <a:solidFill>
+                        <a:srgbClr val="CFD4D8"/>
+                      </a:solidFill>
+                      <a:prstDash val="solid"/>
+                      <a:round/>
+                      <a:headEnd type="none" w="med" len="med"/>
+                      <a:tailEnd type="none" w="med" len="med"/>
+                    </a:lnB>
+                  </a:tcPr>
+                </a:tc>
+                <a:tc>
+                  <a:txBody>
+                    <a:bodyPr/>
+                    <a:lstStyle/>
+                    <a:p>
+                      <a:pPr algn="l"/>
+                      <a:r>
+                        <a:rPr lang="nl-NL" b="1" dirty="0">
+                          <a:solidFill>
+                            <a:srgbClr val="555555"/>
+                          </a:solidFill>
+                          <a:effectLst/>
+                        </a:rPr>
+                        <a:t>species</a:t>
+                      </a:r>
+                    </a:p>
+                  </a:txBody>
+                  <a:tcPr marL="47625" marR="47625" marT="47625" marB="47625" anchor="ctr">
+                    <a:lnL w="9525" cap="flat" cmpd="sng" algn="ctr">
+                      <a:solidFill>
+                        <a:srgbClr val="CFD4D8"/>
+                      </a:solidFill>
+                      <a:prstDash val="solid"/>
+                      <a:round/>
+                      <a:headEnd type="none" w="med" len="med"/>
+                      <a:tailEnd type="none" w="med" len="med"/>
+                    </a:lnL>
+                    <a:lnR w="9525" cap="flat" cmpd="sng" algn="ctr">
+                      <a:solidFill>
+                        <a:srgbClr val="CFD4D8"/>
+                      </a:solidFill>
+                      <a:prstDash val="solid"/>
+                      <a:round/>
+                      <a:headEnd type="none" w="med" len="med"/>
+                      <a:tailEnd type="none" w="med" len="med"/>
+                    </a:lnR>
+                    <a:lnT>
+                      <a:noFill/>
+                    </a:lnT>
+                    <a:lnB w="12700" cap="flat" cmpd="sng" algn="ctr">
+                      <a:solidFill>
+                        <a:srgbClr val="CFD4D8"/>
+                      </a:solidFill>
+                      <a:prstDash val="solid"/>
+                      <a:round/>
+                      <a:headEnd type="none" w="med" len="med"/>
+                      <a:tailEnd type="none" w="med" len="med"/>
+                    </a:lnB>
+                  </a:tcPr>
+                </a:tc>
+                <a:tc>
+                  <a:txBody>
+                    <a:bodyPr/>
+                    <a:lstStyle/>
+                    <a:p>
+                      <a:pPr algn="l"/>
+                      <a:r>
+                        <a:rPr lang="nl-NL" b="1" dirty="0" err="1">
+                          <a:solidFill>
+                            <a:srgbClr val="555555"/>
+                          </a:solidFill>
+                          <a:effectLst/>
+                        </a:rPr>
+                        <a:t>OutcomeType</a:t>
+                      </a:r>
+                      <a:endParaRPr lang="nl-NL" b="1" dirty="0">
+                        <a:solidFill>
+                          <a:srgbClr val="555555"/>
+                        </a:solidFill>
+                        <a:effectLst/>
+                      </a:endParaRPr>
+                    </a:p>
+                  </a:txBody>
+                  <a:tcPr marL="47625" marR="47625" marT="47625" marB="47625" anchor="ctr">
+                    <a:lnL w="9525" cap="flat" cmpd="sng" algn="ctr">
+                      <a:solidFill>
+                        <a:srgbClr val="CFD4D8"/>
+                      </a:solidFill>
+                      <a:prstDash val="solid"/>
+                      <a:round/>
+                      <a:headEnd type="none" w="med" len="med"/>
+                      <a:tailEnd type="none" w="med" len="med"/>
+                    </a:lnL>
+                    <a:lnR w="9525" cap="flat" cmpd="sng" algn="ctr">
+                      <a:solidFill>
+                        <a:srgbClr val="CFD4D8"/>
+                      </a:solidFill>
+                      <a:prstDash val="solid"/>
+                      <a:round/>
+                      <a:headEnd type="none" w="med" len="med"/>
+                      <a:tailEnd type="none" w="med" len="med"/>
+                    </a:lnR>
+                    <a:lnT>
+                      <a:noFill/>
+                    </a:lnT>
+                    <a:lnB w="12700" cap="flat" cmpd="sng" algn="ctr">
+                      <a:solidFill>
+                        <a:srgbClr val="CFD4D8"/>
+                      </a:solidFill>
+                      <a:prstDash val="solid"/>
+                      <a:round/>
+                      <a:headEnd type="none" w="med" len="med"/>
+                      <a:tailEnd type="none" w="med" len="med"/>
+                    </a:lnB>
+                  </a:tcPr>
+                </a:tc>
+                <a:tc>
+                  <a:txBody>
+                    <a:bodyPr/>
+                    <a:lstStyle/>
+                    <a:p>
+                      <a:pPr algn="l"/>
+                      <a:r>
+                        <a:rPr lang="nl-NL" b="1" dirty="0" err="1">
+                          <a:solidFill>
+                            <a:srgbClr val="555555"/>
+                          </a:solidFill>
+                          <a:effectLst/>
+                        </a:rPr>
+                        <a:t>num_animals</a:t>
+                      </a:r>
+                      <a:endParaRPr lang="nl-NL" b="1" dirty="0">
+                        <a:solidFill>
+                          <a:srgbClr val="555555"/>
+                        </a:solidFill>
+                        <a:effectLst/>
+                      </a:endParaRPr>
+                    </a:p>
+                  </a:txBody>
+                  <a:tcPr marL="47625" marR="47625" marT="47625" marB="47625" anchor="ctr">
+                    <a:lnL w="9525" cap="flat" cmpd="sng" algn="ctr">
+                      <a:solidFill>
+                        <a:srgbClr val="CFD4D8"/>
+                      </a:solidFill>
+                      <a:prstDash val="solid"/>
+                      <a:round/>
+                      <a:headEnd type="none" w="med" len="med"/>
+                      <a:tailEnd type="none" w="med" len="med"/>
+                    </a:lnL>
+                    <a:lnR w="9525" cap="flat" cmpd="sng" algn="ctr">
+                      <a:solidFill>
+                        <a:srgbClr val="CFD4D8"/>
+                      </a:solidFill>
+                      <a:prstDash val="solid"/>
+                      <a:round/>
+                      <a:headEnd type="none" w="med" len="med"/>
+                      <a:tailEnd type="none" w="med" len="med"/>
+                    </a:lnR>
+                    <a:lnT>
+                      <a:noFill/>
+                    </a:lnT>
+                    <a:lnB w="12700" cap="flat" cmpd="sng" algn="ctr">
+                      <a:solidFill>
+                        <a:srgbClr val="CFD4D8"/>
+                      </a:solidFill>
+                      <a:prstDash val="solid"/>
+                      <a:round/>
+                      <a:headEnd type="none" w="med" len="med"/>
+                      <a:tailEnd type="none" w="med" len="med"/>
+                    </a:lnB>
+                  </a:tcPr>
+                </a:tc>
+              </a:tr>
+              <a:tr h="322933">
+                <a:tc>
+                  <a:txBody>
+                    <a:bodyPr/>
+                    <a:lstStyle/>
+                    <a:p>
+                      <a:pPr algn="r"/>
+                      <a:r>
+                        <a:rPr lang="nl-NL" sz="1700" b="1">
+                          <a:solidFill>
+                            <a:srgbClr val="555555"/>
+                          </a:solidFill>
+                          <a:effectLst/>
+                        </a:rPr>
+                        <a:t>1</a:t>
+                      </a:r>
+                    </a:p>
+                  </a:txBody>
+                  <a:tcPr marL="43861" marR="43861" marT="35089" marB="35089" anchor="ctr">
+                    <a:lnL>
+                      <a:noFill/>
+                    </a:lnL>
+                    <a:lnR w="9525" cap="flat" cmpd="sng" algn="ctr">
+                      <a:solidFill>
+                        <a:srgbClr val="CFD4D8"/>
+                      </a:solidFill>
+                      <a:prstDash val="solid"/>
+                      <a:round/>
+                      <a:headEnd type="none" w="med" len="med"/>
+                      <a:tailEnd type="none" w="med" len="med"/>
+                    </a:lnR>
+                    <a:lnT w="12700" cap="flat" cmpd="sng" algn="ctr">
+                      <a:solidFill>
+                        <a:srgbClr val="CFD4D8"/>
+                      </a:solidFill>
+                      <a:prstDash val="solid"/>
+                      <a:round/>
+                      <a:headEnd type="none" w="med" len="med"/>
+                      <a:tailEnd type="none" w="med" len="med"/>
+                    </a:lnT>
+                    <a:lnB w="9525" cap="flat" cmpd="sng" algn="ctr">
+                      <a:solidFill>
+                        <a:srgbClr val="CFD4D8"/>
+                      </a:solidFill>
+                      <a:prstDash val="solid"/>
+                      <a:round/>
+                      <a:headEnd type="none" w="med" len="med"/>
+                      <a:tailEnd type="none" w="med" len="med"/>
+                    </a:lnB>
+                    <a:solidFill>
+                      <a:srgbClr val="F7F8F9"/>
+                    </a:solidFill>
+                  </a:tcPr>
+                </a:tc>
+                <a:tc>
+                  <a:txBody>
+                    <a:bodyPr/>
+                    <a:lstStyle/>
+                    <a:p>
+                      <a:r>
+                        <a:rPr lang="nl-NL" sz="1700">
+                          <a:effectLst/>
+                        </a:rPr>
+                        <a:t>Cat</a:t>
+                      </a:r>
+                    </a:p>
+                  </a:txBody>
+                  <a:tcPr marL="43861" marR="43861" marT="35089" marB="35089" anchor="ctr">
+                    <a:lnL w="9525" cap="flat" cmpd="sng" algn="ctr">
+                      <a:solidFill>
+                        <a:srgbClr val="CFD4D8"/>
+                      </a:solidFill>
+                      <a:prstDash val="solid"/>
+                      <a:round/>
+                      <a:headEnd type="none" w="med" len="med"/>
+                      <a:tailEnd type="none" w="med" len="med"/>
+                    </a:lnL>
+                    <a:lnR w="9525" cap="flat" cmpd="sng" algn="ctr">
+                      <a:solidFill>
+                        <a:srgbClr val="CFD4D8"/>
+                      </a:solidFill>
+                      <a:prstDash val="solid"/>
+                      <a:round/>
+                      <a:headEnd type="none" w="med" len="med"/>
+                      <a:tailEnd type="none" w="med" len="med"/>
+                    </a:lnR>
+                    <a:lnT w="12700" cap="flat" cmpd="sng" algn="ctr">
+                      <a:solidFill>
+                        <a:srgbClr val="CFD4D8"/>
+                      </a:solidFill>
+                      <a:prstDash val="solid"/>
+                      <a:round/>
+                      <a:headEnd type="none" w="med" len="med"/>
+                      <a:tailEnd type="none" w="med" len="med"/>
+                    </a:lnT>
+                    <a:lnB w="9525" cap="flat" cmpd="sng" algn="ctr">
+                      <a:solidFill>
+                        <a:srgbClr val="CFD4D8"/>
+                      </a:solidFill>
+                      <a:prstDash val="solid"/>
+                      <a:round/>
+                      <a:headEnd type="none" w="med" len="med"/>
+                      <a:tailEnd type="none" w="med" len="med"/>
+                    </a:lnB>
+                    <a:solidFill>
+                      <a:srgbClr val="FFFFFF"/>
+                    </a:solidFill>
+                  </a:tcPr>
+                </a:tc>
+                <a:tc>
+                  <a:txBody>
+                    <a:bodyPr/>
+                    <a:lstStyle/>
+                    <a:p>
+                      <a:r>
+                        <a:rPr lang="nl-NL" sz="1700">
+                          <a:effectLst/>
+                        </a:rPr>
+                        <a:t>Adoption</a:t>
+                      </a:r>
+                    </a:p>
+                  </a:txBody>
+                  <a:tcPr marL="43861" marR="43861" marT="35089" marB="35089" anchor="ctr">
+                    <a:lnL w="9525" cap="flat" cmpd="sng" algn="ctr">
+                      <a:solidFill>
+                        <a:srgbClr val="CFD4D8"/>
+                      </a:solidFill>
+                      <a:prstDash val="solid"/>
+                      <a:round/>
+                      <a:headEnd type="none" w="med" len="med"/>
+                      <a:tailEnd type="none" w="med" len="med"/>
+                    </a:lnL>
+                    <a:lnR w="9525" cap="flat" cmpd="sng" algn="ctr">
+                      <a:solidFill>
+                        <a:srgbClr val="CFD4D8"/>
+                      </a:solidFill>
+                      <a:prstDash val="solid"/>
+                      <a:round/>
+                      <a:headEnd type="none" w="med" len="med"/>
+                      <a:tailEnd type="none" w="med" len="med"/>
+                    </a:lnR>
+                    <a:lnT w="12700" cap="flat" cmpd="sng" algn="ctr">
+                      <a:solidFill>
+                        <a:srgbClr val="CFD4D8"/>
+                      </a:solidFill>
+                      <a:prstDash val="solid"/>
+                      <a:round/>
+                      <a:headEnd type="none" w="med" len="med"/>
+                      <a:tailEnd type="none" w="med" len="med"/>
+                    </a:lnT>
+                    <a:lnB w="9525" cap="flat" cmpd="sng" algn="ctr">
+                      <a:solidFill>
+                        <a:srgbClr val="CFD4D8"/>
+                      </a:solidFill>
+                      <a:prstDash val="solid"/>
+                      <a:round/>
+                      <a:headEnd type="none" w="med" len="med"/>
+                      <a:tailEnd type="none" w="med" len="med"/>
+                    </a:lnB>
+                    <a:solidFill>
+                      <a:srgbClr val="FFFFFF"/>
+                    </a:solidFill>
+                  </a:tcPr>
+                </a:tc>
+                <a:tc>
+                  <a:txBody>
+                    <a:bodyPr/>
+                    <a:lstStyle/>
+                    <a:p>
+                      <a:pPr algn="r"/>
+                      <a:r>
+                        <a:rPr lang="nl-NL" sz="1700">
+                          <a:effectLst/>
+                        </a:rPr>
+                        <a:t>4272</a:t>
+                      </a:r>
+                    </a:p>
+                  </a:txBody>
+                  <a:tcPr marL="43861" marR="43861" marT="35089" marB="35089" anchor="ctr">
+                    <a:lnL w="9525" cap="flat" cmpd="sng" algn="ctr">
+                      <a:solidFill>
+                        <a:srgbClr val="CFD4D8"/>
+                      </a:solidFill>
+                      <a:prstDash val="solid"/>
+                      <a:round/>
+                      <a:headEnd type="none" w="med" len="med"/>
+                      <a:tailEnd type="none" w="med" len="med"/>
+                    </a:lnL>
+                    <a:lnR w="9525" cap="flat" cmpd="sng" algn="ctr">
+                      <a:solidFill>
+                        <a:srgbClr val="CFD4D8"/>
+                      </a:solidFill>
+                      <a:prstDash val="solid"/>
+                      <a:round/>
+                      <a:headEnd type="none" w="med" len="med"/>
+                      <a:tailEnd type="none" w="med" len="med"/>
+                    </a:lnR>
+                    <a:lnT w="12700" cap="flat" cmpd="sng" algn="ctr">
+                      <a:solidFill>
+                        <a:srgbClr val="CFD4D8"/>
+                      </a:solidFill>
+                      <a:prstDash val="solid"/>
+                      <a:round/>
+                      <a:headEnd type="none" w="med" len="med"/>
+                      <a:tailEnd type="none" w="med" len="med"/>
+                    </a:lnT>
+                    <a:lnB w="9525" cap="flat" cmpd="sng" algn="ctr">
+                      <a:solidFill>
+                        <a:srgbClr val="CFD4D8"/>
+                      </a:solidFill>
+                      <a:prstDash val="solid"/>
+                      <a:round/>
+                      <a:headEnd type="none" w="med" len="med"/>
+                      <a:tailEnd type="none" w="med" len="med"/>
+                    </a:lnB>
+                    <a:solidFill>
+                      <a:srgbClr val="FFFFFF"/>
+                    </a:solidFill>
+                  </a:tcPr>
+                </a:tc>
+              </a:tr>
+              <a:tr h="322933">
+                <a:tc>
+                  <a:txBody>
+                    <a:bodyPr/>
+                    <a:lstStyle/>
+                    <a:p>
+                      <a:pPr algn="r"/>
+                      <a:r>
+                        <a:rPr lang="nl-NL" sz="1700" b="1">
+                          <a:solidFill>
+                            <a:srgbClr val="555555"/>
+                          </a:solidFill>
+                          <a:effectLst/>
+                        </a:rPr>
+                        <a:t>2</a:t>
+                      </a:r>
+                    </a:p>
+                  </a:txBody>
+                  <a:tcPr marL="43861" marR="43861" marT="35089" marB="35089" anchor="ctr">
+                    <a:lnL>
+                      <a:noFill/>
+                    </a:lnL>
+                    <a:lnR w="9525" cap="flat" cmpd="sng" algn="ctr">
+                      <a:solidFill>
+                        <a:srgbClr val="CFD4D8"/>
+                      </a:solidFill>
+                      <a:prstDash val="solid"/>
+                      <a:round/>
+                      <a:headEnd type="none" w="med" len="med"/>
+                      <a:tailEnd type="none" w="med" len="med"/>
+                    </a:lnR>
+                    <a:lnT w="9525" cap="flat" cmpd="sng" algn="ctr">
+                      <a:solidFill>
+                        <a:srgbClr val="CFD4D8"/>
+                      </a:solidFill>
+                      <a:prstDash val="solid"/>
+                      <a:round/>
+                      <a:headEnd type="none" w="med" len="med"/>
+                      <a:tailEnd type="none" w="med" len="med"/>
+                    </a:lnT>
+                    <a:lnB w="9525" cap="flat" cmpd="sng" algn="ctr">
+                      <a:solidFill>
+                        <a:srgbClr val="CFD4D8"/>
+                      </a:solidFill>
+                      <a:prstDash val="solid"/>
+                      <a:round/>
+                      <a:headEnd type="none" w="med" len="med"/>
+                      <a:tailEnd type="none" w="med" len="med"/>
+                    </a:lnB>
+                    <a:solidFill>
+                      <a:srgbClr val="F7F8F9"/>
+                    </a:solidFill>
+                  </a:tcPr>
+                </a:tc>
+                <a:tc>
+                  <a:txBody>
+                    <a:bodyPr/>
+                    <a:lstStyle/>
+                    <a:p>
+                      <a:r>
+                        <a:rPr lang="nl-NL" sz="1700">
+                          <a:effectLst/>
+                        </a:rPr>
+                        <a:t>Cat</a:t>
+                      </a:r>
+                    </a:p>
+                  </a:txBody>
+                  <a:tcPr marL="43861" marR="43861" marT="35089" marB="35089" anchor="ctr">
+                    <a:lnL w="9525" cap="flat" cmpd="sng" algn="ctr">
+                      <a:solidFill>
+                        <a:srgbClr val="CFD4D8"/>
+                      </a:solidFill>
+                      <a:prstDash val="solid"/>
+                      <a:round/>
+                      <a:headEnd type="none" w="med" len="med"/>
+                      <a:tailEnd type="none" w="med" len="med"/>
+                    </a:lnL>
+                    <a:lnR w="9525" cap="flat" cmpd="sng" algn="ctr">
+                      <a:solidFill>
+                        <a:srgbClr val="CFD4D8"/>
+                      </a:solidFill>
+                      <a:prstDash val="solid"/>
+                      <a:round/>
+                      <a:headEnd type="none" w="med" len="med"/>
+                      <a:tailEnd type="none" w="med" len="med"/>
+                    </a:lnR>
+                    <a:lnT w="9525" cap="flat" cmpd="sng" algn="ctr">
+                      <a:solidFill>
+                        <a:srgbClr val="CFD4D8"/>
+                      </a:solidFill>
+                      <a:prstDash val="solid"/>
+                      <a:round/>
+                      <a:headEnd type="none" w="med" len="med"/>
+                      <a:tailEnd type="none" w="med" len="med"/>
+                    </a:lnT>
+                    <a:lnB w="9525" cap="flat" cmpd="sng" algn="ctr">
+                      <a:solidFill>
+                        <a:srgbClr val="CFD4D8"/>
+                      </a:solidFill>
+                      <a:prstDash val="solid"/>
+                      <a:round/>
+                      <a:headEnd type="none" w="med" len="med"/>
+                      <a:tailEnd type="none" w="med" len="med"/>
+                    </a:lnB>
+                    <a:solidFill>
+                      <a:srgbClr val="FDFDFD"/>
+                    </a:solidFill>
+                  </a:tcPr>
+                </a:tc>
+                <a:tc>
+                  <a:txBody>
+                    <a:bodyPr/>
+                    <a:lstStyle/>
+                    <a:p>
+                      <a:r>
+                        <a:rPr lang="nl-NL" sz="1700">
+                          <a:effectLst/>
+                        </a:rPr>
+                        <a:t>Died</a:t>
+                      </a:r>
+                    </a:p>
+                  </a:txBody>
+                  <a:tcPr marL="43861" marR="43861" marT="35089" marB="35089" anchor="ctr">
+                    <a:lnL w="9525" cap="flat" cmpd="sng" algn="ctr">
+                      <a:solidFill>
+                        <a:srgbClr val="CFD4D8"/>
+                      </a:solidFill>
+                      <a:prstDash val="solid"/>
+                      <a:round/>
+                      <a:headEnd type="none" w="med" len="med"/>
+                      <a:tailEnd type="none" w="med" len="med"/>
+                    </a:lnL>
+                    <a:lnR w="9525" cap="flat" cmpd="sng" algn="ctr">
+                      <a:solidFill>
+                        <a:srgbClr val="CFD4D8"/>
+                      </a:solidFill>
+                      <a:prstDash val="solid"/>
+                      <a:round/>
+                      <a:headEnd type="none" w="med" len="med"/>
+                      <a:tailEnd type="none" w="med" len="med"/>
+                    </a:lnR>
+                    <a:lnT w="9525" cap="flat" cmpd="sng" algn="ctr">
+                      <a:solidFill>
+                        <a:srgbClr val="CFD4D8"/>
+                      </a:solidFill>
+                      <a:prstDash val="solid"/>
+                      <a:round/>
+                      <a:headEnd type="none" w="med" len="med"/>
+                      <a:tailEnd type="none" w="med" len="med"/>
+                    </a:lnT>
+                    <a:lnB w="9525" cap="flat" cmpd="sng" algn="ctr">
+                      <a:solidFill>
+                        <a:srgbClr val="CFD4D8"/>
+                      </a:solidFill>
+                      <a:prstDash val="solid"/>
+                      <a:round/>
+                      <a:headEnd type="none" w="med" len="med"/>
+                      <a:tailEnd type="none" w="med" len="med"/>
+                    </a:lnB>
+                    <a:solidFill>
+                      <a:srgbClr val="FDFDFD"/>
+                    </a:solidFill>
+                  </a:tcPr>
+                </a:tc>
+                <a:tc>
+                  <a:txBody>
+                    <a:bodyPr/>
+                    <a:lstStyle/>
+                    <a:p>
+                      <a:pPr algn="r"/>
+                      <a:r>
+                        <a:rPr lang="nl-NL" sz="1700">
+                          <a:effectLst/>
+                        </a:rPr>
+                        <a:t>147</a:t>
+                      </a:r>
+                    </a:p>
+                  </a:txBody>
+                  <a:tcPr marL="43861" marR="43861" marT="35089" marB="35089" anchor="ctr">
+                    <a:lnL w="9525" cap="flat" cmpd="sng" algn="ctr">
+                      <a:solidFill>
+                        <a:srgbClr val="CFD4D8"/>
+                      </a:solidFill>
+                      <a:prstDash val="solid"/>
+                      <a:round/>
+                      <a:headEnd type="none" w="med" len="med"/>
+                      <a:tailEnd type="none" w="med" len="med"/>
+                    </a:lnL>
+                    <a:lnR w="9525" cap="flat" cmpd="sng" algn="ctr">
+                      <a:solidFill>
+                        <a:srgbClr val="CFD4D8"/>
+                      </a:solidFill>
+                      <a:prstDash val="solid"/>
+                      <a:round/>
+                      <a:headEnd type="none" w="med" len="med"/>
+                      <a:tailEnd type="none" w="med" len="med"/>
+                    </a:lnR>
+                    <a:lnT w="9525" cap="flat" cmpd="sng" algn="ctr">
+                      <a:solidFill>
+                        <a:srgbClr val="CFD4D8"/>
+                      </a:solidFill>
+                      <a:prstDash val="solid"/>
+                      <a:round/>
+                      <a:headEnd type="none" w="med" len="med"/>
+                      <a:tailEnd type="none" w="med" len="med"/>
+                    </a:lnT>
+                    <a:lnB w="9525" cap="flat" cmpd="sng" algn="ctr">
+                      <a:solidFill>
+                        <a:srgbClr val="CFD4D8"/>
+                      </a:solidFill>
+                      <a:prstDash val="solid"/>
+                      <a:round/>
+                      <a:headEnd type="none" w="med" len="med"/>
+                      <a:tailEnd type="none" w="med" len="med"/>
+                    </a:lnB>
+                    <a:solidFill>
+                      <a:srgbClr val="FDFDFD"/>
+                    </a:solidFill>
+                  </a:tcPr>
+                </a:tc>
+              </a:tr>
+              <a:tr h="575688">
+                <a:tc>
+                  <a:txBody>
+                    <a:bodyPr/>
+                    <a:lstStyle/>
+                    <a:p>
+                      <a:pPr algn="r"/>
+                      <a:r>
+                        <a:rPr lang="nl-NL" sz="1700" b="1">
+                          <a:solidFill>
+                            <a:srgbClr val="555555"/>
+                          </a:solidFill>
+                          <a:effectLst/>
+                        </a:rPr>
+                        <a:t>3</a:t>
+                      </a:r>
+                    </a:p>
+                  </a:txBody>
+                  <a:tcPr marL="43861" marR="43861" marT="35089" marB="35089" anchor="ctr">
+                    <a:lnL>
+                      <a:noFill/>
+                    </a:lnL>
+                    <a:lnR w="9525" cap="flat" cmpd="sng" algn="ctr">
+                      <a:solidFill>
+                        <a:srgbClr val="CFD4D8"/>
+                      </a:solidFill>
+                      <a:prstDash val="solid"/>
+                      <a:round/>
+                      <a:headEnd type="none" w="med" len="med"/>
+                      <a:tailEnd type="none" w="med" len="med"/>
+                    </a:lnR>
+                    <a:lnT w="9525" cap="flat" cmpd="sng" algn="ctr">
+                      <a:solidFill>
+                        <a:srgbClr val="CFD4D8"/>
+                      </a:solidFill>
+                      <a:prstDash val="solid"/>
+                      <a:round/>
+                      <a:headEnd type="none" w="med" len="med"/>
+                      <a:tailEnd type="none" w="med" len="med"/>
+                    </a:lnT>
+                    <a:lnB w="9525" cap="flat" cmpd="sng" algn="ctr">
+                      <a:solidFill>
+                        <a:srgbClr val="CFD4D8"/>
+                      </a:solidFill>
+                      <a:prstDash val="solid"/>
+                      <a:round/>
+                      <a:headEnd type="none" w="med" len="med"/>
+                      <a:tailEnd type="none" w="med" len="med"/>
+                    </a:lnB>
+                    <a:solidFill>
+                      <a:srgbClr val="F7F8F9"/>
+                    </a:solidFill>
+                  </a:tcPr>
+                </a:tc>
+                <a:tc>
+                  <a:txBody>
+                    <a:bodyPr/>
+                    <a:lstStyle/>
+                    <a:p>
+                      <a:r>
+                        <a:rPr lang="nl-NL" sz="1700">
+                          <a:effectLst/>
+                        </a:rPr>
+                        <a:t>Cat</a:t>
+                      </a:r>
+                    </a:p>
+                  </a:txBody>
+                  <a:tcPr marL="43861" marR="43861" marT="35089" marB="35089" anchor="ctr">
+                    <a:lnL w="9525" cap="flat" cmpd="sng" algn="ctr">
+                      <a:solidFill>
+                        <a:srgbClr val="CFD4D8"/>
+                      </a:solidFill>
+                      <a:prstDash val="solid"/>
+                      <a:round/>
+                      <a:headEnd type="none" w="med" len="med"/>
+                      <a:tailEnd type="none" w="med" len="med"/>
+                    </a:lnL>
+                    <a:lnR w="9525" cap="flat" cmpd="sng" algn="ctr">
+                      <a:solidFill>
+                        <a:srgbClr val="CFD4D8"/>
+                      </a:solidFill>
+                      <a:prstDash val="solid"/>
+                      <a:round/>
+                      <a:headEnd type="none" w="med" len="med"/>
+                      <a:tailEnd type="none" w="med" len="med"/>
+                    </a:lnR>
+                    <a:lnT w="9525" cap="flat" cmpd="sng" algn="ctr">
+                      <a:solidFill>
+                        <a:srgbClr val="CFD4D8"/>
+                      </a:solidFill>
+                      <a:prstDash val="solid"/>
+                      <a:round/>
+                      <a:headEnd type="none" w="med" len="med"/>
+                      <a:tailEnd type="none" w="med" len="med"/>
+                    </a:lnT>
+                    <a:lnB w="9525" cap="flat" cmpd="sng" algn="ctr">
+                      <a:solidFill>
+                        <a:srgbClr val="CFD4D8"/>
+                      </a:solidFill>
+                      <a:prstDash val="solid"/>
+                      <a:round/>
+                      <a:headEnd type="none" w="med" len="med"/>
+                      <a:tailEnd type="none" w="med" len="med"/>
+                    </a:lnB>
+                    <a:solidFill>
+                      <a:srgbClr val="FFFFFF"/>
+                    </a:solidFill>
+                  </a:tcPr>
+                </a:tc>
+                <a:tc>
+                  <a:txBody>
+                    <a:bodyPr/>
+                    <a:lstStyle/>
+                    <a:p>
+                      <a:r>
+                        <a:rPr lang="nl-NL" sz="1700">
+                          <a:effectLst/>
+                        </a:rPr>
+                        <a:t>Euthanasia</a:t>
+                      </a:r>
+                    </a:p>
+                  </a:txBody>
+                  <a:tcPr marL="43861" marR="43861" marT="35089" marB="35089" anchor="ctr">
+                    <a:lnL w="9525" cap="flat" cmpd="sng" algn="ctr">
+                      <a:solidFill>
+                        <a:srgbClr val="CFD4D8"/>
+                      </a:solidFill>
+                      <a:prstDash val="solid"/>
+                      <a:round/>
+                      <a:headEnd type="none" w="med" len="med"/>
+                      <a:tailEnd type="none" w="med" len="med"/>
+                    </a:lnL>
+                    <a:lnR w="9525" cap="flat" cmpd="sng" algn="ctr">
+                      <a:solidFill>
+                        <a:srgbClr val="CFD4D8"/>
+                      </a:solidFill>
+                      <a:prstDash val="solid"/>
+                      <a:round/>
+                      <a:headEnd type="none" w="med" len="med"/>
+                      <a:tailEnd type="none" w="med" len="med"/>
+                    </a:lnR>
+                    <a:lnT w="9525" cap="flat" cmpd="sng" algn="ctr">
+                      <a:solidFill>
+                        <a:srgbClr val="CFD4D8"/>
+                      </a:solidFill>
+                      <a:prstDash val="solid"/>
+                      <a:round/>
+                      <a:headEnd type="none" w="med" len="med"/>
+                      <a:tailEnd type="none" w="med" len="med"/>
+                    </a:lnT>
+                    <a:lnB w="9525" cap="flat" cmpd="sng" algn="ctr">
+                      <a:solidFill>
+                        <a:srgbClr val="CFD4D8"/>
+                      </a:solidFill>
+                      <a:prstDash val="solid"/>
+                      <a:round/>
+                      <a:headEnd type="none" w="med" len="med"/>
+                      <a:tailEnd type="none" w="med" len="med"/>
+                    </a:lnB>
+                    <a:solidFill>
+                      <a:srgbClr val="FFFFFF"/>
+                    </a:solidFill>
+                  </a:tcPr>
+                </a:tc>
+                <a:tc>
+                  <a:txBody>
+                    <a:bodyPr/>
+                    <a:lstStyle/>
+                    <a:p>
+                      <a:pPr algn="r"/>
+                      <a:r>
+                        <a:rPr lang="nl-NL" sz="1700">
+                          <a:effectLst/>
+                        </a:rPr>
+                        <a:t>710</a:t>
+                      </a:r>
+                    </a:p>
+                  </a:txBody>
+                  <a:tcPr marL="43861" marR="43861" marT="35089" marB="35089" anchor="ctr">
+                    <a:lnL w="9525" cap="flat" cmpd="sng" algn="ctr">
+                      <a:solidFill>
+                        <a:srgbClr val="CFD4D8"/>
+                      </a:solidFill>
+                      <a:prstDash val="solid"/>
+                      <a:round/>
+                      <a:headEnd type="none" w="med" len="med"/>
+                      <a:tailEnd type="none" w="med" len="med"/>
+                    </a:lnL>
+                    <a:lnR w="9525" cap="flat" cmpd="sng" algn="ctr">
+                      <a:solidFill>
+                        <a:srgbClr val="CFD4D8"/>
+                      </a:solidFill>
+                      <a:prstDash val="solid"/>
+                      <a:round/>
+                      <a:headEnd type="none" w="med" len="med"/>
+                      <a:tailEnd type="none" w="med" len="med"/>
+                    </a:lnR>
+                    <a:lnT w="9525" cap="flat" cmpd="sng" algn="ctr">
+                      <a:solidFill>
+                        <a:srgbClr val="CFD4D8"/>
+                      </a:solidFill>
+                      <a:prstDash val="solid"/>
+                      <a:round/>
+                      <a:headEnd type="none" w="med" len="med"/>
+                      <a:tailEnd type="none" w="med" len="med"/>
+                    </a:lnT>
+                    <a:lnB w="9525" cap="flat" cmpd="sng" algn="ctr">
+                      <a:solidFill>
+                        <a:srgbClr val="CFD4D8"/>
+                      </a:solidFill>
+                      <a:prstDash val="solid"/>
+                      <a:round/>
+                      <a:headEnd type="none" w="med" len="med"/>
+                      <a:tailEnd type="none" w="med" len="med"/>
+                    </a:lnB>
+                    <a:solidFill>
+                      <a:srgbClr val="FFFFFF"/>
+                    </a:solidFill>
+                  </a:tcPr>
+                </a:tc>
+              </a:tr>
+              <a:tr h="575688">
+                <a:tc>
+                  <a:txBody>
+                    <a:bodyPr/>
+                    <a:lstStyle/>
+                    <a:p>
+                      <a:pPr algn="r"/>
+                      <a:r>
+                        <a:rPr lang="nl-NL" sz="1700" b="1">
+                          <a:solidFill>
+                            <a:srgbClr val="555555"/>
+                          </a:solidFill>
+                          <a:effectLst/>
+                        </a:rPr>
+                        <a:t>4</a:t>
+                      </a:r>
+                    </a:p>
+                  </a:txBody>
+                  <a:tcPr marL="43861" marR="43861" marT="35089" marB="35089" anchor="ctr">
+                    <a:lnL>
+                      <a:noFill/>
+                    </a:lnL>
+                    <a:lnR w="9525" cap="flat" cmpd="sng" algn="ctr">
+                      <a:solidFill>
+                        <a:srgbClr val="CFD4D8"/>
+                      </a:solidFill>
+                      <a:prstDash val="solid"/>
+                      <a:round/>
+                      <a:headEnd type="none" w="med" len="med"/>
+                      <a:tailEnd type="none" w="med" len="med"/>
+                    </a:lnR>
+                    <a:lnT w="9525" cap="flat" cmpd="sng" algn="ctr">
+                      <a:solidFill>
+                        <a:srgbClr val="CFD4D8"/>
+                      </a:solidFill>
+                      <a:prstDash val="solid"/>
+                      <a:round/>
+                      <a:headEnd type="none" w="med" len="med"/>
+                      <a:tailEnd type="none" w="med" len="med"/>
+                    </a:lnT>
+                    <a:lnB w="9525" cap="flat" cmpd="sng" algn="ctr">
+                      <a:solidFill>
+                        <a:srgbClr val="CFD4D8"/>
+                      </a:solidFill>
+                      <a:prstDash val="solid"/>
+                      <a:round/>
+                      <a:headEnd type="none" w="med" len="med"/>
+                      <a:tailEnd type="none" w="med" len="med"/>
+                    </a:lnB>
+                    <a:solidFill>
+                      <a:srgbClr val="F7F8F9"/>
+                    </a:solidFill>
+                  </a:tcPr>
+                </a:tc>
+                <a:tc>
+                  <a:txBody>
+                    <a:bodyPr/>
+                    <a:lstStyle/>
+                    <a:p>
+                      <a:r>
+                        <a:rPr lang="nl-NL" sz="1700">
+                          <a:effectLst/>
+                        </a:rPr>
+                        <a:t>Cat</a:t>
+                      </a:r>
+                    </a:p>
+                  </a:txBody>
+                  <a:tcPr marL="43861" marR="43861" marT="35089" marB="35089" anchor="ctr">
+                    <a:lnL w="9525" cap="flat" cmpd="sng" algn="ctr">
+                      <a:solidFill>
+                        <a:srgbClr val="CFD4D8"/>
+                      </a:solidFill>
+                      <a:prstDash val="solid"/>
+                      <a:round/>
+                      <a:headEnd type="none" w="med" len="med"/>
+                      <a:tailEnd type="none" w="med" len="med"/>
+                    </a:lnL>
+                    <a:lnR w="9525" cap="flat" cmpd="sng" algn="ctr">
+                      <a:solidFill>
+                        <a:srgbClr val="CFD4D8"/>
+                      </a:solidFill>
+                      <a:prstDash val="solid"/>
+                      <a:round/>
+                      <a:headEnd type="none" w="med" len="med"/>
+                      <a:tailEnd type="none" w="med" len="med"/>
+                    </a:lnR>
+                    <a:lnT w="9525" cap="flat" cmpd="sng" algn="ctr">
+                      <a:solidFill>
+                        <a:srgbClr val="CFD4D8"/>
+                      </a:solidFill>
+                      <a:prstDash val="solid"/>
+                      <a:round/>
+                      <a:headEnd type="none" w="med" len="med"/>
+                      <a:tailEnd type="none" w="med" len="med"/>
+                    </a:lnT>
+                    <a:lnB w="9525" cap="flat" cmpd="sng" algn="ctr">
+                      <a:solidFill>
+                        <a:srgbClr val="CFD4D8"/>
+                      </a:solidFill>
+                      <a:prstDash val="solid"/>
+                      <a:round/>
+                      <a:headEnd type="none" w="med" len="med"/>
+                      <a:tailEnd type="none" w="med" len="med"/>
+                    </a:lnB>
+                    <a:solidFill>
+                      <a:srgbClr val="FDFDFD"/>
+                    </a:solidFill>
+                  </a:tcPr>
+                </a:tc>
+                <a:tc>
+                  <a:txBody>
+                    <a:bodyPr/>
+                    <a:lstStyle/>
+                    <a:p>
+                      <a:r>
+                        <a:rPr lang="nl-NL" sz="1700">
+                          <a:effectLst/>
+                        </a:rPr>
+                        <a:t>Return_to_owner</a:t>
+                      </a:r>
+                    </a:p>
+                  </a:txBody>
+                  <a:tcPr marL="43861" marR="43861" marT="35089" marB="35089" anchor="ctr">
+                    <a:lnL w="9525" cap="flat" cmpd="sng" algn="ctr">
+                      <a:solidFill>
+                        <a:srgbClr val="CFD4D8"/>
+                      </a:solidFill>
+                      <a:prstDash val="solid"/>
+                      <a:round/>
+                      <a:headEnd type="none" w="med" len="med"/>
+                      <a:tailEnd type="none" w="med" len="med"/>
+                    </a:lnL>
+                    <a:lnR w="9525" cap="flat" cmpd="sng" algn="ctr">
+                      <a:solidFill>
+                        <a:srgbClr val="CFD4D8"/>
+                      </a:solidFill>
+                      <a:prstDash val="solid"/>
+                      <a:round/>
+                      <a:headEnd type="none" w="med" len="med"/>
+                      <a:tailEnd type="none" w="med" len="med"/>
+                    </a:lnR>
+                    <a:lnT w="9525" cap="flat" cmpd="sng" algn="ctr">
+                      <a:solidFill>
+                        <a:srgbClr val="CFD4D8"/>
+                      </a:solidFill>
+                      <a:prstDash val="solid"/>
+                      <a:round/>
+                      <a:headEnd type="none" w="med" len="med"/>
+                      <a:tailEnd type="none" w="med" len="med"/>
+                    </a:lnT>
+                    <a:lnB w="9525" cap="flat" cmpd="sng" algn="ctr">
+                      <a:solidFill>
+                        <a:srgbClr val="CFD4D8"/>
+                      </a:solidFill>
+                      <a:prstDash val="solid"/>
+                      <a:round/>
+                      <a:headEnd type="none" w="med" len="med"/>
+                      <a:tailEnd type="none" w="med" len="med"/>
+                    </a:lnB>
+                    <a:solidFill>
+                      <a:srgbClr val="FDFDFD"/>
+                    </a:solidFill>
+                  </a:tcPr>
+                </a:tc>
+                <a:tc>
+                  <a:txBody>
+                    <a:bodyPr/>
+                    <a:lstStyle/>
+                    <a:p>
+                      <a:pPr algn="r"/>
+                      <a:r>
+                        <a:rPr lang="nl-NL" sz="1700">
+                          <a:effectLst/>
+                        </a:rPr>
+                        <a:t>500</a:t>
+                      </a:r>
+                    </a:p>
+                  </a:txBody>
+                  <a:tcPr marL="43861" marR="43861" marT="35089" marB="35089" anchor="ctr">
+                    <a:lnL w="9525" cap="flat" cmpd="sng" algn="ctr">
+                      <a:solidFill>
+                        <a:srgbClr val="CFD4D8"/>
+                      </a:solidFill>
+                      <a:prstDash val="solid"/>
+                      <a:round/>
+                      <a:headEnd type="none" w="med" len="med"/>
+                      <a:tailEnd type="none" w="med" len="med"/>
+                    </a:lnL>
+                    <a:lnR w="9525" cap="flat" cmpd="sng" algn="ctr">
+                      <a:solidFill>
+                        <a:srgbClr val="CFD4D8"/>
+                      </a:solidFill>
+                      <a:prstDash val="solid"/>
+                      <a:round/>
+                      <a:headEnd type="none" w="med" len="med"/>
+                      <a:tailEnd type="none" w="med" len="med"/>
+                    </a:lnR>
+                    <a:lnT w="9525" cap="flat" cmpd="sng" algn="ctr">
+                      <a:solidFill>
+                        <a:srgbClr val="CFD4D8"/>
+                      </a:solidFill>
+                      <a:prstDash val="solid"/>
+                      <a:round/>
+                      <a:headEnd type="none" w="med" len="med"/>
+                      <a:tailEnd type="none" w="med" len="med"/>
+                    </a:lnT>
+                    <a:lnB w="9525" cap="flat" cmpd="sng" algn="ctr">
+                      <a:solidFill>
+                        <a:srgbClr val="CFD4D8"/>
+                      </a:solidFill>
+                      <a:prstDash val="solid"/>
+                      <a:round/>
+                      <a:headEnd type="none" w="med" len="med"/>
+                      <a:tailEnd type="none" w="med" len="med"/>
+                    </a:lnB>
+                    <a:solidFill>
+                      <a:srgbClr val="FDFDFD"/>
+                    </a:solidFill>
+                  </a:tcPr>
+                </a:tc>
+              </a:tr>
+              <a:tr h="322933">
+                <a:tc>
+                  <a:txBody>
+                    <a:bodyPr/>
+                    <a:lstStyle/>
+                    <a:p>
+                      <a:pPr algn="r"/>
+                      <a:r>
+                        <a:rPr lang="nl-NL" sz="1700" b="1">
+                          <a:solidFill>
+                            <a:srgbClr val="555555"/>
+                          </a:solidFill>
+                          <a:effectLst/>
+                        </a:rPr>
+                        <a:t>5</a:t>
+                      </a:r>
+                    </a:p>
+                  </a:txBody>
+                  <a:tcPr marL="43861" marR="43861" marT="35089" marB="35089" anchor="ctr">
+                    <a:lnL>
+                      <a:noFill/>
+                    </a:lnL>
+                    <a:lnR w="9525" cap="flat" cmpd="sng" algn="ctr">
+                      <a:solidFill>
+                        <a:srgbClr val="CFD4D8"/>
+                      </a:solidFill>
+                      <a:prstDash val="solid"/>
+                      <a:round/>
+                      <a:headEnd type="none" w="med" len="med"/>
+                      <a:tailEnd type="none" w="med" len="med"/>
+                    </a:lnR>
+                    <a:lnT w="9525" cap="flat" cmpd="sng" algn="ctr">
+                      <a:solidFill>
+                        <a:srgbClr val="CFD4D8"/>
+                      </a:solidFill>
+                      <a:prstDash val="solid"/>
+                      <a:round/>
+                      <a:headEnd type="none" w="med" len="med"/>
+                      <a:tailEnd type="none" w="med" len="med"/>
+                    </a:lnT>
+                    <a:lnB w="9525" cap="flat" cmpd="sng" algn="ctr">
+                      <a:solidFill>
+                        <a:srgbClr val="CFD4D8"/>
+                      </a:solidFill>
+                      <a:prstDash val="solid"/>
+                      <a:round/>
+                      <a:headEnd type="none" w="med" len="med"/>
+                      <a:tailEnd type="none" w="med" len="med"/>
+                    </a:lnB>
+                    <a:solidFill>
+                      <a:srgbClr val="F7F8F9"/>
+                    </a:solidFill>
+                  </a:tcPr>
+                </a:tc>
+                <a:tc>
+                  <a:txBody>
+                    <a:bodyPr/>
+                    <a:lstStyle/>
+                    <a:p>
+                      <a:r>
+                        <a:rPr lang="nl-NL" sz="1700">
+                          <a:effectLst/>
+                        </a:rPr>
+                        <a:t>Cat</a:t>
+                      </a:r>
+                    </a:p>
+                  </a:txBody>
+                  <a:tcPr marL="43861" marR="43861" marT="35089" marB="35089" anchor="ctr">
+                    <a:lnL w="9525" cap="flat" cmpd="sng" algn="ctr">
+                      <a:solidFill>
+                        <a:srgbClr val="CFD4D8"/>
+                      </a:solidFill>
+                      <a:prstDash val="solid"/>
+                      <a:round/>
+                      <a:headEnd type="none" w="med" len="med"/>
+                      <a:tailEnd type="none" w="med" len="med"/>
+                    </a:lnL>
+                    <a:lnR w="9525" cap="flat" cmpd="sng" algn="ctr">
+                      <a:solidFill>
+                        <a:srgbClr val="CFD4D8"/>
+                      </a:solidFill>
+                      <a:prstDash val="solid"/>
+                      <a:round/>
+                      <a:headEnd type="none" w="med" len="med"/>
+                      <a:tailEnd type="none" w="med" len="med"/>
+                    </a:lnR>
+                    <a:lnT w="9525" cap="flat" cmpd="sng" algn="ctr">
+                      <a:solidFill>
+                        <a:srgbClr val="CFD4D8"/>
+                      </a:solidFill>
+                      <a:prstDash val="solid"/>
+                      <a:round/>
+                      <a:headEnd type="none" w="med" len="med"/>
+                      <a:tailEnd type="none" w="med" len="med"/>
+                    </a:lnT>
+                    <a:lnB w="9525" cap="flat" cmpd="sng" algn="ctr">
+                      <a:solidFill>
+                        <a:srgbClr val="CFD4D8"/>
+                      </a:solidFill>
+                      <a:prstDash val="solid"/>
+                      <a:round/>
+                      <a:headEnd type="none" w="med" len="med"/>
+                      <a:tailEnd type="none" w="med" len="med"/>
+                    </a:lnB>
+                    <a:solidFill>
+                      <a:srgbClr val="FFFFFF"/>
+                    </a:solidFill>
+                  </a:tcPr>
+                </a:tc>
+                <a:tc>
+                  <a:txBody>
+                    <a:bodyPr/>
+                    <a:lstStyle/>
+                    <a:p>
+                      <a:r>
+                        <a:rPr lang="nl-NL" sz="1700">
+                          <a:effectLst/>
+                        </a:rPr>
+                        <a:t>Transfer</a:t>
+                      </a:r>
+                    </a:p>
+                  </a:txBody>
+                  <a:tcPr marL="43861" marR="43861" marT="35089" marB="35089" anchor="ctr">
+                    <a:lnL w="9525" cap="flat" cmpd="sng" algn="ctr">
+                      <a:solidFill>
+                        <a:srgbClr val="CFD4D8"/>
+                      </a:solidFill>
+                      <a:prstDash val="solid"/>
+                      <a:round/>
+                      <a:headEnd type="none" w="med" len="med"/>
+                      <a:tailEnd type="none" w="med" len="med"/>
+                    </a:lnL>
+                    <a:lnR w="9525" cap="flat" cmpd="sng" algn="ctr">
+                      <a:solidFill>
+                        <a:srgbClr val="CFD4D8"/>
+                      </a:solidFill>
+                      <a:prstDash val="solid"/>
+                      <a:round/>
+                      <a:headEnd type="none" w="med" len="med"/>
+                      <a:tailEnd type="none" w="med" len="med"/>
+                    </a:lnR>
+                    <a:lnT w="9525" cap="flat" cmpd="sng" algn="ctr">
+                      <a:solidFill>
+                        <a:srgbClr val="CFD4D8"/>
+                      </a:solidFill>
+                      <a:prstDash val="solid"/>
+                      <a:round/>
+                      <a:headEnd type="none" w="med" len="med"/>
+                      <a:tailEnd type="none" w="med" len="med"/>
+                    </a:lnT>
+                    <a:lnB w="9525" cap="flat" cmpd="sng" algn="ctr">
+                      <a:solidFill>
+                        <a:srgbClr val="CFD4D8"/>
+                      </a:solidFill>
+                      <a:prstDash val="solid"/>
+                      <a:round/>
+                      <a:headEnd type="none" w="med" len="med"/>
+                      <a:tailEnd type="none" w="med" len="med"/>
+                    </a:lnB>
+                    <a:solidFill>
+                      <a:srgbClr val="FFFFFF"/>
+                    </a:solidFill>
+                  </a:tcPr>
+                </a:tc>
+                <a:tc>
+                  <a:txBody>
+                    <a:bodyPr/>
+                    <a:lstStyle/>
+                    <a:p>
+                      <a:pPr algn="r"/>
+                      <a:r>
+                        <a:rPr lang="nl-NL" sz="1700">
+                          <a:effectLst/>
+                        </a:rPr>
+                        <a:t>5505</a:t>
+                      </a:r>
+                    </a:p>
+                  </a:txBody>
+                  <a:tcPr marL="43861" marR="43861" marT="35089" marB="35089" anchor="ctr">
+                    <a:lnL w="9525" cap="flat" cmpd="sng" algn="ctr">
+                      <a:solidFill>
+                        <a:srgbClr val="CFD4D8"/>
+                      </a:solidFill>
+                      <a:prstDash val="solid"/>
+                      <a:round/>
+                      <a:headEnd type="none" w="med" len="med"/>
+                      <a:tailEnd type="none" w="med" len="med"/>
+                    </a:lnL>
+                    <a:lnR w="9525" cap="flat" cmpd="sng" algn="ctr">
+                      <a:solidFill>
+                        <a:srgbClr val="CFD4D8"/>
+                      </a:solidFill>
+                      <a:prstDash val="solid"/>
+                      <a:round/>
+                      <a:headEnd type="none" w="med" len="med"/>
+                      <a:tailEnd type="none" w="med" len="med"/>
+                    </a:lnR>
+                    <a:lnT w="9525" cap="flat" cmpd="sng" algn="ctr">
+                      <a:solidFill>
+                        <a:srgbClr val="CFD4D8"/>
+                      </a:solidFill>
+                      <a:prstDash val="solid"/>
+                      <a:round/>
+                      <a:headEnd type="none" w="med" len="med"/>
+                      <a:tailEnd type="none" w="med" len="med"/>
+                    </a:lnT>
+                    <a:lnB w="9525" cap="flat" cmpd="sng" algn="ctr">
+                      <a:solidFill>
+                        <a:srgbClr val="CFD4D8"/>
+                      </a:solidFill>
+                      <a:prstDash val="solid"/>
+                      <a:round/>
+                      <a:headEnd type="none" w="med" len="med"/>
+                      <a:tailEnd type="none" w="med" len="med"/>
+                    </a:lnB>
+                    <a:solidFill>
+                      <a:srgbClr val="FFFFFF"/>
+                    </a:solidFill>
+                  </a:tcPr>
+                </a:tc>
+              </a:tr>
+              <a:tr h="575688">
+                <a:tc>
+                  <a:txBody>
+                    <a:bodyPr/>
+                    <a:lstStyle/>
+                    <a:p>
+                      <a:pPr algn="r"/>
+                      <a:r>
+                        <a:rPr lang="nl-NL" sz="1700" b="1">
+                          <a:solidFill>
+                            <a:srgbClr val="555555"/>
+                          </a:solidFill>
+                          <a:effectLst/>
+                        </a:rPr>
+                        <a:t>6</a:t>
+                      </a:r>
+                    </a:p>
+                  </a:txBody>
+                  <a:tcPr marL="43861" marR="43861" marT="35089" marB="35089" anchor="ctr">
+                    <a:lnL>
+                      <a:noFill/>
+                    </a:lnL>
+                    <a:lnR w="9525" cap="flat" cmpd="sng" algn="ctr">
+                      <a:solidFill>
+                        <a:srgbClr val="CFD4D8"/>
+                      </a:solidFill>
+                      <a:prstDash val="solid"/>
+                      <a:round/>
+                      <a:headEnd type="none" w="med" len="med"/>
+                      <a:tailEnd type="none" w="med" len="med"/>
+                    </a:lnR>
+                    <a:lnT w="9525" cap="flat" cmpd="sng" algn="ctr">
+                      <a:solidFill>
+                        <a:srgbClr val="CFD4D8"/>
+                      </a:solidFill>
+                      <a:prstDash val="solid"/>
+                      <a:round/>
+                      <a:headEnd type="none" w="med" len="med"/>
+                      <a:tailEnd type="none" w="med" len="med"/>
+                    </a:lnT>
+                    <a:lnB w="9525" cap="flat" cmpd="sng" algn="ctr">
+                      <a:solidFill>
+                        <a:srgbClr val="CFD4D8"/>
+                      </a:solidFill>
+                      <a:prstDash val="solid"/>
+                      <a:round/>
+                      <a:headEnd type="none" w="med" len="med"/>
+                      <a:tailEnd type="none" w="med" len="med"/>
+                    </a:lnB>
+                    <a:solidFill>
+                      <a:srgbClr val="F7F8F9"/>
+                    </a:solidFill>
+                  </a:tcPr>
+                </a:tc>
+                <a:tc>
+                  <a:txBody>
+                    <a:bodyPr/>
+                    <a:lstStyle/>
+                    <a:p>
+                      <a:r>
+                        <a:rPr lang="nl-NL" sz="1700">
+                          <a:effectLst/>
+                        </a:rPr>
+                        <a:t>Dog</a:t>
+                      </a:r>
+                    </a:p>
+                  </a:txBody>
+                  <a:tcPr marL="43861" marR="43861" marT="35089" marB="35089" anchor="ctr">
+                    <a:lnL w="9525" cap="flat" cmpd="sng" algn="ctr">
+                      <a:solidFill>
+                        <a:srgbClr val="CFD4D8"/>
+                      </a:solidFill>
+                      <a:prstDash val="solid"/>
+                      <a:round/>
+                      <a:headEnd type="none" w="med" len="med"/>
+                      <a:tailEnd type="none" w="med" len="med"/>
+                    </a:lnL>
+                    <a:lnR w="9525" cap="flat" cmpd="sng" algn="ctr">
+                      <a:solidFill>
+                        <a:srgbClr val="CFD4D8"/>
+                      </a:solidFill>
+                      <a:prstDash val="solid"/>
+                      <a:round/>
+                      <a:headEnd type="none" w="med" len="med"/>
+                      <a:tailEnd type="none" w="med" len="med"/>
+                    </a:lnR>
+                    <a:lnT w="9525" cap="flat" cmpd="sng" algn="ctr">
+                      <a:solidFill>
+                        <a:srgbClr val="CFD4D8"/>
+                      </a:solidFill>
+                      <a:prstDash val="solid"/>
+                      <a:round/>
+                      <a:headEnd type="none" w="med" len="med"/>
+                      <a:tailEnd type="none" w="med" len="med"/>
+                    </a:lnT>
+                    <a:lnB w="9525" cap="flat" cmpd="sng" algn="ctr">
+                      <a:solidFill>
+                        <a:srgbClr val="CFD4D8"/>
+                      </a:solidFill>
+                      <a:prstDash val="solid"/>
+                      <a:round/>
+                      <a:headEnd type="none" w="med" len="med"/>
+                      <a:tailEnd type="none" w="med" len="med"/>
+                    </a:lnB>
+                    <a:solidFill>
+                      <a:srgbClr val="FDFDFD"/>
+                    </a:solidFill>
+                  </a:tcPr>
+                </a:tc>
+                <a:tc>
+                  <a:txBody>
+                    <a:bodyPr/>
+                    <a:lstStyle/>
+                    <a:p>
+                      <a:r>
+                        <a:rPr lang="nl-NL" sz="1700">
+                          <a:effectLst/>
+                        </a:rPr>
+                        <a:t>Adoption</a:t>
+                      </a:r>
+                    </a:p>
+                  </a:txBody>
+                  <a:tcPr marL="43861" marR="43861" marT="35089" marB="35089" anchor="ctr">
+                    <a:lnL w="9525" cap="flat" cmpd="sng" algn="ctr">
+                      <a:solidFill>
+                        <a:srgbClr val="CFD4D8"/>
+                      </a:solidFill>
+                      <a:prstDash val="solid"/>
+                      <a:round/>
+                      <a:headEnd type="none" w="med" len="med"/>
+                      <a:tailEnd type="none" w="med" len="med"/>
+                    </a:lnL>
+                    <a:lnR w="9525" cap="flat" cmpd="sng" algn="ctr">
+                      <a:solidFill>
+                        <a:srgbClr val="CFD4D8"/>
+                      </a:solidFill>
+                      <a:prstDash val="solid"/>
+                      <a:round/>
+                      <a:headEnd type="none" w="med" len="med"/>
+                      <a:tailEnd type="none" w="med" len="med"/>
+                    </a:lnR>
+                    <a:lnT w="9525" cap="flat" cmpd="sng" algn="ctr">
+                      <a:solidFill>
+                        <a:srgbClr val="CFD4D8"/>
+                      </a:solidFill>
+                      <a:prstDash val="solid"/>
+                      <a:round/>
+                      <a:headEnd type="none" w="med" len="med"/>
+                      <a:tailEnd type="none" w="med" len="med"/>
+                    </a:lnT>
+                    <a:lnB w="9525" cap="flat" cmpd="sng" algn="ctr">
+                      <a:solidFill>
+                        <a:srgbClr val="CFD4D8"/>
+                      </a:solidFill>
+                      <a:prstDash val="solid"/>
+                      <a:round/>
+                      <a:headEnd type="none" w="med" len="med"/>
+                      <a:tailEnd type="none" w="med" len="med"/>
+                    </a:lnB>
+                    <a:solidFill>
+                      <a:srgbClr val="FDFDFD"/>
+                    </a:solidFill>
+                  </a:tcPr>
+                </a:tc>
+                <a:tc>
+                  <a:txBody>
+                    <a:bodyPr/>
+                    <a:lstStyle/>
+                    <a:p>
+                      <a:pPr algn="r"/>
+                      <a:r>
+                        <a:rPr lang="nl-NL" sz="1700">
+                          <a:effectLst/>
+                        </a:rPr>
+                        <a:t>6497</a:t>
+                      </a:r>
+                    </a:p>
+                  </a:txBody>
+                  <a:tcPr marL="43861" marR="43861" marT="35089" marB="35089" anchor="ctr">
+                    <a:lnL w="9525" cap="flat" cmpd="sng" algn="ctr">
+                      <a:solidFill>
+                        <a:srgbClr val="CFD4D8"/>
+                      </a:solidFill>
+                      <a:prstDash val="solid"/>
+                      <a:round/>
+                      <a:headEnd type="none" w="med" len="med"/>
+                      <a:tailEnd type="none" w="med" len="med"/>
+                    </a:lnL>
+                    <a:lnR w="9525" cap="flat" cmpd="sng" algn="ctr">
+                      <a:solidFill>
+                        <a:srgbClr val="CFD4D8"/>
+                      </a:solidFill>
+                      <a:prstDash val="solid"/>
+                      <a:round/>
+                      <a:headEnd type="none" w="med" len="med"/>
+                      <a:tailEnd type="none" w="med" len="med"/>
+                    </a:lnR>
+                    <a:lnT w="9525" cap="flat" cmpd="sng" algn="ctr">
+                      <a:solidFill>
+                        <a:srgbClr val="CFD4D8"/>
+                      </a:solidFill>
+                      <a:prstDash val="solid"/>
+                      <a:round/>
+                      <a:headEnd type="none" w="med" len="med"/>
+                      <a:tailEnd type="none" w="med" len="med"/>
+                    </a:lnT>
+                    <a:lnB w="9525" cap="flat" cmpd="sng" algn="ctr">
+                      <a:solidFill>
+                        <a:srgbClr val="CFD4D8"/>
+                      </a:solidFill>
+                      <a:prstDash val="solid"/>
+                      <a:round/>
+                      <a:headEnd type="none" w="med" len="med"/>
+                      <a:tailEnd type="none" w="med" len="med"/>
+                    </a:lnB>
+                    <a:solidFill>
+                      <a:srgbClr val="FDFDFD"/>
+                    </a:solidFill>
+                  </a:tcPr>
+                </a:tc>
+              </a:tr>
+              <a:tr h="575688">
+                <a:tc>
+                  <a:txBody>
+                    <a:bodyPr/>
+                    <a:lstStyle/>
+                    <a:p>
+                      <a:pPr algn="r"/>
+                      <a:r>
+                        <a:rPr lang="nl-NL" sz="1700" b="1">
+                          <a:solidFill>
+                            <a:srgbClr val="555555"/>
+                          </a:solidFill>
+                          <a:effectLst/>
+                        </a:rPr>
+                        <a:t>7</a:t>
+                      </a:r>
+                    </a:p>
+                  </a:txBody>
+                  <a:tcPr marL="43861" marR="43861" marT="35089" marB="35089" anchor="ctr">
+                    <a:lnL>
+                      <a:noFill/>
+                    </a:lnL>
+                    <a:lnR w="9525" cap="flat" cmpd="sng" algn="ctr">
+                      <a:solidFill>
+                        <a:srgbClr val="CFD4D8"/>
+                      </a:solidFill>
+                      <a:prstDash val="solid"/>
+                      <a:round/>
+                      <a:headEnd type="none" w="med" len="med"/>
+                      <a:tailEnd type="none" w="med" len="med"/>
+                    </a:lnR>
+                    <a:lnT w="9525" cap="flat" cmpd="sng" algn="ctr">
+                      <a:solidFill>
+                        <a:srgbClr val="CFD4D8"/>
+                      </a:solidFill>
+                      <a:prstDash val="solid"/>
+                      <a:round/>
+                      <a:headEnd type="none" w="med" len="med"/>
+                      <a:tailEnd type="none" w="med" len="med"/>
+                    </a:lnT>
+                    <a:lnB w="9525" cap="flat" cmpd="sng" algn="ctr">
+                      <a:solidFill>
+                        <a:srgbClr val="CFD4D8"/>
+                      </a:solidFill>
+                      <a:prstDash val="solid"/>
+                      <a:round/>
+                      <a:headEnd type="none" w="med" len="med"/>
+                      <a:tailEnd type="none" w="med" len="med"/>
+                    </a:lnB>
+                    <a:solidFill>
+                      <a:srgbClr val="F7F8F9"/>
+                    </a:solidFill>
+                  </a:tcPr>
+                </a:tc>
+                <a:tc>
+                  <a:txBody>
+                    <a:bodyPr/>
+                    <a:lstStyle/>
+                    <a:p>
+                      <a:r>
+                        <a:rPr lang="nl-NL" sz="1700">
+                          <a:effectLst/>
+                        </a:rPr>
+                        <a:t>Dog</a:t>
+                      </a:r>
+                    </a:p>
+                  </a:txBody>
+                  <a:tcPr marL="43861" marR="43861" marT="35089" marB="35089" anchor="ctr">
+                    <a:lnL w="9525" cap="flat" cmpd="sng" algn="ctr">
+                      <a:solidFill>
+                        <a:srgbClr val="CFD4D8"/>
+                      </a:solidFill>
+                      <a:prstDash val="solid"/>
+                      <a:round/>
+                      <a:headEnd type="none" w="med" len="med"/>
+                      <a:tailEnd type="none" w="med" len="med"/>
+                    </a:lnL>
+                    <a:lnR w="9525" cap="flat" cmpd="sng" algn="ctr">
+                      <a:solidFill>
+                        <a:srgbClr val="CFD4D8"/>
+                      </a:solidFill>
+                      <a:prstDash val="solid"/>
+                      <a:round/>
+                      <a:headEnd type="none" w="med" len="med"/>
+                      <a:tailEnd type="none" w="med" len="med"/>
+                    </a:lnR>
+                    <a:lnT w="9525" cap="flat" cmpd="sng" algn="ctr">
+                      <a:solidFill>
+                        <a:srgbClr val="CFD4D8"/>
+                      </a:solidFill>
+                      <a:prstDash val="solid"/>
+                      <a:round/>
+                      <a:headEnd type="none" w="med" len="med"/>
+                      <a:tailEnd type="none" w="med" len="med"/>
+                    </a:lnT>
+                    <a:lnB w="9525" cap="flat" cmpd="sng" algn="ctr">
+                      <a:solidFill>
+                        <a:srgbClr val="CFD4D8"/>
+                      </a:solidFill>
+                      <a:prstDash val="solid"/>
+                      <a:round/>
+                      <a:headEnd type="none" w="med" len="med"/>
+                      <a:tailEnd type="none" w="med" len="med"/>
+                    </a:lnB>
+                    <a:solidFill>
+                      <a:srgbClr val="FFFFFF"/>
+                    </a:solidFill>
+                  </a:tcPr>
+                </a:tc>
+                <a:tc>
+                  <a:txBody>
+                    <a:bodyPr/>
+                    <a:lstStyle/>
+                    <a:p>
+                      <a:r>
+                        <a:rPr lang="nl-NL" sz="1700">
+                          <a:effectLst/>
+                        </a:rPr>
+                        <a:t>Died</a:t>
+                      </a:r>
+                    </a:p>
+                  </a:txBody>
+                  <a:tcPr marL="43861" marR="43861" marT="35089" marB="35089" anchor="ctr">
+                    <a:lnL w="9525" cap="flat" cmpd="sng" algn="ctr">
+                      <a:solidFill>
+                        <a:srgbClr val="CFD4D8"/>
+                      </a:solidFill>
+                      <a:prstDash val="solid"/>
+                      <a:round/>
+                      <a:headEnd type="none" w="med" len="med"/>
+                      <a:tailEnd type="none" w="med" len="med"/>
+                    </a:lnL>
+                    <a:lnR w="9525" cap="flat" cmpd="sng" algn="ctr">
+                      <a:solidFill>
+                        <a:srgbClr val="CFD4D8"/>
+                      </a:solidFill>
+                      <a:prstDash val="solid"/>
+                      <a:round/>
+                      <a:headEnd type="none" w="med" len="med"/>
+                      <a:tailEnd type="none" w="med" len="med"/>
+                    </a:lnR>
+                    <a:lnT w="9525" cap="flat" cmpd="sng" algn="ctr">
+                      <a:solidFill>
+                        <a:srgbClr val="CFD4D8"/>
+                      </a:solidFill>
+                      <a:prstDash val="solid"/>
+                      <a:round/>
+                      <a:headEnd type="none" w="med" len="med"/>
+                      <a:tailEnd type="none" w="med" len="med"/>
+                    </a:lnT>
+                    <a:lnB w="9525" cap="flat" cmpd="sng" algn="ctr">
+                      <a:solidFill>
+                        <a:srgbClr val="CFD4D8"/>
+                      </a:solidFill>
+                      <a:prstDash val="solid"/>
+                      <a:round/>
+                      <a:headEnd type="none" w="med" len="med"/>
+                      <a:tailEnd type="none" w="med" len="med"/>
+                    </a:lnB>
+                    <a:solidFill>
+                      <a:srgbClr val="FFFFFF"/>
+                    </a:solidFill>
+                  </a:tcPr>
+                </a:tc>
+                <a:tc>
+                  <a:txBody>
+                    <a:bodyPr/>
+                    <a:lstStyle/>
+                    <a:p>
+                      <a:pPr algn="r"/>
+                      <a:r>
+                        <a:rPr lang="nl-NL" sz="1700">
+                          <a:effectLst/>
+                        </a:rPr>
+                        <a:t>50</a:t>
+                      </a:r>
+                    </a:p>
+                  </a:txBody>
+                  <a:tcPr marL="43861" marR="43861" marT="35089" marB="35089" anchor="ctr">
+                    <a:lnL w="9525" cap="flat" cmpd="sng" algn="ctr">
+                      <a:solidFill>
+                        <a:srgbClr val="CFD4D8"/>
+                      </a:solidFill>
+                      <a:prstDash val="solid"/>
+                      <a:round/>
+                      <a:headEnd type="none" w="med" len="med"/>
+                      <a:tailEnd type="none" w="med" len="med"/>
+                    </a:lnL>
+                    <a:lnR w="9525" cap="flat" cmpd="sng" algn="ctr">
+                      <a:solidFill>
+                        <a:srgbClr val="CFD4D8"/>
+                      </a:solidFill>
+                      <a:prstDash val="solid"/>
+                      <a:round/>
+                      <a:headEnd type="none" w="med" len="med"/>
+                      <a:tailEnd type="none" w="med" len="med"/>
+                    </a:lnR>
+                    <a:lnT w="9525" cap="flat" cmpd="sng" algn="ctr">
+                      <a:solidFill>
+                        <a:srgbClr val="CFD4D8"/>
+                      </a:solidFill>
+                      <a:prstDash val="solid"/>
+                      <a:round/>
+                      <a:headEnd type="none" w="med" len="med"/>
+                      <a:tailEnd type="none" w="med" len="med"/>
+                    </a:lnT>
+                    <a:lnB w="9525" cap="flat" cmpd="sng" algn="ctr">
+                      <a:solidFill>
+                        <a:srgbClr val="CFD4D8"/>
+                      </a:solidFill>
+                      <a:prstDash val="solid"/>
+                      <a:round/>
+                      <a:headEnd type="none" w="med" len="med"/>
+                      <a:tailEnd type="none" w="med" len="med"/>
+                    </a:lnB>
+                    <a:solidFill>
+                      <a:srgbClr val="FFFFFF"/>
+                    </a:solidFill>
+                  </a:tcPr>
+                </a:tc>
+              </a:tr>
+              <a:tr h="575688">
+                <a:tc>
+                  <a:txBody>
+                    <a:bodyPr/>
+                    <a:lstStyle/>
+                    <a:p>
+                      <a:pPr algn="r"/>
+                      <a:r>
+                        <a:rPr lang="nl-NL" sz="1700" b="1">
+                          <a:solidFill>
+                            <a:srgbClr val="555555"/>
+                          </a:solidFill>
+                          <a:effectLst/>
+                        </a:rPr>
+                        <a:t>8</a:t>
+                      </a:r>
+                    </a:p>
+                  </a:txBody>
+                  <a:tcPr marL="43861" marR="43861" marT="35089" marB="35089" anchor="ctr">
+                    <a:lnL>
+                      <a:noFill/>
+                    </a:lnL>
+                    <a:lnR w="9525" cap="flat" cmpd="sng" algn="ctr">
+                      <a:solidFill>
+                        <a:srgbClr val="CFD4D8"/>
+                      </a:solidFill>
+                      <a:prstDash val="solid"/>
+                      <a:round/>
+                      <a:headEnd type="none" w="med" len="med"/>
+                      <a:tailEnd type="none" w="med" len="med"/>
+                    </a:lnR>
+                    <a:lnT w="9525" cap="flat" cmpd="sng" algn="ctr">
+                      <a:solidFill>
+                        <a:srgbClr val="CFD4D8"/>
+                      </a:solidFill>
+                      <a:prstDash val="solid"/>
+                      <a:round/>
+                      <a:headEnd type="none" w="med" len="med"/>
+                      <a:tailEnd type="none" w="med" len="med"/>
+                    </a:lnT>
+                    <a:lnB w="9525" cap="flat" cmpd="sng" algn="ctr">
+                      <a:solidFill>
+                        <a:srgbClr val="CFD4D8"/>
+                      </a:solidFill>
+                      <a:prstDash val="solid"/>
+                      <a:round/>
+                      <a:headEnd type="none" w="med" len="med"/>
+                      <a:tailEnd type="none" w="med" len="med"/>
+                    </a:lnB>
+                    <a:solidFill>
+                      <a:srgbClr val="F7F8F9"/>
+                    </a:solidFill>
+                  </a:tcPr>
+                </a:tc>
+                <a:tc>
+                  <a:txBody>
+                    <a:bodyPr/>
+                    <a:lstStyle/>
+                    <a:p>
+                      <a:r>
+                        <a:rPr lang="nl-NL" sz="1700">
+                          <a:effectLst/>
+                        </a:rPr>
+                        <a:t>Dog</a:t>
+                      </a:r>
+                    </a:p>
+                  </a:txBody>
+                  <a:tcPr marL="43861" marR="43861" marT="35089" marB="35089" anchor="ctr">
+                    <a:lnL w="9525" cap="flat" cmpd="sng" algn="ctr">
+                      <a:solidFill>
+                        <a:srgbClr val="CFD4D8"/>
+                      </a:solidFill>
+                      <a:prstDash val="solid"/>
+                      <a:round/>
+                      <a:headEnd type="none" w="med" len="med"/>
+                      <a:tailEnd type="none" w="med" len="med"/>
+                    </a:lnL>
+                    <a:lnR w="9525" cap="flat" cmpd="sng" algn="ctr">
+                      <a:solidFill>
+                        <a:srgbClr val="CFD4D8"/>
+                      </a:solidFill>
+                      <a:prstDash val="solid"/>
+                      <a:round/>
+                      <a:headEnd type="none" w="med" len="med"/>
+                      <a:tailEnd type="none" w="med" len="med"/>
+                    </a:lnR>
+                    <a:lnT w="9525" cap="flat" cmpd="sng" algn="ctr">
+                      <a:solidFill>
+                        <a:srgbClr val="CFD4D8"/>
+                      </a:solidFill>
+                      <a:prstDash val="solid"/>
+                      <a:round/>
+                      <a:headEnd type="none" w="med" len="med"/>
+                      <a:tailEnd type="none" w="med" len="med"/>
+                    </a:lnT>
+                    <a:lnB w="9525" cap="flat" cmpd="sng" algn="ctr">
+                      <a:solidFill>
+                        <a:srgbClr val="CFD4D8"/>
+                      </a:solidFill>
+                      <a:prstDash val="solid"/>
+                      <a:round/>
+                      <a:headEnd type="none" w="med" len="med"/>
+                      <a:tailEnd type="none" w="med" len="med"/>
+                    </a:lnB>
+                    <a:solidFill>
+                      <a:srgbClr val="FDFDFD"/>
+                    </a:solidFill>
+                  </a:tcPr>
+                </a:tc>
+                <a:tc>
+                  <a:txBody>
+                    <a:bodyPr/>
+                    <a:lstStyle/>
+                    <a:p>
+                      <a:r>
+                        <a:rPr lang="nl-NL" sz="1700">
+                          <a:effectLst/>
+                        </a:rPr>
+                        <a:t>Euthanasia</a:t>
+                      </a:r>
+                    </a:p>
+                  </a:txBody>
+                  <a:tcPr marL="43861" marR="43861" marT="35089" marB="35089" anchor="ctr">
+                    <a:lnL w="9525" cap="flat" cmpd="sng" algn="ctr">
+                      <a:solidFill>
+                        <a:srgbClr val="CFD4D8"/>
+                      </a:solidFill>
+                      <a:prstDash val="solid"/>
+                      <a:round/>
+                      <a:headEnd type="none" w="med" len="med"/>
+                      <a:tailEnd type="none" w="med" len="med"/>
+                    </a:lnL>
+                    <a:lnR w="9525" cap="flat" cmpd="sng" algn="ctr">
+                      <a:solidFill>
+                        <a:srgbClr val="CFD4D8"/>
+                      </a:solidFill>
+                      <a:prstDash val="solid"/>
+                      <a:round/>
+                      <a:headEnd type="none" w="med" len="med"/>
+                      <a:tailEnd type="none" w="med" len="med"/>
+                    </a:lnR>
+                    <a:lnT w="9525" cap="flat" cmpd="sng" algn="ctr">
+                      <a:solidFill>
+                        <a:srgbClr val="CFD4D8"/>
+                      </a:solidFill>
+                      <a:prstDash val="solid"/>
+                      <a:round/>
+                      <a:headEnd type="none" w="med" len="med"/>
+                      <a:tailEnd type="none" w="med" len="med"/>
+                    </a:lnT>
+                    <a:lnB w="9525" cap="flat" cmpd="sng" algn="ctr">
+                      <a:solidFill>
+                        <a:srgbClr val="CFD4D8"/>
+                      </a:solidFill>
+                      <a:prstDash val="solid"/>
+                      <a:round/>
+                      <a:headEnd type="none" w="med" len="med"/>
+                      <a:tailEnd type="none" w="med" len="med"/>
+                    </a:lnB>
+                    <a:solidFill>
+                      <a:srgbClr val="FDFDFD"/>
+                    </a:solidFill>
+                  </a:tcPr>
+                </a:tc>
+                <a:tc>
+                  <a:txBody>
+                    <a:bodyPr/>
+                    <a:lstStyle/>
+                    <a:p>
+                      <a:pPr algn="r"/>
+                      <a:r>
+                        <a:rPr lang="nl-NL" sz="1700">
+                          <a:effectLst/>
+                        </a:rPr>
+                        <a:t>845</a:t>
+                      </a:r>
+                    </a:p>
+                  </a:txBody>
+                  <a:tcPr marL="43861" marR="43861" marT="35089" marB="35089" anchor="ctr">
+                    <a:lnL w="9525" cap="flat" cmpd="sng" algn="ctr">
+                      <a:solidFill>
+                        <a:srgbClr val="CFD4D8"/>
+                      </a:solidFill>
+                      <a:prstDash val="solid"/>
+                      <a:round/>
+                      <a:headEnd type="none" w="med" len="med"/>
+                      <a:tailEnd type="none" w="med" len="med"/>
+                    </a:lnL>
+                    <a:lnR w="9525" cap="flat" cmpd="sng" algn="ctr">
+                      <a:solidFill>
+                        <a:srgbClr val="CFD4D8"/>
+                      </a:solidFill>
+                      <a:prstDash val="solid"/>
+                      <a:round/>
+                      <a:headEnd type="none" w="med" len="med"/>
+                      <a:tailEnd type="none" w="med" len="med"/>
+                    </a:lnR>
+                    <a:lnT w="9525" cap="flat" cmpd="sng" algn="ctr">
+                      <a:solidFill>
+                        <a:srgbClr val="CFD4D8"/>
+                      </a:solidFill>
+                      <a:prstDash val="solid"/>
+                      <a:round/>
+                      <a:headEnd type="none" w="med" len="med"/>
+                      <a:tailEnd type="none" w="med" len="med"/>
+                    </a:lnT>
+                    <a:lnB w="9525" cap="flat" cmpd="sng" algn="ctr">
+                      <a:solidFill>
+                        <a:srgbClr val="CFD4D8"/>
+                      </a:solidFill>
+                      <a:prstDash val="solid"/>
+                      <a:round/>
+                      <a:headEnd type="none" w="med" len="med"/>
+                      <a:tailEnd type="none" w="med" len="med"/>
+                    </a:lnB>
+                    <a:solidFill>
+                      <a:srgbClr val="FDFDFD"/>
+                    </a:solidFill>
+                  </a:tcPr>
+                </a:tc>
+              </a:tr>
+              <a:tr h="575688">
+                <a:tc>
+                  <a:txBody>
+                    <a:bodyPr/>
+                    <a:lstStyle/>
+                    <a:p>
+                      <a:pPr algn="r"/>
+                      <a:r>
+                        <a:rPr lang="nl-NL" sz="1700" b="1">
+                          <a:solidFill>
+                            <a:srgbClr val="555555"/>
+                          </a:solidFill>
+                          <a:effectLst/>
+                        </a:rPr>
+                        <a:t>9</a:t>
+                      </a:r>
+                    </a:p>
+                  </a:txBody>
+                  <a:tcPr marL="43861" marR="43861" marT="35089" marB="35089" anchor="ctr">
+                    <a:lnL>
+                      <a:noFill/>
+                    </a:lnL>
+                    <a:lnR w="9525" cap="flat" cmpd="sng" algn="ctr">
+                      <a:solidFill>
+                        <a:srgbClr val="CFD4D8"/>
+                      </a:solidFill>
+                      <a:prstDash val="solid"/>
+                      <a:round/>
+                      <a:headEnd type="none" w="med" len="med"/>
+                      <a:tailEnd type="none" w="med" len="med"/>
+                    </a:lnR>
+                    <a:lnT w="9525" cap="flat" cmpd="sng" algn="ctr">
+                      <a:solidFill>
+                        <a:srgbClr val="CFD4D8"/>
+                      </a:solidFill>
+                      <a:prstDash val="solid"/>
+                      <a:round/>
+                      <a:headEnd type="none" w="med" len="med"/>
+                      <a:tailEnd type="none" w="med" len="med"/>
+                    </a:lnT>
+                    <a:lnB w="9525" cap="flat" cmpd="sng" algn="ctr">
+                      <a:solidFill>
+                        <a:srgbClr val="CFD4D8"/>
+                      </a:solidFill>
+                      <a:prstDash val="solid"/>
+                      <a:round/>
+                      <a:headEnd type="none" w="med" len="med"/>
+                      <a:tailEnd type="none" w="med" len="med"/>
+                    </a:lnB>
+                    <a:solidFill>
+                      <a:srgbClr val="F7F8F9"/>
+                    </a:solidFill>
+                  </a:tcPr>
+                </a:tc>
+                <a:tc>
+                  <a:txBody>
+                    <a:bodyPr/>
+                    <a:lstStyle/>
+                    <a:p>
+                      <a:r>
+                        <a:rPr lang="nl-NL" sz="1700">
+                          <a:effectLst/>
+                        </a:rPr>
+                        <a:t>Dog</a:t>
+                      </a:r>
+                    </a:p>
+                  </a:txBody>
+                  <a:tcPr marL="43861" marR="43861" marT="35089" marB="35089" anchor="ctr">
+                    <a:lnL w="9525" cap="flat" cmpd="sng" algn="ctr">
+                      <a:solidFill>
+                        <a:srgbClr val="CFD4D8"/>
+                      </a:solidFill>
+                      <a:prstDash val="solid"/>
+                      <a:round/>
+                      <a:headEnd type="none" w="med" len="med"/>
+                      <a:tailEnd type="none" w="med" len="med"/>
+                    </a:lnL>
+                    <a:lnR w="9525" cap="flat" cmpd="sng" algn="ctr">
+                      <a:solidFill>
+                        <a:srgbClr val="CFD4D8"/>
+                      </a:solidFill>
+                      <a:prstDash val="solid"/>
+                      <a:round/>
+                      <a:headEnd type="none" w="med" len="med"/>
+                      <a:tailEnd type="none" w="med" len="med"/>
+                    </a:lnR>
+                    <a:lnT w="9525" cap="flat" cmpd="sng" algn="ctr">
+                      <a:solidFill>
+                        <a:srgbClr val="CFD4D8"/>
+                      </a:solidFill>
+                      <a:prstDash val="solid"/>
+                      <a:round/>
+                      <a:headEnd type="none" w="med" len="med"/>
+                      <a:tailEnd type="none" w="med" len="med"/>
+                    </a:lnT>
+                    <a:lnB w="9525" cap="flat" cmpd="sng" algn="ctr">
+                      <a:solidFill>
+                        <a:srgbClr val="CFD4D8"/>
+                      </a:solidFill>
+                      <a:prstDash val="solid"/>
+                      <a:round/>
+                      <a:headEnd type="none" w="med" len="med"/>
+                      <a:tailEnd type="none" w="med" len="med"/>
+                    </a:lnB>
+                    <a:solidFill>
+                      <a:srgbClr val="FFFFFF"/>
+                    </a:solidFill>
+                  </a:tcPr>
+                </a:tc>
+                <a:tc>
+                  <a:txBody>
+                    <a:bodyPr/>
+                    <a:lstStyle/>
+                    <a:p>
+                      <a:r>
+                        <a:rPr lang="nl-NL" sz="1700">
+                          <a:effectLst/>
+                        </a:rPr>
+                        <a:t>Return_to_owner</a:t>
+                      </a:r>
+                    </a:p>
+                  </a:txBody>
+                  <a:tcPr marL="43861" marR="43861" marT="35089" marB="35089" anchor="ctr">
+                    <a:lnL w="9525" cap="flat" cmpd="sng" algn="ctr">
+                      <a:solidFill>
+                        <a:srgbClr val="CFD4D8"/>
+                      </a:solidFill>
+                      <a:prstDash val="solid"/>
+                      <a:round/>
+                      <a:headEnd type="none" w="med" len="med"/>
+                      <a:tailEnd type="none" w="med" len="med"/>
+                    </a:lnL>
+                    <a:lnR w="9525" cap="flat" cmpd="sng" algn="ctr">
+                      <a:solidFill>
+                        <a:srgbClr val="CFD4D8"/>
+                      </a:solidFill>
+                      <a:prstDash val="solid"/>
+                      <a:round/>
+                      <a:headEnd type="none" w="med" len="med"/>
+                      <a:tailEnd type="none" w="med" len="med"/>
+                    </a:lnR>
+                    <a:lnT w="9525" cap="flat" cmpd="sng" algn="ctr">
+                      <a:solidFill>
+                        <a:srgbClr val="CFD4D8"/>
+                      </a:solidFill>
+                      <a:prstDash val="solid"/>
+                      <a:round/>
+                      <a:headEnd type="none" w="med" len="med"/>
+                      <a:tailEnd type="none" w="med" len="med"/>
+                    </a:lnT>
+                    <a:lnB w="9525" cap="flat" cmpd="sng" algn="ctr">
+                      <a:solidFill>
+                        <a:srgbClr val="CFD4D8"/>
+                      </a:solidFill>
+                      <a:prstDash val="solid"/>
+                      <a:round/>
+                      <a:headEnd type="none" w="med" len="med"/>
+                      <a:tailEnd type="none" w="med" len="med"/>
+                    </a:lnB>
+                    <a:solidFill>
+                      <a:srgbClr val="FFFFFF"/>
+                    </a:solidFill>
+                  </a:tcPr>
+                </a:tc>
+                <a:tc>
+                  <a:txBody>
+                    <a:bodyPr/>
+                    <a:lstStyle/>
+                    <a:p>
+                      <a:pPr algn="r"/>
+                      <a:r>
+                        <a:rPr lang="nl-NL" sz="1700">
+                          <a:effectLst/>
+                        </a:rPr>
+                        <a:t>4286</a:t>
+                      </a:r>
+                    </a:p>
+                  </a:txBody>
+                  <a:tcPr marL="43861" marR="43861" marT="35089" marB="35089" anchor="ctr">
+                    <a:lnL w="9525" cap="flat" cmpd="sng" algn="ctr">
+                      <a:solidFill>
+                        <a:srgbClr val="CFD4D8"/>
+                      </a:solidFill>
+                      <a:prstDash val="solid"/>
+                      <a:round/>
+                      <a:headEnd type="none" w="med" len="med"/>
+                      <a:tailEnd type="none" w="med" len="med"/>
+                    </a:lnL>
+                    <a:lnR w="9525" cap="flat" cmpd="sng" algn="ctr">
+                      <a:solidFill>
+                        <a:srgbClr val="CFD4D8"/>
+                      </a:solidFill>
+                      <a:prstDash val="solid"/>
+                      <a:round/>
+                      <a:headEnd type="none" w="med" len="med"/>
+                      <a:tailEnd type="none" w="med" len="med"/>
+                    </a:lnR>
+                    <a:lnT w="9525" cap="flat" cmpd="sng" algn="ctr">
+                      <a:solidFill>
+                        <a:srgbClr val="CFD4D8"/>
+                      </a:solidFill>
+                      <a:prstDash val="solid"/>
+                      <a:round/>
+                      <a:headEnd type="none" w="med" len="med"/>
+                      <a:tailEnd type="none" w="med" len="med"/>
+                    </a:lnT>
+                    <a:lnB w="9525" cap="flat" cmpd="sng" algn="ctr">
+                      <a:solidFill>
+                        <a:srgbClr val="CFD4D8"/>
+                      </a:solidFill>
+                      <a:prstDash val="solid"/>
+                      <a:round/>
+                      <a:headEnd type="none" w="med" len="med"/>
+                      <a:tailEnd type="none" w="med" len="med"/>
+                    </a:lnB>
+                    <a:solidFill>
+                      <a:srgbClr val="FFFFFF"/>
+                    </a:solidFill>
+                  </a:tcPr>
+                </a:tc>
+              </a:tr>
+              <a:tr h="575688">
+                <a:tc>
+                  <a:txBody>
+                    <a:bodyPr/>
+                    <a:lstStyle/>
+                    <a:p>
+                      <a:pPr algn="r"/>
+                      <a:r>
+                        <a:rPr lang="nl-NL" sz="1700" b="1">
+                          <a:solidFill>
+                            <a:srgbClr val="555555"/>
+                          </a:solidFill>
+                          <a:effectLst/>
+                        </a:rPr>
+                        <a:t>10</a:t>
+                      </a:r>
+                    </a:p>
+                  </a:txBody>
+                  <a:tcPr marL="43861" marR="43861" marT="35089" marB="35089" anchor="ctr">
+                    <a:lnL>
+                      <a:noFill/>
+                    </a:lnL>
+                    <a:lnR w="9525" cap="flat" cmpd="sng" algn="ctr">
+                      <a:solidFill>
+                        <a:srgbClr val="CFD4D8"/>
+                      </a:solidFill>
+                      <a:prstDash val="solid"/>
+                      <a:round/>
+                      <a:headEnd type="none" w="med" len="med"/>
+                      <a:tailEnd type="none" w="med" len="med"/>
+                    </a:lnR>
+                    <a:lnT w="9525" cap="flat" cmpd="sng" algn="ctr">
+                      <a:solidFill>
+                        <a:srgbClr val="CFD4D8"/>
+                      </a:solidFill>
+                      <a:prstDash val="solid"/>
+                      <a:round/>
+                      <a:headEnd type="none" w="med" len="med"/>
+                      <a:tailEnd type="none" w="med" len="med"/>
+                    </a:lnT>
+                    <a:lnB w="9525" cap="flat" cmpd="sng" algn="ctr">
+                      <a:solidFill>
+                        <a:srgbClr val="CFD4D8"/>
+                      </a:solidFill>
+                      <a:prstDash val="solid"/>
+                      <a:round/>
+                      <a:headEnd type="none" w="med" len="med"/>
+                      <a:tailEnd type="none" w="med" len="med"/>
+                    </a:lnB>
+                    <a:solidFill>
+                      <a:srgbClr val="F7F8F9"/>
+                    </a:solidFill>
+                  </a:tcPr>
+                </a:tc>
+                <a:tc>
+                  <a:txBody>
+                    <a:bodyPr/>
+                    <a:lstStyle/>
+                    <a:p>
+                      <a:r>
+                        <a:rPr lang="nl-NL" sz="1700">
+                          <a:effectLst/>
+                        </a:rPr>
+                        <a:t>Dog</a:t>
+                      </a:r>
+                    </a:p>
+                  </a:txBody>
+                  <a:tcPr marL="43861" marR="43861" marT="35089" marB="35089" anchor="ctr">
+                    <a:lnL w="9525" cap="flat" cmpd="sng" algn="ctr">
+                      <a:solidFill>
+                        <a:srgbClr val="CFD4D8"/>
+                      </a:solidFill>
+                      <a:prstDash val="solid"/>
+                      <a:round/>
+                      <a:headEnd type="none" w="med" len="med"/>
+                      <a:tailEnd type="none" w="med" len="med"/>
+                    </a:lnL>
+                    <a:lnR w="9525" cap="flat" cmpd="sng" algn="ctr">
+                      <a:solidFill>
+                        <a:srgbClr val="CFD4D8"/>
+                      </a:solidFill>
+                      <a:prstDash val="solid"/>
+                      <a:round/>
+                      <a:headEnd type="none" w="med" len="med"/>
+                      <a:tailEnd type="none" w="med" len="med"/>
+                    </a:lnR>
+                    <a:lnT w="9525" cap="flat" cmpd="sng" algn="ctr">
+                      <a:solidFill>
+                        <a:srgbClr val="CFD4D8"/>
+                      </a:solidFill>
+                      <a:prstDash val="solid"/>
+                      <a:round/>
+                      <a:headEnd type="none" w="med" len="med"/>
+                      <a:tailEnd type="none" w="med" len="med"/>
+                    </a:lnT>
+                    <a:lnB w="9525" cap="flat" cmpd="sng" algn="ctr">
+                      <a:solidFill>
+                        <a:srgbClr val="CFD4D8"/>
+                      </a:solidFill>
+                      <a:prstDash val="solid"/>
+                      <a:round/>
+                      <a:headEnd type="none" w="med" len="med"/>
+                      <a:tailEnd type="none" w="med" len="med"/>
+                    </a:lnB>
+                    <a:solidFill>
+                      <a:srgbClr val="FDFDFD"/>
+                    </a:solidFill>
+                  </a:tcPr>
+                </a:tc>
+                <a:tc>
+                  <a:txBody>
+                    <a:bodyPr/>
+                    <a:lstStyle/>
+                    <a:p>
+                      <a:r>
+                        <a:rPr lang="nl-NL" sz="1700">
+                          <a:effectLst/>
+                        </a:rPr>
+                        <a:t>Transfer</a:t>
+                      </a:r>
+                    </a:p>
+                  </a:txBody>
+                  <a:tcPr marL="43861" marR="43861" marT="35089" marB="35089" anchor="ctr">
+                    <a:lnL w="9525" cap="flat" cmpd="sng" algn="ctr">
+                      <a:solidFill>
+                        <a:srgbClr val="CFD4D8"/>
+                      </a:solidFill>
+                      <a:prstDash val="solid"/>
+                      <a:round/>
+                      <a:headEnd type="none" w="med" len="med"/>
+                      <a:tailEnd type="none" w="med" len="med"/>
+                    </a:lnL>
+                    <a:lnR w="9525" cap="flat" cmpd="sng" algn="ctr">
+                      <a:solidFill>
+                        <a:srgbClr val="CFD4D8"/>
+                      </a:solidFill>
+                      <a:prstDash val="solid"/>
+                      <a:round/>
+                      <a:headEnd type="none" w="med" len="med"/>
+                      <a:tailEnd type="none" w="med" len="med"/>
+                    </a:lnR>
+                    <a:lnT w="9525" cap="flat" cmpd="sng" algn="ctr">
+                      <a:solidFill>
+                        <a:srgbClr val="CFD4D8"/>
+                      </a:solidFill>
+                      <a:prstDash val="solid"/>
+                      <a:round/>
+                      <a:headEnd type="none" w="med" len="med"/>
+                      <a:tailEnd type="none" w="med" len="med"/>
+                    </a:lnT>
+                    <a:lnB w="9525" cap="flat" cmpd="sng" algn="ctr">
+                      <a:solidFill>
+                        <a:srgbClr val="CFD4D8"/>
+                      </a:solidFill>
+                      <a:prstDash val="solid"/>
+                      <a:round/>
+                      <a:headEnd type="none" w="med" len="med"/>
+                      <a:tailEnd type="none" w="med" len="med"/>
+                    </a:lnB>
+                    <a:solidFill>
+                      <a:srgbClr val="FDFDFD"/>
+                    </a:solidFill>
+                  </a:tcPr>
+                </a:tc>
+                <a:tc>
+                  <a:txBody>
+                    <a:bodyPr/>
+                    <a:lstStyle/>
+                    <a:p>
+                      <a:pPr algn="r"/>
+                      <a:r>
+                        <a:rPr lang="nl-NL" sz="1700" dirty="0">
+                          <a:effectLst/>
+                        </a:rPr>
+                        <a:t>3917</a:t>
+                      </a:r>
+                    </a:p>
+                  </a:txBody>
+                  <a:tcPr marL="43861" marR="43861" marT="35089" marB="35089" anchor="ctr">
+                    <a:lnL w="9525" cap="flat" cmpd="sng" algn="ctr">
+                      <a:solidFill>
+                        <a:srgbClr val="CFD4D8"/>
+                      </a:solidFill>
+                      <a:prstDash val="solid"/>
+                      <a:round/>
+                      <a:headEnd type="none" w="med" len="med"/>
+                      <a:tailEnd type="none" w="med" len="med"/>
+                    </a:lnL>
+                    <a:lnR w="9525" cap="flat" cmpd="sng" algn="ctr">
+                      <a:solidFill>
+                        <a:srgbClr val="CFD4D8"/>
+                      </a:solidFill>
+                      <a:prstDash val="solid"/>
+                      <a:round/>
+                      <a:headEnd type="none" w="med" len="med"/>
+                      <a:tailEnd type="none" w="med" len="med"/>
+                    </a:lnR>
+                    <a:lnT w="9525" cap="flat" cmpd="sng" algn="ctr">
+                      <a:solidFill>
+                        <a:srgbClr val="CFD4D8"/>
+                      </a:solidFill>
+                      <a:prstDash val="solid"/>
+                      <a:round/>
+                      <a:headEnd type="none" w="med" len="med"/>
+                      <a:tailEnd type="none" w="med" len="med"/>
+                    </a:lnT>
+                    <a:lnB w="9525" cap="flat" cmpd="sng" algn="ctr">
+                      <a:solidFill>
+                        <a:srgbClr val="CFD4D8"/>
+                      </a:solidFill>
+                      <a:prstDash val="solid"/>
+                      <a:round/>
+                      <a:headEnd type="none" w="med" len="med"/>
+                      <a:tailEnd type="none" w="med" len="med"/>
+                    </a:lnB>
+                    <a:solidFill>
+                      <a:srgbClr val="FDFDFD"/>
+                    </a:solidFill>
+                  </a:tcPr>
+                </a:tc>
+              </a:tr>
+            </a:tbl>
+          </a:graphicData>
+        </a:graphic>
+      </p:graphicFrame>
+      <p:sp>
+        <p:nvSpPr>
+          <p:cNvPr id="11" name="Title 1"/>
+          <p:cNvSpPr txBox="1">
+            <a:spLocks/>
+          </p:cNvSpPr>
+          <p:nvPr/>
+        </p:nvSpPr>
+        <p:spPr>
+          <a:xfrm>
+            <a:off x="276446" y="0"/>
+            <a:ext cx="6549655" cy="584787"/>
+          </a:xfrm>
+          <a:prstGeom prst="rect">
+            <a:avLst/>
+          </a:prstGeom>
+        </p:spPr>
+        <p:txBody>
+          <a:bodyPr vert="horz" lIns="0" tIns="45720" rIns="0" bIns="0" rtlCol="0" anchor="b" anchorCtr="0">
+            <a:noAutofit/>
+          </a:bodyPr>
+          <a:lstStyle>
+            <a:lvl1pPr algn="l" rtl="0" eaLnBrk="1" fontAlgn="base" hangingPunct="1">
+              <a:spcBef>
+                <a:spcPct val="0"/>
+              </a:spcBef>
+              <a:spcAft>
+                <a:spcPct val="0"/>
+              </a:spcAft>
+              <a:defRPr lang="de-DE" sz="2401" b="1" kern="1200" dirty="0">
+                <a:solidFill>
+                  <a:srgbClr val="FFFFCC"/>
+                </a:solidFill>
+                <a:latin typeface="+mj-lt"/>
+                <a:ea typeface="+mj-ea"/>
+                <a:cs typeface="+mj-cs"/>
+              </a:defRPr>
+            </a:lvl1pPr>
+            <a:lvl2pPr algn="l" rtl="0" eaLnBrk="1" fontAlgn="base" hangingPunct="1">
+              <a:spcBef>
+                <a:spcPct val="0"/>
+              </a:spcBef>
+              <a:spcAft>
+                <a:spcPct val="0"/>
+              </a:spcAft>
+              <a:defRPr sz="4426" b="1">
+                <a:solidFill>
+                  <a:schemeClr val="tx1"/>
+                </a:solidFill>
+                <a:latin typeface="Arial" charset="0"/>
+              </a:defRPr>
+            </a:lvl2pPr>
+            <a:lvl3pPr algn="l" rtl="0" eaLnBrk="1" fontAlgn="base" hangingPunct="1">
+              <a:spcBef>
+                <a:spcPct val="0"/>
+              </a:spcBef>
+              <a:spcAft>
+                <a:spcPct val="0"/>
+              </a:spcAft>
+              <a:defRPr sz="4426" b="1">
+                <a:solidFill>
+                  <a:schemeClr val="tx1"/>
+                </a:solidFill>
+                <a:latin typeface="Arial" charset="0"/>
+              </a:defRPr>
+            </a:lvl3pPr>
+            <a:lvl4pPr algn="l" rtl="0" eaLnBrk="1" fontAlgn="base" hangingPunct="1">
+              <a:spcBef>
+                <a:spcPct val="0"/>
+              </a:spcBef>
+              <a:spcAft>
+                <a:spcPct val="0"/>
+              </a:spcAft>
+              <a:defRPr sz="4426" b="1">
+                <a:solidFill>
+                  <a:schemeClr val="tx1"/>
+                </a:solidFill>
+                <a:latin typeface="Arial" charset="0"/>
+              </a:defRPr>
+            </a:lvl4pPr>
+            <a:lvl5pPr algn="l" rtl="0" eaLnBrk="1" fontAlgn="base" hangingPunct="1">
+              <a:spcBef>
+                <a:spcPct val="0"/>
+              </a:spcBef>
+              <a:spcAft>
+                <a:spcPct val="0"/>
+              </a:spcAft>
+              <a:defRPr sz="4426" b="1">
+                <a:solidFill>
+                  <a:schemeClr val="tx1"/>
+                </a:solidFill>
+                <a:latin typeface="Arial" charset="0"/>
+              </a:defRPr>
+            </a:lvl5pPr>
+            <a:lvl6pPr marL="457270" algn="l" rtl="0" eaLnBrk="1" fontAlgn="base" hangingPunct="1">
+              <a:spcBef>
+                <a:spcPct val="0"/>
+              </a:spcBef>
+              <a:spcAft>
+                <a:spcPct val="0"/>
+              </a:spcAft>
+              <a:defRPr b="1">
+                <a:solidFill>
+                  <a:schemeClr val="tx1"/>
+                </a:solidFill>
+                <a:latin typeface="Arial" charset="0"/>
+              </a:defRPr>
+            </a:lvl6pPr>
+            <a:lvl7pPr marL="914539" algn="l" rtl="0" eaLnBrk="1" fontAlgn="base" hangingPunct="1">
+              <a:spcBef>
+                <a:spcPct val="0"/>
+              </a:spcBef>
+              <a:spcAft>
+                <a:spcPct val="0"/>
+              </a:spcAft>
+              <a:defRPr b="1">
+                <a:solidFill>
+                  <a:schemeClr val="tx1"/>
+                </a:solidFill>
+                <a:latin typeface="Arial" charset="0"/>
+              </a:defRPr>
+            </a:lvl7pPr>
+            <a:lvl8pPr marL="1371809" algn="l" rtl="0" eaLnBrk="1" fontAlgn="base" hangingPunct="1">
+              <a:spcBef>
+                <a:spcPct val="0"/>
+              </a:spcBef>
+              <a:spcAft>
+                <a:spcPct val="0"/>
+              </a:spcAft>
+              <a:defRPr b="1">
+                <a:solidFill>
+                  <a:schemeClr val="tx1"/>
+                </a:solidFill>
+                <a:latin typeface="Arial" charset="0"/>
+              </a:defRPr>
+            </a:lvl8pPr>
+            <a:lvl9pPr marL="1829079" algn="l" rtl="0" eaLnBrk="1" fontAlgn="base" hangingPunct="1">
+              <a:spcBef>
+                <a:spcPct val="0"/>
+              </a:spcBef>
+              <a:spcAft>
+                <a:spcPct val="0"/>
+              </a:spcAft>
+              <a:defRPr b="1">
+                <a:solidFill>
+                  <a:schemeClr val="tx1"/>
+                </a:solidFill>
+                <a:latin typeface="Arial" charset="0"/>
+              </a:defRPr>
+            </a:lvl9pPr>
+          </a:lstStyle>
+          <a:p>
+            <a:r>
+              <a:rPr lang="en-US" dirty="0" smtClean="0"/>
+              <a:t>Distribution of outcomes in training data set</a:t>
+            </a:r>
+            <a:endParaRPr lang="nl-NL" dirty="0"/>
+          </a:p>
+        </p:txBody>
+      </p:sp>
+    </p:spTree>
+    <p:extLst>
+      <p:ext uri="{BB962C8B-B14F-4D97-AF65-F5344CB8AC3E}">
+        <p14:creationId xmlns:p14="http://schemas.microsoft.com/office/powerpoint/2010/main" val="168907249"/>
+      </p:ext>
+    </p:extLst>
+  </p:cSld>
+  <p:clrMapOvr>
+    <a:masterClrMapping/>
+  </p:clrMapOvr>
+  <mc:AlternateContent xmlns:mc="http://schemas.openxmlformats.org/markup-compatibility/2006" xmlns:p14="http://schemas.microsoft.com/office/powerpoint/2010/main">
+    <mc:Choice Requires="p14">
+      <p:transition p14:dur="0"/>
+    </mc:Choice>
+    <mc:Fallback xmlns="">
+      <p:transition/>
+    </mc:Fallback>
+  </mc:AlternateContent>
+</p:sld>
+</file>
+
+<file path=ppt/slides/slide5.xml><?xml version="1.0" encoding="utf-8"?>
+<p:sld xmlns:a="http://schemas.openxmlformats.org/drawingml/2006/main" xmlns:r="http://schemas.openxmlformats.org/officeDocument/2006/relationships" xmlns:p="http://schemas.openxmlformats.org/presentationml/2006/main">
+  <p:cSld>
+    <p:spTree>
+      <p:nvGrpSpPr>
+        <p:cNvPr id="1" name=""/>
+        <p:cNvGrpSpPr/>
+        <p:nvPr/>
+      </p:nvGrpSpPr>
+      <p:grpSpPr>
+        <a:xfrm>
+          <a:off x="0" y="0"/>
+          <a:ext cx="0" cy="0"/>
+          <a:chOff x="0" y="0"/>
+          <a:chExt cx="0" cy="0"/>
+        </a:xfrm>
+      </p:grpSpPr>
+      <p:sp>
+        <p:nvSpPr>
+          <p:cNvPr id="2" name="Title 1"/>
+          <p:cNvSpPr>
+            <a:spLocks noGrp="1"/>
+          </p:cNvSpPr>
+          <p:nvPr>
+            <p:ph type="title"/>
+          </p:nvPr>
+        </p:nvSpPr>
+        <p:spPr/>
+        <p:txBody>
+          <a:bodyPr/>
+          <a:lstStyle/>
+          <a:p>
+            <a:r>
+              <a:rPr lang="en-US" dirty="0" smtClean="0"/>
+              <a:t>Models</a:t>
+            </a:r>
+            <a:endParaRPr lang="nl-NL" dirty="0"/>
+          </a:p>
+        </p:txBody>
+      </p:sp>
+      <p:sp>
+        <p:nvSpPr>
+          <p:cNvPr id="3" name="Content Placeholder 2"/>
+          <p:cNvSpPr>
+            <a:spLocks noGrp="1"/>
+          </p:cNvSpPr>
+          <p:nvPr>
+            <p:ph sz="quarter" idx="14"/>
+          </p:nvPr>
+        </p:nvSpPr>
+        <p:spPr/>
+        <p:txBody>
+          <a:bodyPr/>
+          <a:lstStyle/>
+          <a:p>
+            <a:r>
+              <a:rPr lang="en-US" dirty="0" smtClean="0"/>
+              <a:t>Logistic regression</a:t>
+            </a:r>
+          </a:p>
+          <a:p>
+            <a:r>
+              <a:rPr lang="en-US" dirty="0" smtClean="0"/>
+              <a:t>Random Forest</a:t>
+            </a:r>
+          </a:p>
+          <a:p>
+            <a:r>
+              <a:rPr lang="en-US" dirty="0" err="1" smtClean="0"/>
+              <a:t>XGBoost</a:t>
+            </a:r>
+            <a:r>
+              <a:rPr lang="en-US" dirty="0" smtClean="0"/>
+              <a:t> – </a:t>
+            </a:r>
+            <a:r>
+              <a:rPr lang="en-US" smtClean="0"/>
+              <a:t>best result</a:t>
+            </a:r>
+            <a:endParaRPr lang="nl-NL" dirty="0"/>
+          </a:p>
+        </p:txBody>
+      </p:sp>
+    </p:spTree>
+    <p:extLst>
+      <p:ext uri="{BB962C8B-B14F-4D97-AF65-F5344CB8AC3E}">
+        <p14:creationId xmlns:p14="http://schemas.microsoft.com/office/powerpoint/2010/main" val="1259711005"/>
+      </p:ext>
+    </p:extLst>
+  </p:cSld>
+  <p:clrMapOvr>
+    <a:masterClrMapping/>
+  </p:clrMapOvr>
+  <mc:AlternateContent xmlns:mc="http://schemas.openxmlformats.org/markup-compatibility/2006" xmlns:p14="http://schemas.microsoft.com/office/powerpoint/2010/main">
+    <mc:Choice Requires="p14">
+      <p:transition p14:dur="0"/>
+    </mc:Choice>
+    <mc:Fallback xmlns="">
+      <p:transition/>
+    </mc:Fallback>
+  </mc:AlternateContent>
+</p:sld>
+</file>
+
+<file path=ppt/slides/slide6.xml><?xml version="1.0" encoding="utf-8"?>
+<p:sld xmlns:a="http://schemas.openxmlformats.org/drawingml/2006/main" xmlns:r="http://schemas.openxmlformats.org/officeDocument/2006/relationships" xmlns:p="http://schemas.openxmlformats.org/presentationml/2006/main">
+  <p:cSld>
+    <p:spTree>
+      <p:nvGrpSpPr>
+        <p:cNvPr id="1" name=""/>
+        <p:cNvGrpSpPr/>
+        <p:nvPr/>
+      </p:nvGrpSpPr>
+      <p:grpSpPr>
+        <a:xfrm>
+          <a:off x="0" y="0"/>
+          <a:ext cx="0" cy="0"/>
+          <a:chOff x="0" y="0"/>
+          <a:chExt cx="0" cy="0"/>
+        </a:xfrm>
+      </p:grpSpPr>
+      <p:sp>
+        <p:nvSpPr>
+          <p:cNvPr id="2" name="Title 1"/>
+          <p:cNvSpPr>
+            <a:spLocks noGrp="1"/>
+          </p:cNvSpPr>
+          <p:nvPr>
+            <p:ph type="title"/>
+          </p:nvPr>
+        </p:nvSpPr>
+        <p:spPr>
+          <a:xfrm>
             <a:off x="624423" y="4"/>
             <a:ext cx="10937924" cy="487676"/>
           </a:xfrm>
@@ -11648,11 +16268,7 @@
             <a:pPr lvl="1"/>
             <a:r>
               <a:rPr lang="en-US" sz="600" dirty="0" smtClean="0"/>
-              <a:t>Azure </a:t>
-            </a:r>
-            <a:r>
-              <a:rPr lang="en-US" sz="600" dirty="0" smtClean="0"/>
-              <a:t>Data </a:t>
+              <a:t>Azure Data </a:t>
             </a:r>
             <a:r>
               <a:rPr lang="en-US" sz="600" dirty="0"/>
@@ -11901,22 +16517,14 @@
           <a:p>
             <a:r>
               <a:rPr lang="en-US" sz="600" dirty="0" smtClean="0"/>
-              <a:t>Practical </a:t>
-            </a:r>
+              <a:t>Practical Checklists:</a:t>
+            </a:r>
+          </a:p>
+          <a:p>
+            <a:pPr lvl="1"/>
             <a:r>
               <a:rPr lang="en-US" sz="600" dirty="0" smtClean="0"/>
-              <a:t>Checklists:</a:t>
-            </a:r>
-          </a:p>
-          <a:p>
-            <a:pPr lvl="1"/>
-            <a:r>
-              <a:rPr lang="en-US" sz="600" dirty="0" smtClean="0"/>
-              <a:t>Set </a:t>
-            </a:r>
-            <a:r>
-              <a:rPr lang="en-US" sz="600" dirty="0" smtClean="0"/>
-              <a:t>up data science lab: </a:t>
+              <a:t>Set up data science lab: </a:t>
             </a:r>
             <a:r>
               <a:rPr lang="en-US" sz="600" dirty="0" smtClean="0">
@@ -11950,11 +16558,7 @@
             <a:pPr lvl="1"/>
             <a:r>
               <a:rPr lang="en-US" sz="600" dirty="0" smtClean="0"/>
-              <a:t>Setting </a:t>
-            </a:r>
-            <a:r>
-              <a:rPr lang="en-US" sz="600" dirty="0" smtClean="0"/>
-              <a:t>up R in AWS: </a:t>
+              <a:t>Setting up R in AWS: </a:t>
             </a:r>
             <a:r>
               <a:rPr lang="en-US" sz="600" dirty="0" smtClean="0">
